--- a/docs/CV_SV_2020_V1.pptx
+++ b/docs/CV_SV_2020_V1.pptx
@@ -264,7 +264,7 @@
           <a:p>
             <a:fld id="{863FE3A7-EC10-4CB9-8B62-C9C4255F3532}" type="datetimeFigureOut">
               <a:rPr lang="es-CO" smtClean="0"/>
-              <a:t>14/07/2020</a:t>
+              <a:t>17/07/2020</a:t>
             </a:fld>
             <a:endParaRPr lang="es-CO"/>
           </a:p>
@@ -434,7 +434,7 @@
           <a:p>
             <a:fld id="{863FE3A7-EC10-4CB9-8B62-C9C4255F3532}" type="datetimeFigureOut">
               <a:rPr lang="es-CO" smtClean="0"/>
-              <a:t>14/07/2020</a:t>
+              <a:t>17/07/2020</a:t>
             </a:fld>
             <a:endParaRPr lang="es-CO"/>
           </a:p>
@@ -614,7 +614,7 @@
           <a:p>
             <a:fld id="{863FE3A7-EC10-4CB9-8B62-C9C4255F3532}" type="datetimeFigureOut">
               <a:rPr lang="es-CO" smtClean="0"/>
-              <a:t>14/07/2020</a:t>
+              <a:t>17/07/2020</a:t>
             </a:fld>
             <a:endParaRPr lang="es-CO"/>
           </a:p>
@@ -784,7 +784,7 @@
           <a:p>
             <a:fld id="{863FE3A7-EC10-4CB9-8B62-C9C4255F3532}" type="datetimeFigureOut">
               <a:rPr lang="es-CO" smtClean="0"/>
-              <a:t>14/07/2020</a:t>
+              <a:t>17/07/2020</a:t>
             </a:fld>
             <a:endParaRPr lang="es-CO"/>
           </a:p>
@@ -1028,7 +1028,7 @@
           <a:p>
             <a:fld id="{863FE3A7-EC10-4CB9-8B62-C9C4255F3532}" type="datetimeFigureOut">
               <a:rPr lang="es-CO" smtClean="0"/>
-              <a:t>14/07/2020</a:t>
+              <a:t>17/07/2020</a:t>
             </a:fld>
             <a:endParaRPr lang="es-CO"/>
           </a:p>
@@ -1260,7 +1260,7 @@
           <a:p>
             <a:fld id="{863FE3A7-EC10-4CB9-8B62-C9C4255F3532}" type="datetimeFigureOut">
               <a:rPr lang="es-CO" smtClean="0"/>
-              <a:t>14/07/2020</a:t>
+              <a:t>17/07/2020</a:t>
             </a:fld>
             <a:endParaRPr lang="es-CO"/>
           </a:p>
@@ -1627,7 +1627,7 @@
           <a:p>
             <a:fld id="{863FE3A7-EC10-4CB9-8B62-C9C4255F3532}" type="datetimeFigureOut">
               <a:rPr lang="es-CO" smtClean="0"/>
-              <a:t>14/07/2020</a:t>
+              <a:t>17/07/2020</a:t>
             </a:fld>
             <a:endParaRPr lang="es-CO"/>
           </a:p>
@@ -1745,7 +1745,7 @@
           <a:p>
             <a:fld id="{863FE3A7-EC10-4CB9-8B62-C9C4255F3532}" type="datetimeFigureOut">
               <a:rPr lang="es-CO" smtClean="0"/>
-              <a:t>14/07/2020</a:t>
+              <a:t>17/07/2020</a:t>
             </a:fld>
             <a:endParaRPr lang="es-CO"/>
           </a:p>
@@ -1840,7 +1840,7 @@
           <a:p>
             <a:fld id="{863FE3A7-EC10-4CB9-8B62-C9C4255F3532}" type="datetimeFigureOut">
               <a:rPr lang="es-CO" smtClean="0"/>
-              <a:t>14/07/2020</a:t>
+              <a:t>17/07/2020</a:t>
             </a:fld>
             <a:endParaRPr lang="es-CO"/>
           </a:p>
@@ -2117,7 +2117,7 @@
           <a:p>
             <a:fld id="{863FE3A7-EC10-4CB9-8B62-C9C4255F3532}" type="datetimeFigureOut">
               <a:rPr lang="es-CO" smtClean="0"/>
-              <a:t>14/07/2020</a:t>
+              <a:t>17/07/2020</a:t>
             </a:fld>
             <a:endParaRPr lang="es-CO"/>
           </a:p>
@@ -2374,7 +2374,7 @@
           <a:p>
             <a:fld id="{863FE3A7-EC10-4CB9-8B62-C9C4255F3532}" type="datetimeFigureOut">
               <a:rPr lang="es-CO" smtClean="0"/>
-              <a:t>14/07/2020</a:t>
+              <a:t>17/07/2020</a:t>
             </a:fld>
             <a:endParaRPr lang="es-CO"/>
           </a:p>
@@ -2587,7 +2587,7 @@
           <a:p>
             <a:fld id="{863FE3A7-EC10-4CB9-8B62-C9C4255F3532}" type="datetimeFigureOut">
               <a:rPr lang="es-CO" smtClean="0"/>
-              <a:t>14/07/2020</a:t>
+              <a:t>17/07/2020</a:t>
             </a:fld>
             <a:endParaRPr lang="es-CO"/>
           </a:p>
@@ -3006,10 +3006,10 @@
         </p:nvGrpSpPr>
         <p:grpSpPr>
           <a:xfrm>
-            <a:off x="-45894" y="0"/>
-            <a:ext cx="6961240" cy="9379974"/>
-            <a:chOff x="-7852756" y="-341936"/>
-            <a:chExt cx="6961240" cy="9379974"/>
+            <a:off x="-13910" y="0"/>
+            <a:ext cx="13592948" cy="9379974"/>
+            <a:chOff x="-15218593" y="-341936"/>
+            <a:chExt cx="13592948" cy="9379974"/>
           </a:xfrm>
         </p:grpSpPr>
         <p:pic>
@@ -3046,7 +3046,7 @@
           </p:blipFill>
           <p:spPr>
             <a:xfrm>
-              <a:off x="-7852756" y="-341936"/>
+              <a:off x="-15218593" y="-341936"/>
               <a:ext cx="6961240" cy="9379974"/>
             </a:xfrm>
             <a:prstGeom prst="rect">
@@ -3068,7 +3068,7 @@
           </p:nvSpPr>
           <p:spPr>
             <a:xfrm>
-              <a:off x="-7630739" y="-121541"/>
+              <a:off x="-8112409" y="-73079"/>
               <a:ext cx="6486764" cy="8929490"/>
             </a:xfrm>
             <a:prstGeom prst="rect">
@@ -3305,10 +3305,10 @@
         </p:nvGrpSpPr>
         <p:grpSpPr>
           <a:xfrm>
-            <a:off x="173932" y="2144404"/>
-            <a:ext cx="2567532" cy="4741017"/>
+            <a:off x="-5167217" y="857478"/>
+            <a:ext cx="2567532" cy="4217797"/>
             <a:chOff x="-37450" y="1354075"/>
-            <a:chExt cx="2567532" cy="4741017"/>
+            <a:chExt cx="2567532" cy="4217797"/>
           </a:xfrm>
         </p:grpSpPr>
         <p:sp>
@@ -3364,7 +3364,7 @@
           <p:spPr>
             <a:xfrm>
               <a:off x="46415" y="1570777"/>
-              <a:ext cx="2483667" cy="4524315"/>
+              <a:ext cx="2483667" cy="4001095"/>
             </a:xfrm>
             <a:prstGeom prst="rect">
               <a:avLst/>
@@ -3378,7 +3378,7 @@
             <a:lstStyle/>
             <a:p>
               <a:r>
-                <a:rPr lang="en-US" sz="1200" u="sng" dirty="0">
+                <a:rPr lang="en-US" sz="1400" b="1" i="1" dirty="0">
                   <a:latin typeface="Candara" panose="020E0502030303020204" pitchFamily="34" charset="0"/>
                 </a:rPr>
                 <a:t>Academics:</a:t>
@@ -3386,18 +3386,114 @@
             </a:p>
             <a:p>
               <a:r>
+                <a:rPr lang="en-US" sz="1200" b="1" dirty="0">
+                  <a:latin typeface="Candara" panose="020E0502030303020204" pitchFamily="34" charset="0"/>
+                </a:rPr>
+                <a:t>University of California – Davis</a:t>
+              </a:r>
+            </a:p>
+            <a:p>
+              <a:r>
                 <a:rPr lang="en-US" sz="1200" dirty="0">
                   <a:latin typeface="Candara" panose="020E0502030303020204" pitchFamily="34" charset="0"/>
                 </a:rPr>
-                <a:t>- Colombian School of Engineering Julio </a:t>
+                <a:t>Doctor of Philosophy</a:t>
+              </a:r>
+            </a:p>
+            <a:p>
+              <a:r>
+                <a:rPr lang="en-US" sz="1200" dirty="0">
+                  <a:latin typeface="Candara" panose="020E0502030303020204" pitchFamily="34" charset="0"/>
+                </a:rPr>
+                <a:t>Civil and Environmental Engineering</a:t>
+              </a:r>
+            </a:p>
+            <a:p>
+              <a:r>
+                <a:rPr lang="en-US" sz="1200" dirty="0">
+                  <a:latin typeface="Candara" panose="020E0502030303020204" pitchFamily="34" charset="0"/>
+                </a:rPr>
+                <a:t>Water Resources</a:t>
+              </a:r>
+            </a:p>
+            <a:p>
+              <a:r>
+                <a:rPr lang="en-US" sz="1200" dirty="0">
+                  <a:latin typeface="Candara" panose="020E0502030303020204" pitchFamily="34" charset="0"/>
+                </a:rPr>
+                <a:t>Lake Hydrodynamics</a:t>
+              </a:r>
+            </a:p>
+            <a:p>
+              <a:r>
+                <a:rPr lang="en-US" sz="1200" dirty="0">
+                  <a:latin typeface="Candara" panose="020E0502030303020204" pitchFamily="34" charset="0"/>
+                </a:rPr>
+                <a:t>Advisors: Fabian Bombardelli &amp; Geoffrey Schladow</a:t>
+              </a:r>
+            </a:p>
+            <a:p>
+              <a:r>
+                <a:rPr lang="en-US" sz="1200" dirty="0">
+                  <a:latin typeface="Candara" panose="020E0502030303020204" pitchFamily="34" charset="0"/>
+                </a:rPr>
+                <a:t>2017 – Present </a:t>
+              </a:r>
+            </a:p>
+            <a:p>
+              <a:r>
+                <a:rPr lang="en-US" sz="1200" b="1" dirty="0">
+                  <a:latin typeface="Candara" panose="020E0502030303020204" pitchFamily="34" charset="0"/>
+                </a:rPr>
+                <a:t>University of California – Davis</a:t>
+              </a:r>
+            </a:p>
+            <a:p>
+              <a:r>
+                <a:rPr lang="en-US" sz="1200" dirty="0">
+                  <a:latin typeface="Candara" panose="020E0502030303020204" pitchFamily="34" charset="0"/>
+                </a:rPr>
+                <a:t>Master of Science, Civil &amp; Environmental Engineering</a:t>
+              </a:r>
+            </a:p>
+            <a:p>
+              <a:r>
+                <a:rPr lang="en-US" sz="1200" dirty="0">
+                  <a:latin typeface="Candara" panose="020E0502030303020204" pitchFamily="34" charset="0"/>
+                </a:rPr>
+                <a:t>Water Resources Engineering</a:t>
+              </a:r>
+            </a:p>
+            <a:p>
+              <a:r>
+                <a:rPr lang="en-US" sz="1200" dirty="0">
+                  <a:latin typeface="Candara" panose="020E0502030303020204" pitchFamily="34" charset="0"/>
+                </a:rPr>
+                <a:t>Advisor: Fabian A. Bombardelli</a:t>
+              </a:r>
+            </a:p>
+            <a:p>
+              <a:r>
+                <a:rPr lang="en-US" sz="1200" dirty="0">
+                  <a:latin typeface="Candara" panose="020E0502030303020204" pitchFamily="34" charset="0"/>
+                </a:rPr>
+                <a:t>2018-2020</a:t>
+              </a:r>
+            </a:p>
+            <a:p>
+              <a:r>
+                <a:rPr lang="en-US" sz="1200" b="1" dirty="0">
+                  <a:latin typeface="Candara" panose="020E0502030303020204" pitchFamily="34" charset="0"/>
+                </a:rPr>
+                <a:t>Colombian School of Engineering Julio </a:t>
               </a:r>
               <a:r>
-                <a:rPr lang="en-US" sz="1200" dirty="0" err="1">
+                <a:rPr lang="en-US" sz="1200" b="1" dirty="0" err="1">
                   <a:latin typeface="Candara" panose="020E0502030303020204" pitchFamily="34" charset="0"/>
                 </a:rPr>
                 <a:t>Garavito</a:t>
               </a:r>
-              <a:endParaRPr lang="en-US" sz="1200" dirty="0">
+              <a:endParaRPr lang="en-US" sz="1200" b="1" dirty="0">
                 <a:latin typeface="Candara" panose="020E0502030303020204" pitchFamily="34" charset="0"/>
               </a:endParaRPr>
             </a:p>
@@ -3406,7 +3502,7 @@
                 <a:rPr lang="en-US" sz="1200" dirty="0">
                   <a:latin typeface="Candara" panose="020E0502030303020204" pitchFamily="34" charset="0"/>
                 </a:rPr>
-                <a:t>Bachelor of Science, Civil Engineering                                   2016</a:t>
+                <a:t>Bachelor of Science, Civil Engineering</a:t>
               </a:r>
             </a:p>
             <a:p>
@@ -3414,122 +3510,8 @@
                 <a:rPr lang="en-US" sz="1200" dirty="0">
                   <a:latin typeface="Candara" panose="020E0502030303020204" pitchFamily="34" charset="0"/>
                 </a:rPr>
-                <a:t>- Colombian School of Engineering Julio </a:t>
+                <a:t>2011-2016</a:t>
               </a:r>
-              <a:r>
-                <a:rPr lang="en-US" sz="1200" dirty="0" err="1">
-                  <a:latin typeface="Candara" panose="020E0502030303020204" pitchFamily="34" charset="0"/>
-                </a:rPr>
-                <a:t>Garavito</a:t>
-              </a:r>
-              <a:endParaRPr lang="en-US" sz="1200" dirty="0">
-                <a:latin typeface="Candara" panose="020E0502030303020204" pitchFamily="34" charset="0"/>
-              </a:endParaRPr>
-            </a:p>
-            <a:p>
-              <a:r>
-                <a:rPr lang="en-US" sz="1200" dirty="0">
-                  <a:latin typeface="Candara" panose="020E0502030303020204" pitchFamily="34" charset="0"/>
-                </a:rPr>
-                <a:t>Bachelor of Science, Mathematics	                              2019</a:t>
-              </a:r>
-            </a:p>
-            <a:p>
-              <a:r>
-                <a:rPr lang="en-US" sz="1200" u="sng" dirty="0" err="1">
-                  <a:latin typeface="Candara" panose="020E0502030303020204" pitchFamily="34" charset="0"/>
-                </a:rPr>
-                <a:t>Complementaries</a:t>
-              </a:r>
-              <a:r>
-                <a:rPr lang="en-US" sz="1200" u="sng" dirty="0">
-                  <a:latin typeface="Candara" panose="020E0502030303020204" pitchFamily="34" charset="0"/>
-                </a:rPr>
-                <a:t>:</a:t>
-              </a:r>
-            </a:p>
-            <a:p>
-              <a:r>
-                <a:rPr lang="en-US" sz="1200" dirty="0">
-                  <a:latin typeface="Candara" panose="020E0502030303020204" pitchFamily="34" charset="0"/>
-                </a:rPr>
-                <a:t>- University of La Salle</a:t>
-              </a:r>
-            </a:p>
-            <a:p>
-              <a:r>
-                <a:rPr lang="en-US" sz="1200" dirty="0">
-                  <a:latin typeface="Candara" panose="020E0502030303020204" pitchFamily="34" charset="0"/>
-                </a:rPr>
-                <a:t>Advanced Excel Course             2014</a:t>
-              </a:r>
-            </a:p>
-            <a:p>
-              <a:r>
-                <a:rPr lang="en-US" sz="1200" dirty="0">
-                  <a:latin typeface="Candara" panose="020E0502030303020204" pitchFamily="34" charset="0"/>
-                </a:rPr>
-                <a:t>- Colombian School of Engineering Julio </a:t>
-              </a:r>
-              <a:r>
-                <a:rPr lang="en-US" sz="1200" dirty="0" err="1">
-                  <a:latin typeface="Candara" panose="020E0502030303020204" pitchFamily="34" charset="0"/>
-                </a:rPr>
-                <a:t>Garavito</a:t>
-              </a:r>
-              <a:endParaRPr lang="en-US" sz="1200" dirty="0">
-                <a:latin typeface="Candara" panose="020E0502030303020204" pitchFamily="34" charset="0"/>
-              </a:endParaRPr>
-            </a:p>
-            <a:p>
-              <a:r>
-                <a:rPr lang="en-US" sz="1200" dirty="0">
-                  <a:latin typeface="Candara" panose="020E0502030303020204" pitchFamily="34" charset="0"/>
-                </a:rPr>
-                <a:t>Computational data analysis tools: Basic concepts of Data Science 	                              2018</a:t>
-              </a:r>
-            </a:p>
-            <a:p>
-              <a:r>
-                <a:rPr lang="en-US" sz="1200" dirty="0">
-                  <a:latin typeface="Candara" panose="020E0502030303020204" pitchFamily="34" charset="0"/>
-                </a:rPr>
-                <a:t>- Coursera – UC Davis</a:t>
-              </a:r>
-            </a:p>
-            <a:p>
-              <a:r>
-                <a:rPr lang="en-US" sz="1200" dirty="0">
-                  <a:latin typeface="Candara" panose="020E0502030303020204" pitchFamily="34" charset="0"/>
-                </a:rPr>
-                <a:t>SQL for data science                  2019</a:t>
-              </a:r>
-            </a:p>
-            <a:p>
-              <a:r>
-                <a:rPr lang="en-US" sz="1200" dirty="0">
-                  <a:latin typeface="Candara" panose="020E0502030303020204" pitchFamily="34" charset="0"/>
-                </a:rPr>
-                <a:t>- Udemy</a:t>
-              </a:r>
-            </a:p>
-            <a:p>
-              <a:r>
-                <a:rPr lang="en-US" sz="1200" dirty="0">
-                  <a:latin typeface="Candara" panose="020E0502030303020204" pitchFamily="34" charset="0"/>
-                </a:rPr>
-                <a:t>An introduction to data analysis with R and R Studio               (actual)</a:t>
-              </a:r>
-            </a:p>
-            <a:p>
-              <a:endParaRPr lang="en-US" sz="1200" dirty="0">
-                <a:latin typeface="Candara" panose="020E0502030303020204" pitchFamily="34" charset="0"/>
-              </a:endParaRPr>
-            </a:p>
-            <a:p>
-              <a:endParaRPr lang="en-US" sz="1200" dirty="0">
-                <a:latin typeface="Candara" panose="020E0502030303020204" pitchFamily="34" charset="0"/>
-              </a:endParaRPr>
             </a:p>
           </p:txBody>
         </p:sp>
@@ -3741,10 +3723,10 @@
         </p:nvGrpSpPr>
         <p:grpSpPr>
           <a:xfrm>
-            <a:off x="271467" y="6832517"/>
-            <a:ext cx="2217537" cy="1246496"/>
+            <a:off x="-5192529" y="5075343"/>
+            <a:ext cx="2217537" cy="907941"/>
             <a:chOff x="-4060500" y="6673847"/>
-            <a:chExt cx="2314768" cy="1246496"/>
+            <a:chExt cx="2314768" cy="907941"/>
           </a:xfrm>
         </p:grpSpPr>
         <p:sp>
@@ -3812,7 +3794,7 @@
           <p:spPr>
             <a:xfrm>
               <a:off x="-4060500" y="6981624"/>
-              <a:ext cx="2314768" cy="938719"/>
+              <a:ext cx="2314768" cy="600164"/>
             </a:xfrm>
             <a:prstGeom prst="rect">
               <a:avLst/>
@@ -3845,28 +3827,8 @@
                 <a:rPr lang="en-US" sz="1100" dirty="0">
                   <a:latin typeface="Candara" panose="020E0502030303020204" pitchFamily="34" charset="0"/>
                 </a:rPr>
-                <a:t>English                                          B2</a:t>
+                <a:t>English                              TOEFL 91</a:t>
               </a:r>
-            </a:p>
-            <a:p>
-              <a:pPr marL="171450" indent="-171450">
-                <a:buFontTx/>
-                <a:buChar char="-"/>
-              </a:pPr>
-              <a:r>
-                <a:rPr lang="en-US" sz="1100" dirty="0">
-                  <a:latin typeface="Candara" panose="020E0502030303020204" pitchFamily="34" charset="0"/>
-                </a:rPr>
-                <a:t>Portuguese                                 B1</a:t>
-              </a:r>
-              <a:br>
-                <a:rPr lang="en-US" sz="1100" dirty="0">
-                  <a:latin typeface="Candara" panose="020E0502030303020204" pitchFamily="34" charset="0"/>
-                </a:rPr>
-              </a:br>
-              <a:endParaRPr lang="en-US" sz="1100" dirty="0">
-                <a:latin typeface="Candara" panose="020E0502030303020204" pitchFamily="34" charset="0"/>
-              </a:endParaRPr>
             </a:p>
             <a:p>
               <a:endParaRPr lang="en-US" sz="1100" dirty="0">
@@ -3890,7 +3852,7 @@
         </p:nvGrpSpPr>
         <p:grpSpPr>
           <a:xfrm>
-            <a:off x="2775063" y="5376914"/>
+            <a:off x="8613155" y="3022914"/>
             <a:ext cx="3878706" cy="3669033"/>
             <a:chOff x="2874247" y="5889809"/>
             <a:chExt cx="3878706" cy="3669033"/>
@@ -3941,7 +3903,7 @@
                   </a:effectLst>
                   <a:latin typeface="Candara" panose="020E0502030303020204" pitchFamily="34" charset="0"/>
                 </a:rPr>
-                <a:t>WORK EXPERIENCE</a:t>
+                <a:t>RESEARCH EXPERIENCE</a:t>
               </a:r>
             </a:p>
           </p:txBody>
@@ -5772,6 +5734,2421 @@
           </p:sp>
         </p:grpSp>
       </p:grpSp>
+      <p:grpSp>
+        <p:nvGrpSpPr>
+          <p:cNvPr id="38" name="Grupo 20">
+            <a:extLst>
+              <a:ext uri="{FF2B5EF4-FFF2-40B4-BE49-F238E27FC236}">
+                <a16:creationId xmlns:a16="http://schemas.microsoft.com/office/drawing/2014/main" id="{0405F815-D478-4696-8CFA-3D0163F81707}"/>
+              </a:ext>
+            </a:extLst>
+          </p:cNvPr>
+          <p:cNvGrpSpPr/>
+          <p:nvPr/>
+        </p:nvGrpSpPr>
+        <p:grpSpPr>
+          <a:xfrm>
+            <a:off x="2927463" y="5529314"/>
+            <a:ext cx="3878706" cy="3669033"/>
+            <a:chOff x="2874247" y="5889809"/>
+            <a:chExt cx="3878706" cy="3669033"/>
+          </a:xfrm>
+        </p:grpSpPr>
+        <p:sp>
+          <p:nvSpPr>
+            <p:cNvPr id="39" name="CuadroTexto 51">
+              <a:extLst>
+                <a:ext uri="{FF2B5EF4-FFF2-40B4-BE49-F238E27FC236}">
+                  <a16:creationId xmlns:a16="http://schemas.microsoft.com/office/drawing/2014/main" id="{DC9495CD-0F0B-4505-9C2F-E456BD05B8E7}"/>
+                </a:ext>
+              </a:extLst>
+            </p:cNvPr>
+            <p:cNvSpPr txBox="1"/>
+            <p:nvPr/>
+          </p:nvSpPr>
+          <p:spPr>
+            <a:xfrm>
+              <a:off x="3139569" y="5889809"/>
+              <a:ext cx="2157397" cy="307777"/>
+            </a:xfrm>
+            <a:prstGeom prst="rect">
+              <a:avLst/>
+            </a:prstGeom>
+            <a:noFill/>
+          </p:spPr>
+          <p:txBody>
+            <a:bodyPr wrap="square" rtlCol="0">
+              <a:spAutoFit/>
+            </a:bodyPr>
+            <a:lstStyle/>
+            <a:p>
+              <a:r>
+                <a:rPr lang="es-CO" sz="1400" dirty="0">
+                  <a:solidFill>
+                    <a:schemeClr val="tx1">
+                      <a:lumMod val="75000"/>
+                      <a:lumOff val="25000"/>
+                    </a:schemeClr>
+                  </a:solidFill>
+                  <a:effectLst>
+                    <a:outerShdw blurRad="38100" dist="38100" dir="2700000" algn="tl">
+                      <a:srgbClr val="000000">
+                        <a:alpha val="43137"/>
+                      </a:srgbClr>
+                    </a:outerShdw>
+                  </a:effectLst>
+                  <a:latin typeface="Candara" panose="020E0502030303020204" pitchFamily="34" charset="0"/>
+                </a:rPr>
+                <a:t>WORK EXPERIENCE</a:t>
+              </a:r>
+            </a:p>
+          </p:txBody>
+        </p:sp>
+        <p:sp>
+          <p:nvSpPr>
+            <p:cNvPr id="41" name="CuadroTexto 84">
+              <a:extLst>
+                <a:ext uri="{FF2B5EF4-FFF2-40B4-BE49-F238E27FC236}">
+                  <a16:creationId xmlns:a16="http://schemas.microsoft.com/office/drawing/2014/main" id="{858FBFAE-201E-4B39-8CEE-350D1356BB47}"/>
+                </a:ext>
+              </a:extLst>
+            </p:cNvPr>
+            <p:cNvSpPr txBox="1"/>
+            <p:nvPr/>
+          </p:nvSpPr>
+          <p:spPr>
+            <a:xfrm>
+              <a:off x="2874247" y="6142522"/>
+              <a:ext cx="3878706" cy="3416320"/>
+            </a:xfrm>
+            <a:prstGeom prst="rect">
+              <a:avLst/>
+            </a:prstGeom>
+            <a:noFill/>
+          </p:spPr>
+          <p:txBody>
+            <a:bodyPr wrap="square" rtlCol="0">
+              <a:spAutoFit/>
+            </a:bodyPr>
+            <a:lstStyle/>
+            <a:p>
+              <a:pPr algn="just"/>
+              <a:r>
+                <a:rPr lang="es-ES" sz="1200" dirty="0">
+                  <a:effectLst>
+                    <a:outerShdw blurRad="38100" dist="38100" dir="2700000" algn="tl">
+                      <a:srgbClr val="000000">
+                        <a:alpha val="43137"/>
+                      </a:srgbClr>
+                    </a:outerShdw>
+                  </a:effectLst>
+                  <a:latin typeface="Candara" panose="020E0502030303020204" pitchFamily="34" charset="0"/>
+                </a:rPr>
+                <a:t>Data </a:t>
+              </a:r>
+              <a:r>
+                <a:rPr lang="es-ES" sz="1200" dirty="0" err="1">
+                  <a:effectLst>
+                    <a:outerShdw blurRad="38100" dist="38100" dir="2700000" algn="tl">
+                      <a:srgbClr val="000000">
+                        <a:alpha val="43137"/>
+                      </a:srgbClr>
+                    </a:outerShdw>
+                  </a:effectLst>
+                  <a:latin typeface="Candara" panose="020E0502030303020204" pitchFamily="34" charset="0"/>
+                </a:rPr>
+                <a:t>Scientist</a:t>
+              </a:r>
+              <a:r>
+                <a:rPr lang="es-ES" sz="1200" dirty="0">
+                  <a:effectLst>
+                    <a:outerShdw blurRad="38100" dist="38100" dir="2700000" algn="tl">
+                      <a:srgbClr val="000000">
+                        <a:alpha val="43137"/>
+                      </a:srgbClr>
+                    </a:outerShdw>
+                  </a:effectLst>
+                  <a:latin typeface="Candara" panose="020E0502030303020204" pitchFamily="34" charset="0"/>
+                </a:rPr>
+                <a:t> Jr.</a:t>
+              </a:r>
+            </a:p>
+            <a:p>
+              <a:pPr algn="just"/>
+              <a:r>
+                <a:rPr lang="en-US" sz="1200" dirty="0" err="1">
+                  <a:latin typeface="Candara" panose="020E0502030303020204" pitchFamily="34" charset="0"/>
+                </a:rPr>
+                <a:t>Rappi</a:t>
+              </a:r>
+              <a:r>
+                <a:rPr lang="en-US" sz="1200" dirty="0">
+                  <a:latin typeface="Candara" panose="020E0502030303020204" pitchFamily="34" charset="0"/>
+                </a:rPr>
+                <a:t>, Inc / Bogotá D.C / 2019 - present</a:t>
+              </a:r>
+            </a:p>
+            <a:p>
+              <a:pPr algn="just"/>
+              <a:r>
+                <a:rPr lang="en-US" sz="1200" dirty="0">
+                  <a:latin typeface="Candara" panose="020E0502030303020204" pitchFamily="34" charset="0"/>
+                </a:rPr>
+                <a:t>Functions: Purchase behavior analysis by studying the app, and performance of users in it. Generation of dashboards that allow the visualization of the relevant information, as well as, business interest metrics and information of reliability metrics through statistical methods. AB testing of experiments, and modification of approaches to promote improvements. Technical support in the creation of personalization algorithms and complementary products. Definition of qualification variables for segmentation and prioritization of elements and recommendations. Creation of metrics for monitoring analytics of interest in segmentation or measurement processes.  </a:t>
+              </a:r>
+            </a:p>
+            <a:p>
+              <a:pPr algn="r"/>
+              <a:r>
+                <a:rPr lang="en-US" sz="1200" dirty="0">
+                  <a:effectLst>
+                    <a:outerShdw blurRad="38100" dist="38100" dir="2700000" algn="tl">
+                      <a:srgbClr val="000000">
+                        <a:alpha val="43137"/>
+                      </a:srgbClr>
+                    </a:outerShdw>
+                  </a:effectLst>
+                  <a:latin typeface="Candara" panose="020E0502030303020204" pitchFamily="34" charset="0"/>
+                </a:rPr>
+                <a:t>Ref:</a:t>
+              </a:r>
+              <a:r>
+                <a:rPr lang="en-US" sz="1200" dirty="0">
+                  <a:latin typeface="Candara" panose="020E0502030303020204" pitchFamily="34" charset="0"/>
+                </a:rPr>
+                <a:t> Cristobal </a:t>
+              </a:r>
+              <a:r>
+                <a:rPr lang="en-US" sz="1200" dirty="0" err="1">
+                  <a:latin typeface="Candara" panose="020E0502030303020204" pitchFamily="34" charset="0"/>
+                </a:rPr>
+                <a:t>Caicedo</a:t>
+              </a:r>
+              <a:r>
+                <a:rPr lang="en-US" sz="1200" dirty="0">
+                  <a:latin typeface="Candara" panose="020E0502030303020204" pitchFamily="34" charset="0"/>
+                </a:rPr>
+                <a:t>,</a:t>
+              </a:r>
+              <a:r>
+                <a:rPr lang="es-CO" sz="1200" dirty="0">
+                  <a:latin typeface="Candara" panose="020E0502030303020204" pitchFamily="34" charset="0"/>
+                </a:rPr>
+                <a:t> Product Lead Restaurants</a:t>
+              </a:r>
+            </a:p>
+            <a:p>
+              <a:pPr algn="r"/>
+              <a:r>
+                <a:rPr lang="es-CO" sz="1200" dirty="0">
+                  <a:latin typeface="Candara" panose="020E0502030303020204" pitchFamily="34" charset="0"/>
+                </a:rPr>
+                <a:t>TEL: </a:t>
+              </a:r>
+              <a:r>
+                <a:rPr lang="es-AU" sz="1200" dirty="0">
+                  <a:latin typeface="Candara" panose="020E0502030303020204" pitchFamily="34" charset="0"/>
+                </a:rPr>
+                <a:t>316 3535</a:t>
+              </a:r>
+              <a:endParaRPr lang="es-CO" sz="1200" dirty="0">
+                <a:latin typeface="Candara" panose="020E0502030303020204" pitchFamily="34" charset="0"/>
+              </a:endParaRPr>
+            </a:p>
+            <a:p>
+              <a:pPr algn="just"/>
+              <a:endParaRPr lang="es-CO" sz="1200" dirty="0">
+                <a:latin typeface="Candara" panose="020E0502030303020204" pitchFamily="34" charset="0"/>
+              </a:endParaRPr>
+            </a:p>
+          </p:txBody>
+        </p:sp>
+      </p:grpSp>
+      <p:grpSp>
+        <p:nvGrpSpPr>
+          <p:cNvPr id="42" name="Grupo 40">
+            <a:extLst>
+              <a:ext uri="{FF2B5EF4-FFF2-40B4-BE49-F238E27FC236}">
+                <a16:creationId xmlns:a16="http://schemas.microsoft.com/office/drawing/2014/main" id="{A5413392-D5FB-4FE2-9B18-30ACE296F3F2}"/>
+              </a:ext>
+            </a:extLst>
+          </p:cNvPr>
+          <p:cNvGrpSpPr/>
+          <p:nvPr/>
+        </p:nvGrpSpPr>
+        <p:grpSpPr>
+          <a:xfrm>
+            <a:off x="-2640042" y="597264"/>
+            <a:ext cx="2214940" cy="8306010"/>
+            <a:chOff x="3322043" y="727996"/>
+            <a:chExt cx="2214940" cy="8306010"/>
+          </a:xfrm>
+        </p:grpSpPr>
+        <p:sp>
+          <p:nvSpPr>
+            <p:cNvPr id="43" name="TextBox 83">
+              <a:extLst>
+                <a:ext uri="{FF2B5EF4-FFF2-40B4-BE49-F238E27FC236}">
+                  <a16:creationId xmlns:a16="http://schemas.microsoft.com/office/drawing/2014/main" id="{4376FB64-4735-4CF4-84A6-72D2F80A9FF4}"/>
+                </a:ext>
+              </a:extLst>
+            </p:cNvPr>
+            <p:cNvSpPr txBox="1"/>
+            <p:nvPr/>
+          </p:nvSpPr>
+          <p:spPr>
+            <a:xfrm>
+              <a:off x="3374727" y="8726229"/>
+              <a:ext cx="2162256" cy="307777"/>
+            </a:xfrm>
+            <a:prstGeom prst="rect">
+              <a:avLst/>
+            </a:prstGeom>
+            <a:noFill/>
+          </p:spPr>
+          <p:txBody>
+            <a:bodyPr wrap="square" rtlCol="0">
+              <a:spAutoFit/>
+            </a:bodyPr>
+            <a:lstStyle/>
+            <a:p>
+              <a:pPr algn="r"/>
+              <a:r>
+                <a:rPr lang="en-US" sz="700" dirty="0">
+                  <a:solidFill>
+                    <a:schemeClr val="bg1">
+                      <a:lumMod val="65000"/>
+                    </a:schemeClr>
+                  </a:solidFill>
+                  <a:latin typeface="Candara" panose="020E0502030303020204" pitchFamily="34" charset="0"/>
+                </a:rPr>
+                <a:t>advanced knowledge: A.K. </a:t>
+              </a:r>
+              <a:br>
+                <a:rPr lang="en-US" sz="700" dirty="0">
+                  <a:solidFill>
+                    <a:schemeClr val="bg1">
+                      <a:lumMod val="65000"/>
+                    </a:schemeClr>
+                  </a:solidFill>
+                  <a:latin typeface="Candara" panose="020E0502030303020204" pitchFamily="34" charset="0"/>
+                </a:rPr>
+              </a:br>
+              <a:r>
+                <a:rPr lang="en-US" sz="700" dirty="0">
+                  <a:solidFill>
+                    <a:schemeClr val="bg1">
+                      <a:lumMod val="65000"/>
+                    </a:schemeClr>
+                  </a:solidFill>
+                  <a:latin typeface="Candara" panose="020E0502030303020204" pitchFamily="34" charset="0"/>
+                </a:rPr>
+                <a:t>basic knowledge: B.K.</a:t>
+              </a:r>
+            </a:p>
+          </p:txBody>
+        </p:sp>
+        <p:grpSp>
+          <p:nvGrpSpPr>
+            <p:cNvPr id="44" name="Grupo 42">
+              <a:extLst>
+                <a:ext uri="{FF2B5EF4-FFF2-40B4-BE49-F238E27FC236}">
+                  <a16:creationId xmlns:a16="http://schemas.microsoft.com/office/drawing/2014/main" id="{4551D271-1A21-4C5F-A17B-514FC4840D15}"/>
+                </a:ext>
+              </a:extLst>
+            </p:cNvPr>
+            <p:cNvGrpSpPr/>
+            <p:nvPr/>
+          </p:nvGrpSpPr>
+          <p:grpSpPr>
+            <a:xfrm>
+              <a:off x="3322043" y="727996"/>
+              <a:ext cx="2204842" cy="7734296"/>
+              <a:chOff x="3322043" y="727996"/>
+              <a:chExt cx="2204842" cy="7734296"/>
+            </a:xfrm>
+          </p:grpSpPr>
+          <p:sp>
+            <p:nvSpPr>
+              <p:cNvPr id="71" name="CuadroTexto 51">
+                <a:extLst>
+                  <a:ext uri="{FF2B5EF4-FFF2-40B4-BE49-F238E27FC236}">
+                    <a16:creationId xmlns:a16="http://schemas.microsoft.com/office/drawing/2014/main" id="{A83305B5-47B0-485C-94D4-FC8B17C0C689}"/>
+                  </a:ext>
+                </a:extLst>
+              </p:cNvPr>
+              <p:cNvSpPr txBox="1"/>
+              <p:nvPr/>
+            </p:nvSpPr>
+            <p:spPr>
+              <a:xfrm>
+                <a:off x="3322043" y="727996"/>
+                <a:ext cx="2204842" cy="307777"/>
+              </a:xfrm>
+              <a:prstGeom prst="rect">
+                <a:avLst/>
+              </a:prstGeom>
+              <a:noFill/>
+            </p:spPr>
+            <p:txBody>
+              <a:bodyPr wrap="square" rtlCol="0">
+                <a:spAutoFit/>
+              </a:bodyPr>
+              <a:lstStyle/>
+              <a:p>
+                <a:r>
+                  <a:rPr lang="es-CO" sz="1400" dirty="0">
+                    <a:solidFill>
+                      <a:schemeClr val="tx1">
+                        <a:lumMod val="75000"/>
+                        <a:lumOff val="25000"/>
+                      </a:schemeClr>
+                    </a:solidFill>
+                    <a:effectLst>
+                      <a:outerShdw blurRad="38100" dist="38100" dir="2700000" algn="tl">
+                        <a:srgbClr val="000000">
+                          <a:alpha val="43137"/>
+                        </a:srgbClr>
+                      </a:outerShdw>
+                    </a:effectLst>
+                    <a:latin typeface="Candara" panose="020E0502030303020204" pitchFamily="34" charset="0"/>
+                  </a:rPr>
+                  <a:t>TECHNICAL SKILLS</a:t>
+                </a:r>
+              </a:p>
+            </p:txBody>
+          </p:sp>
+          <p:sp>
+            <p:nvSpPr>
+              <p:cNvPr id="72" name="TextBox 68">
+                <a:extLst>
+                  <a:ext uri="{FF2B5EF4-FFF2-40B4-BE49-F238E27FC236}">
+                    <a16:creationId xmlns:a16="http://schemas.microsoft.com/office/drawing/2014/main" id="{3B222D07-DDD5-4693-8B64-50634456A67E}"/>
+                  </a:ext>
+                </a:extLst>
+              </p:cNvPr>
+              <p:cNvSpPr txBox="1"/>
+              <p:nvPr/>
+            </p:nvSpPr>
+            <p:spPr>
+              <a:xfrm>
+                <a:off x="3357065" y="1014747"/>
+                <a:ext cx="1761184" cy="7371249"/>
+              </a:xfrm>
+              <a:prstGeom prst="rect">
+                <a:avLst/>
+              </a:prstGeom>
+              <a:noFill/>
+            </p:spPr>
+            <p:txBody>
+              <a:bodyPr wrap="square" rtlCol="0">
+                <a:spAutoFit/>
+              </a:bodyPr>
+              <a:lstStyle/>
+              <a:p>
+                <a:pPr marL="171450" indent="-171450">
+                  <a:buFontTx/>
+                  <a:buChar char="-"/>
+                </a:pPr>
+                <a:r>
+                  <a:rPr lang="es-CO" sz="1100" dirty="0">
+                    <a:latin typeface="Candara" panose="020E0502030303020204" pitchFamily="34" charset="0"/>
+                  </a:rPr>
+                  <a:t>Matlab</a:t>
+                </a:r>
+              </a:p>
+              <a:p>
+                <a:pPr marL="171450" indent="-171450">
+                  <a:buFontTx/>
+                  <a:buChar char="-"/>
+                </a:pPr>
+                <a:endParaRPr lang="es-CO" sz="1100" dirty="0">
+                  <a:latin typeface="Candara" panose="020E0502030303020204" pitchFamily="34" charset="0"/>
+                </a:endParaRPr>
+              </a:p>
+              <a:p>
+                <a:pPr marL="171450" indent="-171450">
+                  <a:buFontTx/>
+                  <a:buChar char="-"/>
+                </a:pPr>
+                <a:r>
+                  <a:rPr lang="es-CO" sz="1100" dirty="0">
+                    <a:latin typeface="Candara" panose="020E0502030303020204" pitchFamily="34" charset="0"/>
+                  </a:rPr>
+                  <a:t>SQL</a:t>
+                </a:r>
+              </a:p>
+              <a:p>
+                <a:pPr marL="171450" indent="-171450">
+                  <a:buFontTx/>
+                  <a:buChar char="-"/>
+                </a:pPr>
+                <a:endParaRPr lang="es-CO" sz="1100" dirty="0">
+                  <a:latin typeface="Candara" panose="020E0502030303020204" pitchFamily="34" charset="0"/>
+                </a:endParaRPr>
+              </a:p>
+              <a:p>
+                <a:pPr marL="171450" indent="-171450">
+                  <a:buFontTx/>
+                  <a:buChar char="-"/>
+                </a:pPr>
+                <a:r>
+                  <a:rPr lang="es-CO" sz="1100" dirty="0">
+                    <a:latin typeface="Candara" panose="020E0502030303020204" pitchFamily="34" charset="0"/>
+                  </a:rPr>
+                  <a:t>Python</a:t>
+                </a:r>
+              </a:p>
+              <a:p>
+                <a:pPr marL="171450" indent="-171450">
+                  <a:buFontTx/>
+                  <a:buChar char="-"/>
+                </a:pPr>
+                <a:endParaRPr lang="es-CO" sz="1100" dirty="0">
+                  <a:latin typeface="Candara" panose="020E0502030303020204" pitchFamily="34" charset="0"/>
+                </a:endParaRPr>
+              </a:p>
+              <a:p>
+                <a:pPr marL="171450" indent="-171450">
+                  <a:buFontTx/>
+                  <a:buChar char="-"/>
+                </a:pPr>
+                <a:r>
+                  <a:rPr lang="es-CO" sz="1100" dirty="0">
+                    <a:latin typeface="Candara" panose="020E0502030303020204" pitchFamily="34" charset="0"/>
+                  </a:rPr>
+                  <a:t>OpenFOAM</a:t>
+                </a:r>
+              </a:p>
+              <a:p>
+                <a:pPr marL="171450" indent="-171450">
+                  <a:buFontTx/>
+                  <a:buChar char="-"/>
+                </a:pPr>
+                <a:endParaRPr lang="es-CO" sz="1100" dirty="0">
+                  <a:latin typeface="Candara" panose="020E0502030303020204" pitchFamily="34" charset="0"/>
+                </a:endParaRPr>
+              </a:p>
+              <a:p>
+                <a:pPr marL="171450" indent="-171450">
+                  <a:buFontTx/>
+                  <a:buChar char="-"/>
+                </a:pPr>
+                <a:r>
+                  <a:rPr lang="es-CO" sz="1100" dirty="0">
+                    <a:latin typeface="Candara" panose="020E0502030303020204" pitchFamily="34" charset="0"/>
+                  </a:rPr>
+                  <a:t>si3D</a:t>
+                </a:r>
+              </a:p>
+              <a:p>
+                <a:pPr marL="171450" indent="-171450">
+                  <a:buFontTx/>
+                  <a:buChar char="-"/>
+                </a:pPr>
+                <a:endParaRPr lang="es-CO" sz="1100" dirty="0">
+                  <a:latin typeface="Candara" panose="020E0502030303020204" pitchFamily="34" charset="0"/>
+                </a:endParaRPr>
+              </a:p>
+              <a:p>
+                <a:pPr marL="171450" indent="-171450">
+                  <a:buFontTx/>
+                  <a:buChar char="-"/>
+                </a:pPr>
+                <a:r>
+                  <a:rPr lang="es-CO" sz="1100" dirty="0">
+                    <a:latin typeface="Candara" panose="020E0502030303020204" pitchFamily="34" charset="0"/>
+                  </a:rPr>
+                  <a:t>ArcGIS</a:t>
+                </a:r>
+              </a:p>
+              <a:p>
+                <a:pPr marL="171450" indent="-171450">
+                  <a:buFontTx/>
+                  <a:buChar char="-"/>
+                </a:pPr>
+                <a:endParaRPr lang="es-CO" sz="1100" dirty="0">
+                  <a:latin typeface="Candara" panose="020E0502030303020204" pitchFamily="34" charset="0"/>
+                </a:endParaRPr>
+              </a:p>
+              <a:p>
+                <a:pPr marL="171450" indent="-171450">
+                  <a:buFontTx/>
+                  <a:buChar char="-"/>
+                </a:pPr>
+                <a:r>
+                  <a:rPr lang="es-CO" sz="1100" dirty="0">
+                    <a:latin typeface="Candara" panose="020E0502030303020204" pitchFamily="34" charset="0"/>
+                  </a:rPr>
+                  <a:t>QGIS</a:t>
+                </a:r>
+              </a:p>
+              <a:p>
+                <a:pPr marL="171450" indent="-171450">
+                  <a:buFontTx/>
+                  <a:buChar char="-"/>
+                </a:pPr>
+                <a:endParaRPr lang="es-CO" sz="1100" dirty="0">
+                  <a:latin typeface="Candara" panose="020E0502030303020204" pitchFamily="34" charset="0"/>
+                </a:endParaRPr>
+              </a:p>
+              <a:p>
+                <a:pPr marL="171450" indent="-171450">
+                  <a:buFontTx/>
+                  <a:buChar char="-"/>
+                </a:pPr>
+                <a:r>
+                  <a:rPr lang="es-CO" sz="1100" dirty="0">
+                    <a:latin typeface="Candara" panose="020E0502030303020204" pitchFamily="34" charset="0"/>
+                  </a:rPr>
+                  <a:t>Retool</a:t>
+                </a:r>
+              </a:p>
+              <a:p>
+                <a:pPr marL="171450" indent="-171450">
+                  <a:buFontTx/>
+                  <a:buChar char="-"/>
+                </a:pPr>
+                <a:endParaRPr lang="es-CO" sz="1100" dirty="0">
+                  <a:latin typeface="Candara" panose="020E0502030303020204" pitchFamily="34" charset="0"/>
+                </a:endParaRPr>
+              </a:p>
+              <a:p>
+                <a:pPr marL="171450" indent="-171450">
+                  <a:buFontTx/>
+                  <a:buChar char="-"/>
+                </a:pPr>
+                <a:r>
+                  <a:rPr lang="es-CO" sz="1100" dirty="0">
+                    <a:latin typeface="Candara" panose="020E0502030303020204" pitchFamily="34" charset="0"/>
+                  </a:rPr>
+                  <a:t>S3</a:t>
+                </a:r>
+              </a:p>
+              <a:p>
+                <a:pPr marL="171450" indent="-171450">
+                  <a:buFontTx/>
+                  <a:buChar char="-"/>
+                </a:pPr>
+                <a:endParaRPr lang="es-CO" sz="1100" dirty="0">
+                  <a:latin typeface="Candara" panose="020E0502030303020204" pitchFamily="34" charset="0"/>
+                </a:endParaRPr>
+              </a:p>
+              <a:p>
+                <a:pPr marL="171450" indent="-171450">
+                  <a:buFontTx/>
+                  <a:buChar char="-"/>
+                </a:pPr>
+                <a:r>
+                  <a:rPr lang="es-CO" sz="1100" dirty="0">
+                    <a:latin typeface="Candara" panose="020E0502030303020204" pitchFamily="34" charset="0"/>
+                  </a:rPr>
+                  <a:t>AirFlow</a:t>
+                </a:r>
+              </a:p>
+              <a:p>
+                <a:pPr marL="171450" indent="-171450">
+                  <a:buFontTx/>
+                  <a:buChar char="-"/>
+                </a:pPr>
+                <a:endParaRPr lang="es-CO" sz="1100" dirty="0">
+                  <a:latin typeface="Candara" panose="020E0502030303020204" pitchFamily="34" charset="0"/>
+                </a:endParaRPr>
+              </a:p>
+              <a:p>
+                <a:pPr marL="171450" indent="-171450">
+                  <a:buFontTx/>
+                  <a:buChar char="-"/>
+                </a:pPr>
+                <a:r>
+                  <a:rPr lang="es-CO" sz="1100" dirty="0">
+                    <a:latin typeface="Candara" panose="020E0502030303020204" pitchFamily="34" charset="0"/>
+                  </a:rPr>
+                  <a:t>Astronomer</a:t>
+                </a:r>
+              </a:p>
+              <a:p>
+                <a:pPr marL="171450" indent="-171450">
+                  <a:buFontTx/>
+                  <a:buChar char="-"/>
+                </a:pPr>
+                <a:endParaRPr lang="es-CO" sz="1100" dirty="0">
+                  <a:latin typeface="Candara" panose="020E0502030303020204" pitchFamily="34" charset="0"/>
+                </a:endParaRPr>
+              </a:p>
+              <a:p>
+                <a:pPr marL="171450" indent="-171450">
+                  <a:buFontTx/>
+                  <a:buChar char="-"/>
+                </a:pPr>
+                <a:r>
+                  <a:rPr lang="es-CO" sz="1100" dirty="0">
+                    <a:latin typeface="Candara" panose="020E0502030303020204" pitchFamily="34" charset="0"/>
+                  </a:rPr>
+                  <a:t>Sisense</a:t>
+                </a:r>
+              </a:p>
+              <a:p>
+                <a:pPr marL="171450" indent="-171450">
+                  <a:buFontTx/>
+                  <a:buChar char="-"/>
+                </a:pPr>
+                <a:endParaRPr lang="es-CO" sz="1100" dirty="0">
+                  <a:latin typeface="Candara" panose="020E0502030303020204" pitchFamily="34" charset="0"/>
+                </a:endParaRPr>
+              </a:p>
+              <a:p>
+                <a:pPr marL="171450" indent="-171450">
+                  <a:buFontTx/>
+                  <a:buChar char="-"/>
+                </a:pPr>
+                <a:r>
+                  <a:rPr lang="es-CO" sz="1100" dirty="0">
+                    <a:latin typeface="Candara" panose="020E0502030303020204" pitchFamily="34" charset="0"/>
+                  </a:rPr>
+                  <a:t>Redash</a:t>
+                </a:r>
+              </a:p>
+              <a:p>
+                <a:pPr marL="171450" indent="-171450">
+                  <a:buFontTx/>
+                  <a:buChar char="-"/>
+                </a:pPr>
+                <a:endParaRPr lang="es-CO" sz="1100" dirty="0">
+                  <a:latin typeface="Candara" panose="020E0502030303020204" pitchFamily="34" charset="0"/>
+                </a:endParaRPr>
+              </a:p>
+              <a:p>
+                <a:pPr marL="171450" indent="-171450">
+                  <a:buFontTx/>
+                  <a:buChar char="-"/>
+                </a:pPr>
+                <a:r>
+                  <a:rPr lang="es-CO" sz="1100" dirty="0">
+                    <a:latin typeface="Candara" panose="020E0502030303020204" pitchFamily="34" charset="0"/>
+                  </a:rPr>
+                  <a:t>Power BI</a:t>
+                </a:r>
+                <a:br>
+                  <a:rPr lang="es-CO" sz="1100" dirty="0">
+                    <a:latin typeface="Candara" panose="020E0502030303020204" pitchFamily="34" charset="0"/>
+                  </a:rPr>
+                </a:br>
+                <a:endParaRPr lang="es-CO" sz="1100" dirty="0">
+                  <a:latin typeface="Candara" panose="020E0502030303020204" pitchFamily="34" charset="0"/>
+                </a:endParaRPr>
+              </a:p>
+              <a:p>
+                <a:pPr marL="171450" indent="-171450">
+                  <a:buFontTx/>
+                  <a:buChar char="-"/>
+                </a:pPr>
+                <a:r>
+                  <a:rPr lang="es-CO" sz="1100" dirty="0">
+                    <a:latin typeface="Candara" panose="020E0502030303020204" pitchFamily="34" charset="0"/>
+                  </a:rPr>
+                  <a:t>Bitbucket</a:t>
+                </a:r>
+              </a:p>
+              <a:p>
+                <a:pPr marL="171450" indent="-171450">
+                  <a:buFontTx/>
+                  <a:buChar char="-"/>
+                </a:pPr>
+                <a:endParaRPr lang="es-CO" sz="1100" dirty="0">
+                  <a:latin typeface="Candara" panose="020E0502030303020204" pitchFamily="34" charset="0"/>
+                </a:endParaRPr>
+              </a:p>
+              <a:p>
+                <a:pPr marL="171450" indent="-171450">
+                  <a:buFontTx/>
+                  <a:buChar char="-"/>
+                </a:pPr>
+                <a:r>
+                  <a:rPr lang="es-CO" sz="1100" dirty="0">
+                    <a:latin typeface="Candara" panose="020E0502030303020204" pitchFamily="34" charset="0"/>
+                  </a:rPr>
+                  <a:t>Lupe</a:t>
+                </a:r>
+              </a:p>
+              <a:p>
+                <a:pPr marL="171450" indent="-171450">
+                  <a:buFontTx/>
+                  <a:buChar char="-"/>
+                </a:pPr>
+                <a:endParaRPr lang="es-CO" sz="1100" dirty="0">
+                  <a:latin typeface="Candara" panose="020E0502030303020204" pitchFamily="34" charset="0"/>
+                </a:endParaRPr>
+              </a:p>
+              <a:p>
+                <a:pPr marL="171450" indent="-171450">
+                  <a:buFontTx/>
+                  <a:buChar char="-"/>
+                </a:pPr>
+                <a:r>
+                  <a:rPr lang="es-CO" sz="1100" dirty="0">
+                    <a:latin typeface="Candara" panose="020E0502030303020204" pitchFamily="34" charset="0"/>
+                  </a:rPr>
+                  <a:t>Jira</a:t>
+                </a:r>
+              </a:p>
+              <a:p>
+                <a:pPr marL="171450" indent="-171450">
+                  <a:buFontTx/>
+                  <a:buChar char="-"/>
+                </a:pPr>
+                <a:endParaRPr lang="es-CO" sz="1100" dirty="0">
+                  <a:latin typeface="Candara" panose="020E0502030303020204" pitchFamily="34" charset="0"/>
+                </a:endParaRPr>
+              </a:p>
+              <a:p>
+                <a:pPr marL="171450" indent="-171450">
+                  <a:buFontTx/>
+                  <a:buChar char="-"/>
+                </a:pPr>
+                <a:r>
+                  <a:rPr lang="es-CO" sz="1100" dirty="0">
+                    <a:latin typeface="Candara" panose="020E0502030303020204" pitchFamily="34" charset="0"/>
+                  </a:rPr>
+                  <a:t>Trello</a:t>
+                </a:r>
+              </a:p>
+              <a:p>
+                <a:pPr marL="171450" indent="-171450">
+                  <a:buFontTx/>
+                  <a:buChar char="-"/>
+                </a:pPr>
+                <a:endParaRPr lang="es-CO" sz="1100" dirty="0">
+                  <a:latin typeface="Candara" panose="020E0502030303020204" pitchFamily="34" charset="0"/>
+                </a:endParaRPr>
+              </a:p>
+              <a:p>
+                <a:pPr marL="171450" indent="-171450">
+                  <a:buFontTx/>
+                  <a:buChar char="-"/>
+                </a:pPr>
+                <a:r>
+                  <a:rPr lang="es-CO" sz="1100" dirty="0">
+                    <a:latin typeface="Candara" panose="020E0502030303020204" pitchFamily="34" charset="0"/>
+                  </a:rPr>
+                  <a:t>Revit</a:t>
+                </a:r>
+              </a:p>
+              <a:p>
+                <a:pPr marL="171450" indent="-171450">
+                  <a:buFontTx/>
+                  <a:buChar char="-"/>
+                </a:pPr>
+                <a:endParaRPr lang="es-CO" sz="1100" dirty="0">
+                  <a:latin typeface="Candara" panose="020E0502030303020204" pitchFamily="34" charset="0"/>
+                </a:endParaRPr>
+              </a:p>
+              <a:p>
+                <a:pPr marL="171450" indent="-171450">
+                  <a:buFontTx/>
+                  <a:buChar char="-"/>
+                </a:pPr>
+                <a:r>
+                  <a:rPr lang="es-CO" sz="1100" dirty="0">
+                    <a:latin typeface="Candara" panose="020E0502030303020204" pitchFamily="34" charset="0"/>
+                  </a:rPr>
+                  <a:t>AutoCAD</a:t>
+                </a:r>
+              </a:p>
+              <a:p>
+                <a:pPr marL="171450" indent="-171450">
+                  <a:buFontTx/>
+                  <a:buChar char="-"/>
+                </a:pPr>
+                <a:endParaRPr lang="es-CO" sz="1100" dirty="0">
+                  <a:latin typeface="Candara" panose="020E0502030303020204" pitchFamily="34" charset="0"/>
+                </a:endParaRPr>
+              </a:p>
+              <a:p>
+                <a:pPr marL="171450" indent="-171450">
+                  <a:buFontTx/>
+                  <a:buChar char="-"/>
+                </a:pPr>
+                <a:r>
+                  <a:rPr lang="es-CO" sz="1100" dirty="0">
+                    <a:latin typeface="Candara" panose="020E0502030303020204" pitchFamily="34" charset="0"/>
+                  </a:rPr>
+                  <a:t>Microsoft Excel</a:t>
+                </a:r>
+              </a:p>
+              <a:p>
+                <a:pPr marL="171450" indent="-171450">
+                  <a:buFontTx/>
+                  <a:buChar char="-"/>
+                </a:pPr>
+                <a:endParaRPr lang="es-CO" sz="1100" dirty="0">
+                  <a:latin typeface="Candara" panose="020E0502030303020204" pitchFamily="34" charset="0"/>
+                </a:endParaRPr>
+              </a:p>
+              <a:p>
+                <a:pPr marL="171450" indent="-171450">
+                  <a:buFontTx/>
+                  <a:buChar char="-"/>
+                </a:pPr>
+                <a:r>
+                  <a:rPr lang="es-CO" sz="1100" dirty="0">
+                    <a:latin typeface="Candara" panose="020E0502030303020204" pitchFamily="34" charset="0"/>
+                  </a:rPr>
+                  <a:t>Microsoft Project</a:t>
+                </a:r>
+              </a:p>
+            </p:txBody>
+          </p:sp>
+          <p:sp>
+            <p:nvSpPr>
+              <p:cNvPr id="73" name="TextBox 68">
+                <a:extLst>
+                  <a:ext uri="{FF2B5EF4-FFF2-40B4-BE49-F238E27FC236}">
+                    <a16:creationId xmlns:a16="http://schemas.microsoft.com/office/drawing/2014/main" id="{096EB91E-3EEA-4B50-9BA4-E4D34DBF592C}"/>
+                  </a:ext>
+                </a:extLst>
+              </p:cNvPr>
+              <p:cNvSpPr txBox="1"/>
+              <p:nvPr/>
+            </p:nvSpPr>
+            <p:spPr>
+              <a:xfrm>
+                <a:off x="4509168" y="1091043"/>
+                <a:ext cx="977336" cy="7371249"/>
+              </a:xfrm>
+              <a:prstGeom prst="rect">
+                <a:avLst/>
+              </a:prstGeom>
+              <a:noFill/>
+            </p:spPr>
+            <p:txBody>
+              <a:bodyPr wrap="square" rtlCol="0">
+                <a:spAutoFit/>
+              </a:bodyPr>
+              <a:lstStyle/>
+              <a:p>
+                <a:pPr algn="r"/>
+                <a:r>
+                  <a:rPr lang="es-CO" sz="1100" dirty="0">
+                    <a:solidFill>
+                      <a:schemeClr val="bg1">
+                        <a:lumMod val="50000"/>
+                      </a:schemeClr>
+                    </a:solidFill>
+                    <a:latin typeface="Candara" panose="020E0502030303020204" pitchFamily="34" charset="0"/>
+                  </a:rPr>
+                  <a:t>A.K.</a:t>
+                </a:r>
+              </a:p>
+              <a:p>
+                <a:pPr algn="r"/>
+                <a:endParaRPr lang="es-CO" sz="1100" dirty="0">
+                  <a:solidFill>
+                    <a:schemeClr val="bg1">
+                      <a:lumMod val="50000"/>
+                    </a:schemeClr>
+                  </a:solidFill>
+                  <a:latin typeface="Candara" panose="020E0502030303020204" pitchFamily="34" charset="0"/>
+                </a:endParaRPr>
+              </a:p>
+              <a:p>
+                <a:pPr algn="r"/>
+                <a:r>
+                  <a:rPr lang="es-CO" sz="1100" dirty="0">
+                    <a:solidFill>
+                      <a:schemeClr val="bg1">
+                        <a:lumMod val="50000"/>
+                      </a:schemeClr>
+                    </a:solidFill>
+                    <a:latin typeface="Candara" panose="020E0502030303020204" pitchFamily="34" charset="0"/>
+                  </a:rPr>
+                  <a:t>B.K.</a:t>
+                </a:r>
+                <a:br>
+                  <a:rPr lang="es-CO" sz="1100" dirty="0">
+                    <a:solidFill>
+                      <a:schemeClr val="bg1">
+                        <a:lumMod val="50000"/>
+                      </a:schemeClr>
+                    </a:solidFill>
+                    <a:latin typeface="Candara" panose="020E0502030303020204" pitchFamily="34" charset="0"/>
+                  </a:rPr>
+                </a:br>
+                <a:endParaRPr lang="es-CO" sz="1100" dirty="0">
+                  <a:solidFill>
+                    <a:schemeClr val="bg1">
+                      <a:lumMod val="50000"/>
+                    </a:schemeClr>
+                  </a:solidFill>
+                  <a:latin typeface="Candara" panose="020E0502030303020204" pitchFamily="34" charset="0"/>
+                </a:endParaRPr>
+              </a:p>
+              <a:p>
+                <a:pPr algn="r"/>
+                <a:r>
+                  <a:rPr lang="es-CO" sz="1100" dirty="0">
+                    <a:solidFill>
+                      <a:schemeClr val="bg1">
+                        <a:lumMod val="50000"/>
+                      </a:schemeClr>
+                    </a:solidFill>
+                    <a:latin typeface="Candara" panose="020E0502030303020204" pitchFamily="34" charset="0"/>
+                  </a:rPr>
+                  <a:t>B.K.</a:t>
+                </a:r>
+                <a:br>
+                  <a:rPr lang="es-CO" sz="1100" dirty="0">
+                    <a:solidFill>
+                      <a:schemeClr val="bg1">
+                        <a:lumMod val="50000"/>
+                      </a:schemeClr>
+                    </a:solidFill>
+                    <a:latin typeface="Candara" panose="020E0502030303020204" pitchFamily="34" charset="0"/>
+                  </a:rPr>
+                </a:br>
+                <a:endParaRPr lang="es-CO" sz="1100" dirty="0">
+                  <a:solidFill>
+                    <a:schemeClr val="bg1">
+                      <a:lumMod val="50000"/>
+                    </a:schemeClr>
+                  </a:solidFill>
+                  <a:latin typeface="Candara" panose="020E0502030303020204" pitchFamily="34" charset="0"/>
+                </a:endParaRPr>
+              </a:p>
+              <a:p>
+                <a:pPr algn="r"/>
+                <a:r>
+                  <a:rPr lang="es-CO" sz="1100" dirty="0">
+                    <a:solidFill>
+                      <a:schemeClr val="bg1">
+                        <a:lumMod val="50000"/>
+                      </a:schemeClr>
+                    </a:solidFill>
+                    <a:latin typeface="Candara" panose="020E0502030303020204" pitchFamily="34" charset="0"/>
+                  </a:rPr>
+                  <a:t>A.K.</a:t>
+                </a:r>
+              </a:p>
+              <a:p>
+                <a:pPr algn="r"/>
+                <a:endParaRPr lang="es-CO" sz="1100" dirty="0">
+                  <a:solidFill>
+                    <a:schemeClr val="bg1">
+                      <a:lumMod val="50000"/>
+                    </a:schemeClr>
+                  </a:solidFill>
+                  <a:latin typeface="Candara" panose="020E0502030303020204" pitchFamily="34" charset="0"/>
+                </a:endParaRPr>
+              </a:p>
+              <a:p>
+                <a:pPr algn="r"/>
+                <a:r>
+                  <a:rPr lang="es-CO" sz="1100" dirty="0">
+                    <a:solidFill>
+                      <a:schemeClr val="bg1">
+                        <a:lumMod val="50000"/>
+                      </a:schemeClr>
+                    </a:solidFill>
+                    <a:latin typeface="Candara" panose="020E0502030303020204" pitchFamily="34" charset="0"/>
+                  </a:rPr>
+                  <a:t>A.K.</a:t>
+                </a:r>
+              </a:p>
+              <a:p>
+                <a:pPr algn="r"/>
+                <a:endParaRPr lang="es-CO" sz="1100" dirty="0">
+                  <a:solidFill>
+                    <a:schemeClr val="bg1">
+                      <a:lumMod val="50000"/>
+                    </a:schemeClr>
+                  </a:solidFill>
+                  <a:latin typeface="Candara" panose="020E0502030303020204" pitchFamily="34" charset="0"/>
+                </a:endParaRPr>
+              </a:p>
+              <a:p>
+                <a:pPr algn="r"/>
+                <a:r>
+                  <a:rPr lang="es-CO" sz="1100" dirty="0">
+                    <a:solidFill>
+                      <a:schemeClr val="bg1">
+                        <a:lumMod val="50000"/>
+                      </a:schemeClr>
+                    </a:solidFill>
+                    <a:latin typeface="Candara" panose="020E0502030303020204" pitchFamily="34" charset="0"/>
+                  </a:rPr>
+                  <a:t>B.K.</a:t>
+                </a:r>
+              </a:p>
+              <a:p>
+                <a:pPr algn="r"/>
+                <a:endParaRPr lang="es-CO" sz="1100" dirty="0">
+                  <a:solidFill>
+                    <a:schemeClr val="bg1">
+                      <a:lumMod val="50000"/>
+                    </a:schemeClr>
+                  </a:solidFill>
+                  <a:latin typeface="Candara" panose="020E0502030303020204" pitchFamily="34" charset="0"/>
+                </a:endParaRPr>
+              </a:p>
+              <a:p>
+                <a:pPr algn="r"/>
+                <a:r>
+                  <a:rPr lang="es-CO" sz="1100" dirty="0">
+                    <a:solidFill>
+                      <a:schemeClr val="bg1">
+                        <a:lumMod val="50000"/>
+                      </a:schemeClr>
+                    </a:solidFill>
+                    <a:latin typeface="Candara" panose="020E0502030303020204" pitchFamily="34" charset="0"/>
+                  </a:rPr>
+                  <a:t>B.K.</a:t>
+                </a:r>
+              </a:p>
+              <a:p>
+                <a:pPr algn="r"/>
+                <a:endParaRPr lang="es-CO" sz="1100" dirty="0">
+                  <a:solidFill>
+                    <a:schemeClr val="bg1">
+                      <a:lumMod val="50000"/>
+                    </a:schemeClr>
+                  </a:solidFill>
+                  <a:latin typeface="Candara" panose="020E0502030303020204" pitchFamily="34" charset="0"/>
+                </a:endParaRPr>
+              </a:p>
+              <a:p>
+                <a:pPr algn="r"/>
+                <a:r>
+                  <a:rPr lang="es-CO" sz="1100" dirty="0">
+                    <a:solidFill>
+                      <a:schemeClr val="bg1">
+                        <a:lumMod val="50000"/>
+                      </a:schemeClr>
+                    </a:solidFill>
+                    <a:latin typeface="Candara" panose="020E0502030303020204" pitchFamily="34" charset="0"/>
+                  </a:rPr>
+                  <a:t>B.K.</a:t>
+                </a:r>
+                <a:br>
+                  <a:rPr lang="es-CO" sz="1100" dirty="0">
+                    <a:solidFill>
+                      <a:schemeClr val="bg1">
+                        <a:lumMod val="50000"/>
+                      </a:schemeClr>
+                    </a:solidFill>
+                    <a:latin typeface="Candara" panose="020E0502030303020204" pitchFamily="34" charset="0"/>
+                  </a:rPr>
+                </a:br>
+                <a:endParaRPr lang="es-CO" sz="1100" dirty="0">
+                  <a:solidFill>
+                    <a:schemeClr val="bg1">
+                      <a:lumMod val="50000"/>
+                    </a:schemeClr>
+                  </a:solidFill>
+                  <a:latin typeface="Candara" panose="020E0502030303020204" pitchFamily="34" charset="0"/>
+                </a:endParaRPr>
+              </a:p>
+              <a:p>
+                <a:pPr algn="r"/>
+                <a:r>
+                  <a:rPr lang="es-CO" sz="1100" dirty="0">
+                    <a:solidFill>
+                      <a:schemeClr val="bg1">
+                        <a:lumMod val="50000"/>
+                      </a:schemeClr>
+                    </a:solidFill>
+                    <a:latin typeface="Candara" panose="020E0502030303020204" pitchFamily="34" charset="0"/>
+                  </a:rPr>
+                  <a:t>B.K.</a:t>
+                </a:r>
+              </a:p>
+              <a:p>
+                <a:pPr algn="r"/>
+                <a:endParaRPr lang="es-CO" sz="1100" dirty="0">
+                  <a:solidFill>
+                    <a:schemeClr val="bg1">
+                      <a:lumMod val="50000"/>
+                    </a:schemeClr>
+                  </a:solidFill>
+                  <a:latin typeface="Candara" panose="020E0502030303020204" pitchFamily="34" charset="0"/>
+                </a:endParaRPr>
+              </a:p>
+              <a:p>
+                <a:pPr algn="r"/>
+                <a:r>
+                  <a:rPr lang="es-CO" sz="1100" dirty="0">
+                    <a:solidFill>
+                      <a:schemeClr val="bg1">
+                        <a:lumMod val="50000"/>
+                      </a:schemeClr>
+                    </a:solidFill>
+                    <a:latin typeface="Candara" panose="020E0502030303020204" pitchFamily="34" charset="0"/>
+                  </a:rPr>
+                  <a:t>B.K.</a:t>
+                </a:r>
+              </a:p>
+              <a:p>
+                <a:pPr algn="r"/>
+                <a:endParaRPr lang="es-CO" sz="1100" dirty="0">
+                  <a:solidFill>
+                    <a:schemeClr val="bg1">
+                      <a:lumMod val="50000"/>
+                    </a:schemeClr>
+                  </a:solidFill>
+                  <a:latin typeface="Candara" panose="020E0502030303020204" pitchFamily="34" charset="0"/>
+                </a:endParaRPr>
+              </a:p>
+              <a:p>
+                <a:pPr algn="r"/>
+                <a:r>
+                  <a:rPr lang="es-CO" sz="1100" dirty="0">
+                    <a:solidFill>
+                      <a:schemeClr val="bg1">
+                        <a:lumMod val="50000"/>
+                      </a:schemeClr>
+                    </a:solidFill>
+                    <a:latin typeface="Candara" panose="020E0502030303020204" pitchFamily="34" charset="0"/>
+                  </a:rPr>
+                  <a:t>B.K.</a:t>
+                </a:r>
+              </a:p>
+              <a:p>
+                <a:pPr algn="r"/>
+                <a:endParaRPr lang="es-CO" sz="1100" dirty="0">
+                  <a:solidFill>
+                    <a:schemeClr val="bg1">
+                      <a:lumMod val="50000"/>
+                    </a:schemeClr>
+                  </a:solidFill>
+                  <a:latin typeface="Candara" panose="020E0502030303020204" pitchFamily="34" charset="0"/>
+                </a:endParaRPr>
+              </a:p>
+              <a:p>
+                <a:pPr algn="r"/>
+                <a:r>
+                  <a:rPr lang="es-CO" sz="1100" dirty="0">
+                    <a:solidFill>
+                      <a:schemeClr val="bg1">
+                        <a:lumMod val="50000"/>
+                      </a:schemeClr>
+                    </a:solidFill>
+                    <a:latin typeface="Candara" panose="020E0502030303020204" pitchFamily="34" charset="0"/>
+                  </a:rPr>
+                  <a:t>A.K.</a:t>
+                </a:r>
+              </a:p>
+              <a:p>
+                <a:pPr algn="r"/>
+                <a:endParaRPr lang="es-CO" sz="1100" dirty="0">
+                  <a:solidFill>
+                    <a:schemeClr val="bg1">
+                      <a:lumMod val="50000"/>
+                    </a:schemeClr>
+                  </a:solidFill>
+                  <a:latin typeface="Candara" panose="020E0502030303020204" pitchFamily="34" charset="0"/>
+                </a:endParaRPr>
+              </a:p>
+              <a:p>
+                <a:pPr algn="r"/>
+                <a:r>
+                  <a:rPr lang="es-CO" sz="1100" dirty="0">
+                    <a:solidFill>
+                      <a:schemeClr val="bg1">
+                        <a:lumMod val="50000"/>
+                      </a:schemeClr>
+                    </a:solidFill>
+                    <a:latin typeface="Candara" panose="020E0502030303020204" pitchFamily="34" charset="0"/>
+                  </a:rPr>
+                  <a:t>B.K.</a:t>
+                </a:r>
+              </a:p>
+              <a:p>
+                <a:pPr algn="r"/>
+                <a:endParaRPr lang="es-CO" sz="1100" dirty="0">
+                  <a:solidFill>
+                    <a:schemeClr val="bg1">
+                      <a:lumMod val="50000"/>
+                    </a:schemeClr>
+                  </a:solidFill>
+                  <a:latin typeface="Candara" panose="020E0502030303020204" pitchFamily="34" charset="0"/>
+                </a:endParaRPr>
+              </a:p>
+              <a:p>
+                <a:pPr algn="r"/>
+                <a:r>
+                  <a:rPr lang="es-CO" sz="1100" dirty="0">
+                    <a:solidFill>
+                      <a:schemeClr val="bg1">
+                        <a:lumMod val="50000"/>
+                      </a:schemeClr>
+                    </a:solidFill>
+                    <a:latin typeface="Candara" panose="020E0502030303020204" pitchFamily="34" charset="0"/>
+                  </a:rPr>
+                  <a:t>B.K.</a:t>
+                </a:r>
+              </a:p>
+              <a:p>
+                <a:pPr algn="r"/>
+                <a:endParaRPr lang="es-CO" sz="1100" dirty="0">
+                  <a:solidFill>
+                    <a:schemeClr val="bg1">
+                      <a:lumMod val="50000"/>
+                    </a:schemeClr>
+                  </a:solidFill>
+                  <a:latin typeface="Candara" panose="020E0502030303020204" pitchFamily="34" charset="0"/>
+                </a:endParaRPr>
+              </a:p>
+              <a:p>
+                <a:pPr algn="r"/>
+                <a:r>
+                  <a:rPr lang="es-CO" sz="1100" dirty="0">
+                    <a:solidFill>
+                      <a:schemeClr val="bg1">
+                        <a:lumMod val="50000"/>
+                      </a:schemeClr>
+                    </a:solidFill>
+                    <a:latin typeface="Candara" panose="020E0502030303020204" pitchFamily="34" charset="0"/>
+                  </a:rPr>
+                  <a:t>B.K.</a:t>
+                </a:r>
+              </a:p>
+              <a:p>
+                <a:pPr algn="r"/>
+                <a:endParaRPr lang="es-CO" sz="1100" dirty="0">
+                  <a:solidFill>
+                    <a:schemeClr val="bg1">
+                      <a:lumMod val="50000"/>
+                    </a:schemeClr>
+                  </a:solidFill>
+                  <a:latin typeface="Candara" panose="020E0502030303020204" pitchFamily="34" charset="0"/>
+                </a:endParaRPr>
+              </a:p>
+              <a:p>
+                <a:pPr algn="r"/>
+                <a:r>
+                  <a:rPr lang="es-CO" sz="1100" dirty="0">
+                    <a:solidFill>
+                      <a:schemeClr val="bg1">
+                        <a:lumMod val="50000"/>
+                      </a:schemeClr>
+                    </a:solidFill>
+                    <a:latin typeface="Candara" panose="020E0502030303020204" pitchFamily="34" charset="0"/>
+                  </a:rPr>
+                  <a:t>B.K.</a:t>
+                </a:r>
+              </a:p>
+              <a:p>
+                <a:pPr algn="r"/>
+                <a:endParaRPr lang="es-CO" sz="1100" dirty="0">
+                  <a:solidFill>
+                    <a:schemeClr val="bg1">
+                      <a:lumMod val="50000"/>
+                    </a:schemeClr>
+                  </a:solidFill>
+                  <a:latin typeface="Candara" panose="020E0502030303020204" pitchFamily="34" charset="0"/>
+                </a:endParaRPr>
+              </a:p>
+              <a:p>
+                <a:pPr algn="r"/>
+                <a:r>
+                  <a:rPr lang="es-CO" sz="1100" dirty="0">
+                    <a:solidFill>
+                      <a:schemeClr val="bg1">
+                        <a:lumMod val="50000"/>
+                      </a:schemeClr>
+                    </a:solidFill>
+                    <a:latin typeface="Candara" panose="020E0502030303020204" pitchFamily="34" charset="0"/>
+                  </a:rPr>
+                  <a:t>A.K.</a:t>
+                </a:r>
+              </a:p>
+              <a:p>
+                <a:pPr algn="r"/>
+                <a:endParaRPr lang="es-CO" sz="1100" dirty="0">
+                  <a:solidFill>
+                    <a:schemeClr val="bg1">
+                      <a:lumMod val="50000"/>
+                    </a:schemeClr>
+                  </a:solidFill>
+                  <a:latin typeface="Candara" panose="020E0502030303020204" pitchFamily="34" charset="0"/>
+                </a:endParaRPr>
+              </a:p>
+              <a:p>
+                <a:pPr algn="r"/>
+                <a:r>
+                  <a:rPr lang="es-CO" sz="1100" dirty="0">
+                    <a:solidFill>
+                      <a:schemeClr val="bg1">
+                        <a:lumMod val="50000"/>
+                      </a:schemeClr>
+                    </a:solidFill>
+                    <a:latin typeface="Candara" panose="020E0502030303020204" pitchFamily="34" charset="0"/>
+                  </a:rPr>
+                  <a:t>B.K.</a:t>
+                </a:r>
+              </a:p>
+              <a:p>
+                <a:pPr algn="r"/>
+                <a:endParaRPr lang="es-CO" sz="1100" dirty="0">
+                  <a:solidFill>
+                    <a:schemeClr val="bg1">
+                      <a:lumMod val="50000"/>
+                    </a:schemeClr>
+                  </a:solidFill>
+                  <a:latin typeface="Candara" panose="020E0502030303020204" pitchFamily="34" charset="0"/>
+                </a:endParaRPr>
+              </a:p>
+              <a:p>
+                <a:pPr algn="r"/>
+                <a:r>
+                  <a:rPr lang="es-CO" sz="1100" dirty="0">
+                    <a:solidFill>
+                      <a:schemeClr val="bg1">
+                        <a:lumMod val="50000"/>
+                      </a:schemeClr>
+                    </a:solidFill>
+                    <a:latin typeface="Candara" panose="020E0502030303020204" pitchFamily="34" charset="0"/>
+                  </a:rPr>
+                  <a:t>B.K.</a:t>
+                </a:r>
+              </a:p>
+              <a:p>
+                <a:pPr algn="r"/>
+                <a:endParaRPr lang="es-CO" sz="1100" dirty="0">
+                  <a:solidFill>
+                    <a:schemeClr val="bg1">
+                      <a:lumMod val="50000"/>
+                    </a:schemeClr>
+                  </a:solidFill>
+                  <a:latin typeface="Candara" panose="020E0502030303020204" pitchFamily="34" charset="0"/>
+                </a:endParaRPr>
+              </a:p>
+              <a:p>
+                <a:pPr algn="r"/>
+                <a:r>
+                  <a:rPr lang="es-CO" sz="1100" dirty="0">
+                    <a:solidFill>
+                      <a:schemeClr val="bg1">
+                        <a:lumMod val="50000"/>
+                      </a:schemeClr>
+                    </a:solidFill>
+                    <a:latin typeface="Candara" panose="020E0502030303020204" pitchFamily="34" charset="0"/>
+                  </a:rPr>
+                  <a:t>A.K.</a:t>
+                </a:r>
+              </a:p>
+              <a:p>
+                <a:pPr algn="r"/>
+                <a:endParaRPr lang="es-CO" sz="1100" dirty="0">
+                  <a:solidFill>
+                    <a:schemeClr val="bg1">
+                      <a:lumMod val="50000"/>
+                    </a:schemeClr>
+                  </a:solidFill>
+                  <a:latin typeface="Candara" panose="020E0502030303020204" pitchFamily="34" charset="0"/>
+                </a:endParaRPr>
+              </a:p>
+              <a:p>
+                <a:pPr algn="r"/>
+                <a:r>
+                  <a:rPr lang="es-CO" sz="1100" dirty="0">
+                    <a:solidFill>
+                      <a:schemeClr val="bg1">
+                        <a:lumMod val="50000"/>
+                      </a:schemeClr>
+                    </a:solidFill>
+                    <a:latin typeface="Candara" panose="020E0502030303020204" pitchFamily="34" charset="0"/>
+                  </a:rPr>
+                  <a:t>A.K.</a:t>
+                </a:r>
+              </a:p>
+              <a:p>
+                <a:pPr algn="r"/>
+                <a:endParaRPr lang="es-CO" sz="1100" dirty="0">
+                  <a:solidFill>
+                    <a:schemeClr val="bg1">
+                      <a:lumMod val="50000"/>
+                    </a:schemeClr>
+                  </a:solidFill>
+                  <a:latin typeface="Candara" panose="020E0502030303020204" pitchFamily="34" charset="0"/>
+                </a:endParaRPr>
+              </a:p>
+              <a:p>
+                <a:pPr algn="r"/>
+                <a:r>
+                  <a:rPr lang="es-CO" sz="1100" dirty="0">
+                    <a:solidFill>
+                      <a:schemeClr val="bg1">
+                        <a:lumMod val="50000"/>
+                      </a:schemeClr>
+                    </a:solidFill>
+                    <a:latin typeface="Candara" panose="020E0502030303020204" pitchFamily="34" charset="0"/>
+                  </a:rPr>
+                  <a:t>A.K.</a:t>
+                </a:r>
+                <a:endParaRPr lang="es-CO" sz="1100" dirty="0">
+                  <a:latin typeface="Candara" panose="020E0502030303020204" pitchFamily="34" charset="0"/>
+                </a:endParaRPr>
+              </a:p>
+            </p:txBody>
+          </p:sp>
+        </p:grpSp>
+        <p:cxnSp>
+          <p:nvCxnSpPr>
+            <p:cNvPr id="45" name="Straight Connector 79">
+              <a:extLst>
+                <a:ext uri="{FF2B5EF4-FFF2-40B4-BE49-F238E27FC236}">
+                  <a16:creationId xmlns:a16="http://schemas.microsoft.com/office/drawing/2014/main" id="{412442A9-C1FF-4A20-93EC-B8A7C564A03D}"/>
+                </a:ext>
+              </a:extLst>
+            </p:cNvPr>
+            <p:cNvCxnSpPr/>
+            <p:nvPr/>
+          </p:nvCxnSpPr>
+          <p:spPr>
+            <a:xfrm flipV="1">
+              <a:off x="3627138" y="1322523"/>
+              <a:ext cx="1828800" cy="1"/>
+            </a:xfrm>
+            <a:prstGeom prst="line">
+              <a:avLst/>
+            </a:prstGeom>
+            <a:ln w="38100">
+              <a:solidFill>
+                <a:schemeClr val="bg1">
+                  <a:lumMod val="50000"/>
+                </a:schemeClr>
+              </a:solidFill>
+            </a:ln>
+          </p:spPr>
+          <p:style>
+            <a:lnRef idx="1">
+              <a:schemeClr val="accent1"/>
+            </a:lnRef>
+            <a:fillRef idx="0">
+              <a:schemeClr val="accent1"/>
+            </a:fillRef>
+            <a:effectRef idx="0">
+              <a:schemeClr val="accent1"/>
+            </a:effectRef>
+            <a:fontRef idx="minor">
+              <a:schemeClr val="tx1"/>
+            </a:fontRef>
+          </p:style>
+        </p:cxnSp>
+        <p:cxnSp>
+          <p:nvCxnSpPr>
+            <p:cNvPr id="46" name="Straight Connector 79">
+              <a:extLst>
+                <a:ext uri="{FF2B5EF4-FFF2-40B4-BE49-F238E27FC236}">
+                  <a16:creationId xmlns:a16="http://schemas.microsoft.com/office/drawing/2014/main" id="{02C1ED9B-7CEA-4CB8-B35A-1801F10EA668}"/>
+                </a:ext>
+              </a:extLst>
+            </p:cNvPr>
+            <p:cNvCxnSpPr>
+              <a:cxnSpLocks/>
+            </p:cNvCxnSpPr>
+            <p:nvPr/>
+          </p:nvCxnSpPr>
+          <p:spPr>
+            <a:xfrm flipV="1">
+              <a:off x="3627138" y="1671266"/>
+              <a:ext cx="457200" cy="1"/>
+            </a:xfrm>
+            <a:prstGeom prst="line">
+              <a:avLst/>
+            </a:prstGeom>
+            <a:ln w="38100">
+              <a:solidFill>
+                <a:schemeClr val="bg1">
+                  <a:lumMod val="50000"/>
+                </a:schemeClr>
+              </a:solidFill>
+            </a:ln>
+          </p:spPr>
+          <p:style>
+            <a:lnRef idx="1">
+              <a:schemeClr val="accent1"/>
+            </a:lnRef>
+            <a:fillRef idx="0">
+              <a:schemeClr val="accent1"/>
+            </a:fillRef>
+            <a:effectRef idx="0">
+              <a:schemeClr val="accent1"/>
+            </a:effectRef>
+            <a:fontRef idx="minor">
+              <a:schemeClr val="tx1"/>
+            </a:fontRef>
+          </p:style>
+        </p:cxnSp>
+        <p:cxnSp>
+          <p:nvCxnSpPr>
+            <p:cNvPr id="47" name="Straight Connector 79">
+              <a:extLst>
+                <a:ext uri="{FF2B5EF4-FFF2-40B4-BE49-F238E27FC236}">
+                  <a16:creationId xmlns:a16="http://schemas.microsoft.com/office/drawing/2014/main" id="{3A16984D-05C9-4E85-9DEB-BDDECAE711FB}"/>
+                </a:ext>
+              </a:extLst>
+            </p:cNvPr>
+            <p:cNvCxnSpPr/>
+            <p:nvPr/>
+          </p:nvCxnSpPr>
+          <p:spPr>
+            <a:xfrm flipV="1">
+              <a:off x="3627138" y="2656384"/>
+              <a:ext cx="1828800" cy="1"/>
+            </a:xfrm>
+            <a:prstGeom prst="line">
+              <a:avLst/>
+            </a:prstGeom>
+            <a:ln w="38100">
+              <a:solidFill>
+                <a:schemeClr val="bg1">
+                  <a:lumMod val="50000"/>
+                </a:schemeClr>
+              </a:solidFill>
+            </a:ln>
+          </p:spPr>
+          <p:style>
+            <a:lnRef idx="1">
+              <a:schemeClr val="accent1"/>
+            </a:lnRef>
+            <a:fillRef idx="0">
+              <a:schemeClr val="accent1"/>
+            </a:fillRef>
+            <a:effectRef idx="0">
+              <a:schemeClr val="accent1"/>
+            </a:effectRef>
+            <a:fontRef idx="minor">
+              <a:schemeClr val="tx1"/>
+            </a:fontRef>
+          </p:style>
+        </p:cxnSp>
+        <p:cxnSp>
+          <p:nvCxnSpPr>
+            <p:cNvPr id="51" name="Straight Connector 79">
+              <a:extLst>
+                <a:ext uri="{FF2B5EF4-FFF2-40B4-BE49-F238E27FC236}">
+                  <a16:creationId xmlns:a16="http://schemas.microsoft.com/office/drawing/2014/main" id="{7FEE188F-D6A9-4D35-B36F-B535D2184A8A}"/>
+                </a:ext>
+              </a:extLst>
+            </p:cNvPr>
+            <p:cNvCxnSpPr/>
+            <p:nvPr/>
+          </p:nvCxnSpPr>
+          <p:spPr>
+            <a:xfrm flipV="1">
+              <a:off x="3627138" y="5002295"/>
+              <a:ext cx="1561576" cy="1"/>
+            </a:xfrm>
+            <a:prstGeom prst="line">
+              <a:avLst/>
+            </a:prstGeom>
+            <a:ln w="38100">
+              <a:solidFill>
+                <a:schemeClr val="bg1">
+                  <a:lumMod val="50000"/>
+                </a:schemeClr>
+              </a:solidFill>
+            </a:ln>
+          </p:spPr>
+          <p:style>
+            <a:lnRef idx="1">
+              <a:schemeClr val="accent1"/>
+            </a:lnRef>
+            <a:fillRef idx="0">
+              <a:schemeClr val="accent1"/>
+            </a:fillRef>
+            <a:effectRef idx="0">
+              <a:schemeClr val="accent1"/>
+            </a:effectRef>
+            <a:fontRef idx="minor">
+              <a:schemeClr val="tx1"/>
+            </a:fontRef>
+          </p:style>
+        </p:cxnSp>
+        <p:cxnSp>
+          <p:nvCxnSpPr>
+            <p:cNvPr id="53" name="Straight Connector 79">
+              <a:extLst>
+                <a:ext uri="{FF2B5EF4-FFF2-40B4-BE49-F238E27FC236}">
+                  <a16:creationId xmlns:a16="http://schemas.microsoft.com/office/drawing/2014/main" id="{A77CA422-6EBA-49A7-A730-8302C32DEF86}"/>
+                </a:ext>
+              </a:extLst>
+            </p:cNvPr>
+            <p:cNvCxnSpPr/>
+            <p:nvPr/>
+          </p:nvCxnSpPr>
+          <p:spPr>
+            <a:xfrm flipV="1">
+              <a:off x="3627138" y="6685691"/>
+              <a:ext cx="1561576" cy="1"/>
+            </a:xfrm>
+            <a:prstGeom prst="line">
+              <a:avLst/>
+            </a:prstGeom>
+            <a:ln w="38100">
+              <a:solidFill>
+                <a:schemeClr val="bg1">
+                  <a:lumMod val="50000"/>
+                </a:schemeClr>
+              </a:solidFill>
+            </a:ln>
+          </p:spPr>
+          <p:style>
+            <a:lnRef idx="1">
+              <a:schemeClr val="accent1"/>
+            </a:lnRef>
+            <a:fillRef idx="0">
+              <a:schemeClr val="accent1"/>
+            </a:fillRef>
+            <a:effectRef idx="0">
+              <a:schemeClr val="accent1"/>
+            </a:effectRef>
+            <a:fontRef idx="minor">
+              <a:schemeClr val="tx1"/>
+            </a:fontRef>
+          </p:style>
+        </p:cxnSp>
+        <p:cxnSp>
+          <p:nvCxnSpPr>
+            <p:cNvPr id="54" name="Straight Connector 79">
+              <a:extLst>
+                <a:ext uri="{FF2B5EF4-FFF2-40B4-BE49-F238E27FC236}">
+                  <a16:creationId xmlns:a16="http://schemas.microsoft.com/office/drawing/2014/main" id="{075EB666-B895-4F24-8B09-D8C393DD330A}"/>
+                </a:ext>
+              </a:extLst>
+            </p:cNvPr>
+            <p:cNvCxnSpPr/>
+            <p:nvPr/>
+          </p:nvCxnSpPr>
+          <p:spPr>
+            <a:xfrm flipV="1">
+              <a:off x="3627138" y="7697972"/>
+              <a:ext cx="1561576" cy="1"/>
+            </a:xfrm>
+            <a:prstGeom prst="line">
+              <a:avLst/>
+            </a:prstGeom>
+            <a:ln w="38100">
+              <a:solidFill>
+                <a:schemeClr val="bg1">
+                  <a:lumMod val="50000"/>
+                </a:schemeClr>
+              </a:solidFill>
+            </a:ln>
+          </p:spPr>
+          <p:style>
+            <a:lnRef idx="1">
+              <a:schemeClr val="accent1"/>
+            </a:lnRef>
+            <a:fillRef idx="0">
+              <a:schemeClr val="accent1"/>
+            </a:fillRef>
+            <a:effectRef idx="0">
+              <a:schemeClr val="accent1"/>
+            </a:effectRef>
+            <a:fontRef idx="minor">
+              <a:schemeClr val="tx1"/>
+            </a:fontRef>
+          </p:style>
+        </p:cxnSp>
+        <p:cxnSp>
+          <p:nvCxnSpPr>
+            <p:cNvPr id="55" name="Straight Connector 79">
+              <a:extLst>
+                <a:ext uri="{FF2B5EF4-FFF2-40B4-BE49-F238E27FC236}">
+                  <a16:creationId xmlns:a16="http://schemas.microsoft.com/office/drawing/2014/main" id="{9E6888E9-7AE3-4D23-8CBB-FD4B2108B0D6}"/>
+                </a:ext>
+              </a:extLst>
+            </p:cNvPr>
+            <p:cNvCxnSpPr/>
+            <p:nvPr/>
+          </p:nvCxnSpPr>
+          <p:spPr>
+            <a:xfrm flipV="1">
+              <a:off x="3627138" y="8369086"/>
+              <a:ext cx="1561576" cy="1"/>
+            </a:xfrm>
+            <a:prstGeom prst="line">
+              <a:avLst/>
+            </a:prstGeom>
+            <a:ln w="38100">
+              <a:solidFill>
+                <a:schemeClr val="bg1">
+                  <a:lumMod val="50000"/>
+                </a:schemeClr>
+              </a:solidFill>
+            </a:ln>
+          </p:spPr>
+          <p:style>
+            <a:lnRef idx="1">
+              <a:schemeClr val="accent1"/>
+            </a:lnRef>
+            <a:fillRef idx="0">
+              <a:schemeClr val="accent1"/>
+            </a:fillRef>
+            <a:effectRef idx="0">
+              <a:schemeClr val="accent1"/>
+            </a:effectRef>
+            <a:fontRef idx="minor">
+              <a:schemeClr val="tx1"/>
+            </a:fontRef>
+          </p:style>
+        </p:cxnSp>
+        <p:cxnSp>
+          <p:nvCxnSpPr>
+            <p:cNvPr id="56" name="Straight Connector 79">
+              <a:extLst>
+                <a:ext uri="{FF2B5EF4-FFF2-40B4-BE49-F238E27FC236}">
+                  <a16:creationId xmlns:a16="http://schemas.microsoft.com/office/drawing/2014/main" id="{06FFD061-2B9D-4F9B-8C9C-8320929177F0}"/>
+                </a:ext>
+              </a:extLst>
+            </p:cNvPr>
+            <p:cNvCxnSpPr>
+              <a:cxnSpLocks/>
+            </p:cNvCxnSpPr>
+            <p:nvPr/>
+          </p:nvCxnSpPr>
+          <p:spPr>
+            <a:xfrm flipV="1">
+              <a:off x="3627138" y="8032053"/>
+              <a:ext cx="1681122" cy="1"/>
+            </a:xfrm>
+            <a:prstGeom prst="line">
+              <a:avLst/>
+            </a:prstGeom>
+            <a:ln w="38100">
+              <a:solidFill>
+                <a:schemeClr val="bg1">
+                  <a:lumMod val="50000"/>
+                </a:schemeClr>
+              </a:solidFill>
+            </a:ln>
+          </p:spPr>
+          <p:style>
+            <a:lnRef idx="1">
+              <a:schemeClr val="accent1"/>
+            </a:lnRef>
+            <a:fillRef idx="0">
+              <a:schemeClr val="accent1"/>
+            </a:fillRef>
+            <a:effectRef idx="0">
+              <a:schemeClr val="accent1"/>
+            </a:effectRef>
+            <a:fontRef idx="minor">
+              <a:schemeClr val="tx1"/>
+            </a:fontRef>
+          </p:style>
+        </p:cxnSp>
+        <p:cxnSp>
+          <p:nvCxnSpPr>
+            <p:cNvPr id="57" name="Straight Connector 82">
+              <a:extLst>
+                <a:ext uri="{FF2B5EF4-FFF2-40B4-BE49-F238E27FC236}">
+                  <a16:creationId xmlns:a16="http://schemas.microsoft.com/office/drawing/2014/main" id="{0E092FEF-B736-44EA-B7D3-CE112C1807BC}"/>
+                </a:ext>
+              </a:extLst>
+            </p:cNvPr>
+            <p:cNvCxnSpPr/>
+            <p:nvPr/>
+          </p:nvCxnSpPr>
+          <p:spPr>
+            <a:xfrm>
+              <a:off x="3631548" y="1997760"/>
+              <a:ext cx="1097280" cy="3447"/>
+            </a:xfrm>
+            <a:prstGeom prst="line">
+              <a:avLst/>
+            </a:prstGeom>
+            <a:ln w="38100">
+              <a:solidFill>
+                <a:schemeClr val="bg1">
+                  <a:lumMod val="50000"/>
+                </a:schemeClr>
+              </a:solidFill>
+            </a:ln>
+          </p:spPr>
+          <p:style>
+            <a:lnRef idx="1">
+              <a:schemeClr val="accent1"/>
+            </a:lnRef>
+            <a:fillRef idx="0">
+              <a:schemeClr val="accent1"/>
+            </a:fillRef>
+            <a:effectRef idx="0">
+              <a:schemeClr val="accent1"/>
+            </a:effectRef>
+            <a:fontRef idx="minor">
+              <a:schemeClr val="tx1"/>
+            </a:fontRef>
+          </p:style>
+        </p:cxnSp>
+        <p:cxnSp>
+          <p:nvCxnSpPr>
+            <p:cNvPr id="58" name="Straight Connector 82">
+              <a:extLst>
+                <a:ext uri="{FF2B5EF4-FFF2-40B4-BE49-F238E27FC236}">
+                  <a16:creationId xmlns:a16="http://schemas.microsoft.com/office/drawing/2014/main" id="{AF53CD49-D2AB-472D-8C6A-2378CF167E2C}"/>
+                </a:ext>
+              </a:extLst>
+            </p:cNvPr>
+            <p:cNvCxnSpPr/>
+            <p:nvPr/>
+          </p:nvCxnSpPr>
+          <p:spPr>
+            <a:xfrm>
+              <a:off x="3623029" y="2326108"/>
+              <a:ext cx="1463040" cy="3447"/>
+            </a:xfrm>
+            <a:prstGeom prst="line">
+              <a:avLst/>
+            </a:prstGeom>
+            <a:ln w="38100">
+              <a:solidFill>
+                <a:schemeClr val="bg1">
+                  <a:lumMod val="50000"/>
+                </a:schemeClr>
+              </a:solidFill>
+            </a:ln>
+          </p:spPr>
+          <p:style>
+            <a:lnRef idx="1">
+              <a:schemeClr val="accent1"/>
+            </a:lnRef>
+            <a:fillRef idx="0">
+              <a:schemeClr val="accent1"/>
+            </a:fillRef>
+            <a:effectRef idx="0">
+              <a:schemeClr val="accent1"/>
+            </a:effectRef>
+            <a:fontRef idx="minor">
+              <a:schemeClr val="tx1"/>
+            </a:fontRef>
+          </p:style>
+        </p:cxnSp>
+        <p:cxnSp>
+          <p:nvCxnSpPr>
+            <p:cNvPr id="59" name="Straight Connector 82">
+              <a:extLst>
+                <a:ext uri="{FF2B5EF4-FFF2-40B4-BE49-F238E27FC236}">
+                  <a16:creationId xmlns:a16="http://schemas.microsoft.com/office/drawing/2014/main" id="{FD5866CB-A325-40E0-9027-4A503A2652FF}"/>
+                </a:ext>
+              </a:extLst>
+            </p:cNvPr>
+            <p:cNvCxnSpPr>
+              <a:cxnSpLocks/>
+            </p:cNvCxnSpPr>
+            <p:nvPr/>
+          </p:nvCxnSpPr>
+          <p:spPr>
+            <a:xfrm>
+              <a:off x="3623030" y="3001344"/>
+              <a:ext cx="1374806" cy="0"/>
+            </a:xfrm>
+            <a:prstGeom prst="line">
+              <a:avLst/>
+            </a:prstGeom>
+            <a:ln w="38100">
+              <a:solidFill>
+                <a:schemeClr val="bg1">
+                  <a:lumMod val="50000"/>
+                </a:schemeClr>
+              </a:solidFill>
+            </a:ln>
+          </p:spPr>
+          <p:style>
+            <a:lnRef idx="1">
+              <a:schemeClr val="accent1"/>
+            </a:lnRef>
+            <a:fillRef idx="0">
+              <a:schemeClr val="accent1"/>
+            </a:fillRef>
+            <a:effectRef idx="0">
+              <a:schemeClr val="accent1"/>
+            </a:effectRef>
+            <a:fontRef idx="minor">
+              <a:schemeClr val="tx1"/>
+            </a:fontRef>
+          </p:style>
+        </p:cxnSp>
+        <p:cxnSp>
+          <p:nvCxnSpPr>
+            <p:cNvPr id="60" name="Straight Connector 82">
+              <a:extLst>
+                <a:ext uri="{FF2B5EF4-FFF2-40B4-BE49-F238E27FC236}">
+                  <a16:creationId xmlns:a16="http://schemas.microsoft.com/office/drawing/2014/main" id="{31DA1F48-57EF-4DF8-9D23-D910E7F23E1B}"/>
+                </a:ext>
+              </a:extLst>
+            </p:cNvPr>
+            <p:cNvCxnSpPr/>
+            <p:nvPr/>
+          </p:nvCxnSpPr>
+          <p:spPr>
+            <a:xfrm>
+              <a:off x="3631549" y="3328173"/>
+              <a:ext cx="1005840" cy="3447"/>
+            </a:xfrm>
+            <a:prstGeom prst="line">
+              <a:avLst/>
+            </a:prstGeom>
+            <a:ln w="38100">
+              <a:solidFill>
+                <a:schemeClr val="bg1">
+                  <a:lumMod val="50000"/>
+                </a:schemeClr>
+              </a:solidFill>
+            </a:ln>
+          </p:spPr>
+          <p:style>
+            <a:lnRef idx="1">
+              <a:schemeClr val="accent1"/>
+            </a:lnRef>
+            <a:fillRef idx="0">
+              <a:schemeClr val="accent1"/>
+            </a:fillRef>
+            <a:effectRef idx="0">
+              <a:schemeClr val="accent1"/>
+            </a:effectRef>
+            <a:fontRef idx="minor">
+              <a:schemeClr val="tx1"/>
+            </a:fontRef>
+          </p:style>
+        </p:cxnSp>
+        <p:cxnSp>
+          <p:nvCxnSpPr>
+            <p:cNvPr id="61" name="Straight Connector 82">
+              <a:extLst>
+                <a:ext uri="{FF2B5EF4-FFF2-40B4-BE49-F238E27FC236}">
+                  <a16:creationId xmlns:a16="http://schemas.microsoft.com/office/drawing/2014/main" id="{3C15ACA0-F132-43EA-81F6-640BF7F2FDB2}"/>
+                </a:ext>
+              </a:extLst>
+            </p:cNvPr>
+            <p:cNvCxnSpPr/>
+            <p:nvPr/>
+          </p:nvCxnSpPr>
+          <p:spPr>
+            <a:xfrm>
+              <a:off x="3623030" y="3655003"/>
+              <a:ext cx="1025521" cy="3447"/>
+            </a:xfrm>
+            <a:prstGeom prst="line">
+              <a:avLst/>
+            </a:prstGeom>
+            <a:ln w="38100">
+              <a:solidFill>
+                <a:schemeClr val="bg1">
+                  <a:lumMod val="50000"/>
+                </a:schemeClr>
+              </a:solidFill>
+            </a:ln>
+          </p:spPr>
+          <p:style>
+            <a:lnRef idx="1">
+              <a:schemeClr val="accent1"/>
+            </a:lnRef>
+            <a:fillRef idx="0">
+              <a:schemeClr val="accent1"/>
+            </a:fillRef>
+            <a:effectRef idx="0">
+              <a:schemeClr val="accent1"/>
+            </a:effectRef>
+            <a:fontRef idx="minor">
+              <a:schemeClr val="tx1"/>
+            </a:fontRef>
+          </p:style>
+        </p:cxnSp>
+        <p:cxnSp>
+          <p:nvCxnSpPr>
+            <p:cNvPr id="62" name="Straight Connector 82">
+              <a:extLst>
+                <a:ext uri="{FF2B5EF4-FFF2-40B4-BE49-F238E27FC236}">
+                  <a16:creationId xmlns:a16="http://schemas.microsoft.com/office/drawing/2014/main" id="{BC2886FA-4796-497C-95CC-54C097CA669C}"/>
+                </a:ext>
+              </a:extLst>
+            </p:cNvPr>
+            <p:cNvCxnSpPr/>
+            <p:nvPr/>
+          </p:nvCxnSpPr>
+          <p:spPr>
+            <a:xfrm>
+              <a:off x="3631549" y="4000516"/>
+              <a:ext cx="1025521" cy="3447"/>
+            </a:xfrm>
+            <a:prstGeom prst="line">
+              <a:avLst/>
+            </a:prstGeom>
+            <a:ln w="38100">
+              <a:solidFill>
+                <a:schemeClr val="bg1">
+                  <a:lumMod val="50000"/>
+                </a:schemeClr>
+              </a:solidFill>
+            </a:ln>
+          </p:spPr>
+          <p:style>
+            <a:lnRef idx="1">
+              <a:schemeClr val="accent1"/>
+            </a:lnRef>
+            <a:fillRef idx="0">
+              <a:schemeClr val="accent1"/>
+            </a:fillRef>
+            <a:effectRef idx="0">
+              <a:schemeClr val="accent1"/>
+            </a:effectRef>
+            <a:fontRef idx="minor">
+              <a:schemeClr val="tx1"/>
+            </a:fontRef>
+          </p:style>
+        </p:cxnSp>
+        <p:cxnSp>
+          <p:nvCxnSpPr>
+            <p:cNvPr id="63" name="Straight Connector 82">
+              <a:extLst>
+                <a:ext uri="{FF2B5EF4-FFF2-40B4-BE49-F238E27FC236}">
+                  <a16:creationId xmlns:a16="http://schemas.microsoft.com/office/drawing/2014/main" id="{3C888B98-C51E-4654-BBD8-64C3BBDCA7BA}"/>
+                </a:ext>
+              </a:extLst>
+            </p:cNvPr>
+            <p:cNvCxnSpPr>
+              <a:cxnSpLocks/>
+            </p:cNvCxnSpPr>
+            <p:nvPr/>
+          </p:nvCxnSpPr>
+          <p:spPr>
+            <a:xfrm>
+              <a:off x="3631549" y="4339329"/>
+              <a:ext cx="1285109" cy="0"/>
+            </a:xfrm>
+            <a:prstGeom prst="line">
+              <a:avLst/>
+            </a:prstGeom>
+            <a:ln w="38100">
+              <a:solidFill>
+                <a:schemeClr val="bg1">
+                  <a:lumMod val="50000"/>
+                </a:schemeClr>
+              </a:solidFill>
+            </a:ln>
+          </p:spPr>
+          <p:style>
+            <a:lnRef idx="1">
+              <a:schemeClr val="accent1"/>
+            </a:lnRef>
+            <a:fillRef idx="0">
+              <a:schemeClr val="accent1"/>
+            </a:fillRef>
+            <a:effectRef idx="0">
+              <a:schemeClr val="accent1"/>
+            </a:effectRef>
+            <a:fontRef idx="minor">
+              <a:schemeClr val="tx1"/>
+            </a:fontRef>
+          </p:style>
+        </p:cxnSp>
+        <p:cxnSp>
+          <p:nvCxnSpPr>
+            <p:cNvPr id="64" name="Straight Connector 82">
+              <a:extLst>
+                <a:ext uri="{FF2B5EF4-FFF2-40B4-BE49-F238E27FC236}">
+                  <a16:creationId xmlns:a16="http://schemas.microsoft.com/office/drawing/2014/main" id="{4D804522-97D5-4139-ABFE-1ED38794DA31}"/>
+                </a:ext>
+              </a:extLst>
+            </p:cNvPr>
+            <p:cNvCxnSpPr/>
+            <p:nvPr/>
+          </p:nvCxnSpPr>
+          <p:spPr>
+            <a:xfrm>
+              <a:off x="3637092" y="4679702"/>
+              <a:ext cx="1025521" cy="3447"/>
+            </a:xfrm>
+            <a:prstGeom prst="line">
+              <a:avLst/>
+            </a:prstGeom>
+            <a:ln w="38100">
+              <a:solidFill>
+                <a:schemeClr val="bg1">
+                  <a:lumMod val="50000"/>
+                </a:schemeClr>
+              </a:solidFill>
+            </a:ln>
+          </p:spPr>
+          <p:style>
+            <a:lnRef idx="1">
+              <a:schemeClr val="accent1"/>
+            </a:lnRef>
+            <a:fillRef idx="0">
+              <a:schemeClr val="accent1"/>
+            </a:fillRef>
+            <a:effectRef idx="0">
+              <a:schemeClr val="accent1"/>
+            </a:effectRef>
+            <a:fontRef idx="minor">
+              <a:schemeClr val="tx1"/>
+            </a:fontRef>
+          </p:style>
+        </p:cxnSp>
+        <p:cxnSp>
+          <p:nvCxnSpPr>
+            <p:cNvPr id="65" name="Straight Connector 82">
+              <a:extLst>
+                <a:ext uri="{FF2B5EF4-FFF2-40B4-BE49-F238E27FC236}">
+                  <a16:creationId xmlns:a16="http://schemas.microsoft.com/office/drawing/2014/main" id="{E68FE51B-43BA-4B8D-B038-B33849A721D3}"/>
+                </a:ext>
+              </a:extLst>
+            </p:cNvPr>
+            <p:cNvCxnSpPr/>
+            <p:nvPr/>
+          </p:nvCxnSpPr>
+          <p:spPr>
+            <a:xfrm>
+              <a:off x="3631549" y="5346114"/>
+              <a:ext cx="1025521" cy="3447"/>
+            </a:xfrm>
+            <a:prstGeom prst="line">
+              <a:avLst/>
+            </a:prstGeom>
+            <a:ln w="38100">
+              <a:solidFill>
+                <a:schemeClr val="bg1">
+                  <a:lumMod val="50000"/>
+                </a:schemeClr>
+              </a:solidFill>
+            </a:ln>
+          </p:spPr>
+          <p:style>
+            <a:lnRef idx="1">
+              <a:schemeClr val="accent1"/>
+            </a:lnRef>
+            <a:fillRef idx="0">
+              <a:schemeClr val="accent1"/>
+            </a:fillRef>
+            <a:effectRef idx="0">
+              <a:schemeClr val="accent1"/>
+            </a:effectRef>
+            <a:fontRef idx="minor">
+              <a:schemeClr val="tx1"/>
+            </a:fontRef>
+          </p:style>
+        </p:cxnSp>
+        <p:cxnSp>
+          <p:nvCxnSpPr>
+            <p:cNvPr id="66" name="Straight Connector 82">
+              <a:extLst>
+                <a:ext uri="{FF2B5EF4-FFF2-40B4-BE49-F238E27FC236}">
+                  <a16:creationId xmlns:a16="http://schemas.microsoft.com/office/drawing/2014/main" id="{5523B5C0-B43C-409E-8A88-D516218EF7C3}"/>
+                </a:ext>
+              </a:extLst>
+            </p:cNvPr>
+            <p:cNvCxnSpPr/>
+            <p:nvPr/>
+          </p:nvCxnSpPr>
+          <p:spPr>
+            <a:xfrm>
+              <a:off x="3635858" y="5681481"/>
+              <a:ext cx="1025521" cy="3447"/>
+            </a:xfrm>
+            <a:prstGeom prst="line">
+              <a:avLst/>
+            </a:prstGeom>
+            <a:ln w="38100">
+              <a:solidFill>
+                <a:schemeClr val="bg1">
+                  <a:lumMod val="50000"/>
+                </a:schemeClr>
+              </a:solidFill>
+            </a:ln>
+          </p:spPr>
+          <p:style>
+            <a:lnRef idx="1">
+              <a:schemeClr val="accent1"/>
+            </a:lnRef>
+            <a:fillRef idx="0">
+              <a:schemeClr val="accent1"/>
+            </a:fillRef>
+            <a:effectRef idx="0">
+              <a:schemeClr val="accent1"/>
+            </a:effectRef>
+            <a:fontRef idx="minor">
+              <a:schemeClr val="tx1"/>
+            </a:fontRef>
+          </p:style>
+        </p:cxnSp>
+        <p:cxnSp>
+          <p:nvCxnSpPr>
+            <p:cNvPr id="67" name="Straight Connector 82">
+              <a:extLst>
+                <a:ext uri="{FF2B5EF4-FFF2-40B4-BE49-F238E27FC236}">
+                  <a16:creationId xmlns:a16="http://schemas.microsoft.com/office/drawing/2014/main" id="{ABE42258-84D7-4253-8852-65BB2619364B}"/>
+                </a:ext>
+              </a:extLst>
+            </p:cNvPr>
+            <p:cNvCxnSpPr>
+              <a:cxnSpLocks/>
+            </p:cNvCxnSpPr>
+            <p:nvPr/>
+          </p:nvCxnSpPr>
+          <p:spPr>
+            <a:xfrm>
+              <a:off x="3623030" y="6011630"/>
+              <a:ext cx="1285109" cy="0"/>
+            </a:xfrm>
+            <a:prstGeom prst="line">
+              <a:avLst/>
+            </a:prstGeom>
+            <a:ln w="38100">
+              <a:solidFill>
+                <a:schemeClr val="bg1">
+                  <a:lumMod val="50000"/>
+                </a:schemeClr>
+              </a:solidFill>
+            </a:ln>
+          </p:spPr>
+          <p:style>
+            <a:lnRef idx="1">
+              <a:schemeClr val="accent1"/>
+            </a:lnRef>
+            <a:fillRef idx="0">
+              <a:schemeClr val="accent1"/>
+            </a:fillRef>
+            <a:effectRef idx="0">
+              <a:schemeClr val="accent1"/>
+            </a:effectRef>
+            <a:fontRef idx="minor">
+              <a:schemeClr val="tx1"/>
+            </a:fontRef>
+          </p:style>
+        </p:cxnSp>
+        <p:cxnSp>
+          <p:nvCxnSpPr>
+            <p:cNvPr id="68" name="Straight Connector 82">
+              <a:extLst>
+                <a:ext uri="{FF2B5EF4-FFF2-40B4-BE49-F238E27FC236}">
+                  <a16:creationId xmlns:a16="http://schemas.microsoft.com/office/drawing/2014/main" id="{0AF11879-6E54-4BB0-B9AC-EB2705001B47}"/>
+                </a:ext>
+              </a:extLst>
+            </p:cNvPr>
+            <p:cNvCxnSpPr/>
+            <p:nvPr/>
+          </p:nvCxnSpPr>
+          <p:spPr>
+            <a:xfrm>
+              <a:off x="3631549" y="6353725"/>
+              <a:ext cx="1025521" cy="3447"/>
+            </a:xfrm>
+            <a:prstGeom prst="line">
+              <a:avLst/>
+            </a:prstGeom>
+            <a:ln w="38100">
+              <a:solidFill>
+                <a:schemeClr val="bg1">
+                  <a:lumMod val="50000"/>
+                </a:schemeClr>
+              </a:solidFill>
+            </a:ln>
+          </p:spPr>
+          <p:style>
+            <a:lnRef idx="1">
+              <a:schemeClr val="accent1"/>
+            </a:lnRef>
+            <a:fillRef idx="0">
+              <a:schemeClr val="accent1"/>
+            </a:fillRef>
+            <a:effectRef idx="0">
+              <a:schemeClr val="accent1"/>
+            </a:effectRef>
+            <a:fontRef idx="minor">
+              <a:schemeClr val="tx1"/>
+            </a:fontRef>
+          </p:style>
+        </p:cxnSp>
+        <p:cxnSp>
+          <p:nvCxnSpPr>
+            <p:cNvPr id="69" name="Straight Connector 82">
+              <a:extLst>
+                <a:ext uri="{FF2B5EF4-FFF2-40B4-BE49-F238E27FC236}">
+                  <a16:creationId xmlns:a16="http://schemas.microsoft.com/office/drawing/2014/main" id="{62EEDCC9-0D2F-4B72-923C-C0178C058719}"/>
+                </a:ext>
+              </a:extLst>
+            </p:cNvPr>
+            <p:cNvCxnSpPr/>
+            <p:nvPr/>
+          </p:nvCxnSpPr>
+          <p:spPr>
+            <a:xfrm>
+              <a:off x="3632673" y="7027335"/>
+              <a:ext cx="1025521" cy="3447"/>
+            </a:xfrm>
+            <a:prstGeom prst="line">
+              <a:avLst/>
+            </a:prstGeom>
+            <a:ln w="38100">
+              <a:solidFill>
+                <a:schemeClr val="bg1">
+                  <a:lumMod val="50000"/>
+                </a:schemeClr>
+              </a:solidFill>
+            </a:ln>
+          </p:spPr>
+          <p:style>
+            <a:lnRef idx="1">
+              <a:schemeClr val="accent1"/>
+            </a:lnRef>
+            <a:fillRef idx="0">
+              <a:schemeClr val="accent1"/>
+            </a:fillRef>
+            <a:effectRef idx="0">
+              <a:schemeClr val="accent1"/>
+            </a:effectRef>
+            <a:fontRef idx="minor">
+              <a:schemeClr val="tx1"/>
+            </a:fontRef>
+          </p:style>
+        </p:cxnSp>
+        <p:cxnSp>
+          <p:nvCxnSpPr>
+            <p:cNvPr id="70" name="Straight Connector 82">
+              <a:extLst>
+                <a:ext uri="{FF2B5EF4-FFF2-40B4-BE49-F238E27FC236}">
+                  <a16:creationId xmlns:a16="http://schemas.microsoft.com/office/drawing/2014/main" id="{9EEFEE9E-84C6-4538-A8ED-236560A98DD7}"/>
+                </a:ext>
+              </a:extLst>
+            </p:cNvPr>
+            <p:cNvCxnSpPr/>
+            <p:nvPr/>
+          </p:nvCxnSpPr>
+          <p:spPr>
+            <a:xfrm>
+              <a:off x="3631549" y="7350986"/>
+              <a:ext cx="1025521" cy="3447"/>
+            </a:xfrm>
+            <a:prstGeom prst="line">
+              <a:avLst/>
+            </a:prstGeom>
+            <a:ln w="38100">
+              <a:solidFill>
+                <a:schemeClr val="bg1">
+                  <a:lumMod val="50000"/>
+                </a:schemeClr>
+              </a:solidFill>
+            </a:ln>
+          </p:spPr>
+          <p:style>
+            <a:lnRef idx="1">
+              <a:schemeClr val="accent1"/>
+            </a:lnRef>
+            <a:fillRef idx="0">
+              <a:schemeClr val="accent1"/>
+            </a:fillRef>
+            <a:effectRef idx="0">
+              <a:schemeClr val="accent1"/>
+            </a:effectRef>
+            <a:fontRef idx="minor">
+              <a:schemeClr val="tx1"/>
+            </a:fontRef>
+          </p:style>
+        </p:cxnSp>
+      </p:grpSp>
     </p:spTree>
     <p:extLst>
       <p:ext uri="{BB962C8B-B14F-4D97-AF65-F5344CB8AC3E}">
@@ -6427,7 +8804,7 @@
           </a:prstGeom>
           <a:ln>
             <a:solidFill>
-              <a:srgbClr val="892C30"/>
+              <a:srgbClr val="3F656D"/>
             </a:solidFill>
           </a:ln>
           <a:effectLst/>
@@ -6447,2189 +8824,6 @@
           </a:fontRef>
         </p:style>
       </p:cxnSp>
-      <p:grpSp>
-        <p:nvGrpSpPr>
-          <p:cNvPr id="41" name="Grupo 40">
-            <a:extLst>
-              <a:ext uri="{FF2B5EF4-FFF2-40B4-BE49-F238E27FC236}">
-                <a16:creationId xmlns:a16="http://schemas.microsoft.com/office/drawing/2014/main" id="{31E1ED1D-EABC-4346-8E05-74F4CB102F72}"/>
-              </a:ext>
-            </a:extLst>
-          </p:cNvPr>
-          <p:cNvGrpSpPr/>
-          <p:nvPr/>
-        </p:nvGrpSpPr>
-        <p:grpSpPr>
-          <a:xfrm>
-            <a:off x="396170" y="444901"/>
-            <a:ext cx="2214940" cy="8306010"/>
-            <a:chOff x="3322043" y="727996"/>
-            <a:chExt cx="2214940" cy="8306010"/>
-          </a:xfrm>
-        </p:grpSpPr>
-        <p:sp>
-          <p:nvSpPr>
-            <p:cNvPr id="42" name="TextBox 83">
-              <a:extLst>
-                <a:ext uri="{FF2B5EF4-FFF2-40B4-BE49-F238E27FC236}">
-                  <a16:creationId xmlns:a16="http://schemas.microsoft.com/office/drawing/2014/main" id="{1BFFFCA1-13C0-C146-BEB6-198642507203}"/>
-                </a:ext>
-              </a:extLst>
-            </p:cNvPr>
-            <p:cNvSpPr txBox="1"/>
-            <p:nvPr/>
-          </p:nvSpPr>
-          <p:spPr>
-            <a:xfrm>
-              <a:off x="3374727" y="8726229"/>
-              <a:ext cx="2162256" cy="307777"/>
-            </a:xfrm>
-            <a:prstGeom prst="rect">
-              <a:avLst/>
-            </a:prstGeom>
-            <a:noFill/>
-          </p:spPr>
-          <p:txBody>
-            <a:bodyPr wrap="square" rtlCol="0">
-              <a:spAutoFit/>
-            </a:bodyPr>
-            <a:lstStyle/>
-            <a:p>
-              <a:pPr algn="r"/>
-              <a:r>
-                <a:rPr lang="en-US" sz="700" dirty="0">
-                  <a:solidFill>
-                    <a:schemeClr val="bg1">
-                      <a:lumMod val="65000"/>
-                    </a:schemeClr>
-                  </a:solidFill>
-                  <a:latin typeface="Candara" panose="020E0502030303020204" pitchFamily="34" charset="0"/>
-                </a:rPr>
-                <a:t>advanced knowledge: A.K. </a:t>
-              </a:r>
-              <a:br>
-                <a:rPr lang="en-US" sz="700" dirty="0">
-                  <a:solidFill>
-                    <a:schemeClr val="bg1">
-                      <a:lumMod val="65000"/>
-                    </a:schemeClr>
-                  </a:solidFill>
-                  <a:latin typeface="Candara" panose="020E0502030303020204" pitchFamily="34" charset="0"/>
-                </a:rPr>
-              </a:br>
-              <a:r>
-                <a:rPr lang="en-US" sz="700" dirty="0">
-                  <a:solidFill>
-                    <a:schemeClr val="bg1">
-                      <a:lumMod val="65000"/>
-                    </a:schemeClr>
-                  </a:solidFill>
-                  <a:latin typeface="Candara" panose="020E0502030303020204" pitchFamily="34" charset="0"/>
-                </a:rPr>
-                <a:t>basic knowledge: B.K.</a:t>
-              </a:r>
-            </a:p>
-          </p:txBody>
-        </p:sp>
-        <p:grpSp>
-          <p:nvGrpSpPr>
-            <p:cNvPr id="43" name="Grupo 42">
-              <a:extLst>
-                <a:ext uri="{FF2B5EF4-FFF2-40B4-BE49-F238E27FC236}">
-                  <a16:creationId xmlns:a16="http://schemas.microsoft.com/office/drawing/2014/main" id="{00DEF479-0025-0845-82FB-56EB20324408}"/>
-                </a:ext>
-              </a:extLst>
-            </p:cNvPr>
-            <p:cNvGrpSpPr/>
-            <p:nvPr/>
-          </p:nvGrpSpPr>
-          <p:grpSpPr>
-            <a:xfrm>
-              <a:off x="3322043" y="727996"/>
-              <a:ext cx="2204842" cy="7734296"/>
-              <a:chOff x="3322043" y="727996"/>
-              <a:chExt cx="2204842" cy="7734296"/>
-            </a:xfrm>
-          </p:grpSpPr>
-          <p:sp>
-            <p:nvSpPr>
-              <p:cNvPr id="99" name="CuadroTexto 51">
-                <a:extLst>
-                  <a:ext uri="{FF2B5EF4-FFF2-40B4-BE49-F238E27FC236}">
-                    <a16:creationId xmlns:a16="http://schemas.microsoft.com/office/drawing/2014/main" id="{B1620586-6D9F-A544-8B44-2190C07853DB}"/>
-                  </a:ext>
-                </a:extLst>
-              </p:cNvPr>
-              <p:cNvSpPr txBox="1"/>
-              <p:nvPr/>
-            </p:nvSpPr>
-            <p:spPr>
-              <a:xfrm>
-                <a:off x="3322043" y="727996"/>
-                <a:ext cx="2204842" cy="307777"/>
-              </a:xfrm>
-              <a:prstGeom prst="rect">
-                <a:avLst/>
-              </a:prstGeom>
-              <a:noFill/>
-            </p:spPr>
-            <p:txBody>
-              <a:bodyPr wrap="square" rtlCol="0">
-                <a:spAutoFit/>
-              </a:bodyPr>
-              <a:lstStyle/>
-              <a:p>
-                <a:r>
-                  <a:rPr lang="es-CO" sz="1400" dirty="0">
-                    <a:solidFill>
-                      <a:schemeClr val="tx1">
-                        <a:lumMod val="75000"/>
-                        <a:lumOff val="25000"/>
-                      </a:schemeClr>
-                    </a:solidFill>
-                    <a:effectLst>
-                      <a:outerShdw blurRad="38100" dist="38100" dir="2700000" algn="tl">
-                        <a:srgbClr val="000000">
-                          <a:alpha val="43137"/>
-                        </a:srgbClr>
-                      </a:outerShdw>
-                    </a:effectLst>
-                    <a:latin typeface="Candara" panose="020E0502030303020204" pitchFamily="34" charset="0"/>
-                  </a:rPr>
-                  <a:t>TECHNICAL SKILLS</a:t>
-                </a:r>
-              </a:p>
-            </p:txBody>
-          </p:sp>
-          <p:sp>
-            <p:nvSpPr>
-              <p:cNvPr id="102" name="TextBox 68">
-                <a:extLst>
-                  <a:ext uri="{FF2B5EF4-FFF2-40B4-BE49-F238E27FC236}">
-                    <a16:creationId xmlns:a16="http://schemas.microsoft.com/office/drawing/2014/main" id="{499667B9-7C47-7540-92EC-E2B3B54A89C7}"/>
-                  </a:ext>
-                </a:extLst>
-              </p:cNvPr>
-              <p:cNvSpPr txBox="1"/>
-              <p:nvPr/>
-            </p:nvSpPr>
-            <p:spPr>
-              <a:xfrm>
-                <a:off x="3357065" y="1014747"/>
-                <a:ext cx="1761184" cy="7371249"/>
-              </a:xfrm>
-              <a:prstGeom prst="rect">
-                <a:avLst/>
-              </a:prstGeom>
-              <a:noFill/>
-            </p:spPr>
-            <p:txBody>
-              <a:bodyPr wrap="square" rtlCol="0">
-                <a:spAutoFit/>
-              </a:bodyPr>
-              <a:lstStyle/>
-              <a:p>
-                <a:pPr marL="171450" indent="-171450">
-                  <a:buFontTx/>
-                  <a:buChar char="-"/>
-                </a:pPr>
-                <a:r>
-                  <a:rPr lang="es-CO" sz="1100" dirty="0">
-                    <a:latin typeface="Candara" panose="020E0502030303020204" pitchFamily="34" charset="0"/>
-                  </a:rPr>
-                  <a:t>R Studio</a:t>
-                </a:r>
-              </a:p>
-              <a:p>
-                <a:pPr marL="171450" indent="-171450">
-                  <a:buFontTx/>
-                  <a:buChar char="-"/>
-                </a:pPr>
-                <a:endParaRPr lang="es-CO" sz="1100" dirty="0">
-                  <a:latin typeface="Candara" panose="020E0502030303020204" pitchFamily="34" charset="0"/>
-                </a:endParaRPr>
-              </a:p>
-              <a:p>
-                <a:pPr marL="171450" indent="-171450">
-                  <a:buFontTx/>
-                  <a:buChar char="-"/>
-                </a:pPr>
-                <a:r>
-                  <a:rPr lang="es-CO" sz="1100" dirty="0">
-                    <a:latin typeface="Candara" panose="020E0502030303020204" pitchFamily="34" charset="0"/>
-                  </a:rPr>
-                  <a:t>SQL</a:t>
-                </a:r>
-              </a:p>
-              <a:p>
-                <a:pPr marL="171450" indent="-171450">
-                  <a:buFontTx/>
-                  <a:buChar char="-"/>
-                </a:pPr>
-                <a:endParaRPr lang="es-CO" sz="1100" dirty="0">
-                  <a:latin typeface="Candara" panose="020E0502030303020204" pitchFamily="34" charset="0"/>
-                </a:endParaRPr>
-              </a:p>
-              <a:p>
-                <a:pPr marL="171450" indent="-171450">
-                  <a:buFontTx/>
-                  <a:buChar char="-"/>
-                </a:pPr>
-                <a:r>
-                  <a:rPr lang="es-CO" sz="1100" dirty="0">
-                    <a:latin typeface="Candara" panose="020E0502030303020204" pitchFamily="34" charset="0"/>
-                  </a:rPr>
-                  <a:t>Python</a:t>
-                </a:r>
-              </a:p>
-              <a:p>
-                <a:pPr marL="171450" indent="-171450">
-                  <a:buFontTx/>
-                  <a:buChar char="-"/>
-                </a:pPr>
-                <a:endParaRPr lang="es-CO" sz="1100" dirty="0">
-                  <a:latin typeface="Candara" panose="020E0502030303020204" pitchFamily="34" charset="0"/>
-                </a:endParaRPr>
-              </a:p>
-              <a:p>
-                <a:pPr marL="171450" indent="-171450">
-                  <a:buFontTx/>
-                  <a:buChar char="-"/>
-                </a:pPr>
-                <a:r>
-                  <a:rPr lang="es-CO" sz="1100" dirty="0">
-                    <a:latin typeface="Candara" panose="020E0502030303020204" pitchFamily="34" charset="0"/>
-                  </a:rPr>
-                  <a:t>Knime</a:t>
-                </a:r>
-              </a:p>
-              <a:p>
-                <a:pPr marL="171450" indent="-171450">
-                  <a:buFontTx/>
-                  <a:buChar char="-"/>
-                </a:pPr>
-                <a:endParaRPr lang="es-CO" sz="1100" dirty="0">
-                  <a:latin typeface="Candara" panose="020E0502030303020204" pitchFamily="34" charset="0"/>
-                </a:endParaRPr>
-              </a:p>
-              <a:p>
-                <a:pPr marL="171450" indent="-171450">
-                  <a:buFontTx/>
-                  <a:buChar char="-"/>
-                </a:pPr>
-                <a:r>
-                  <a:rPr lang="es-CO" sz="1100" dirty="0">
-                    <a:latin typeface="Candara" panose="020E0502030303020204" pitchFamily="34" charset="0"/>
-                  </a:rPr>
-                  <a:t>Snowflake</a:t>
-                </a:r>
-              </a:p>
-              <a:p>
-                <a:pPr marL="171450" indent="-171450">
-                  <a:buFontTx/>
-                  <a:buChar char="-"/>
-                </a:pPr>
-                <a:endParaRPr lang="es-CO" sz="1100" dirty="0">
-                  <a:latin typeface="Candara" panose="020E0502030303020204" pitchFamily="34" charset="0"/>
-                </a:endParaRPr>
-              </a:p>
-              <a:p>
-                <a:pPr marL="171450" indent="-171450">
-                  <a:buFontTx/>
-                  <a:buChar char="-"/>
-                </a:pPr>
-                <a:r>
-                  <a:rPr lang="es-CO" sz="1100" dirty="0">
-                    <a:latin typeface="Candara" panose="020E0502030303020204" pitchFamily="34" charset="0"/>
-                  </a:rPr>
-                  <a:t>Amplitude</a:t>
-                </a:r>
-              </a:p>
-              <a:p>
-                <a:pPr marL="171450" indent="-171450">
-                  <a:buFontTx/>
-                  <a:buChar char="-"/>
-                </a:pPr>
-                <a:endParaRPr lang="es-CO" sz="1100" dirty="0">
-                  <a:latin typeface="Candara" panose="020E0502030303020204" pitchFamily="34" charset="0"/>
-                </a:endParaRPr>
-              </a:p>
-              <a:p>
-                <a:pPr marL="171450" indent="-171450">
-                  <a:buFontTx/>
-                  <a:buChar char="-"/>
-                </a:pPr>
-                <a:r>
-                  <a:rPr lang="es-CO" sz="1100" dirty="0">
-                    <a:latin typeface="Candara" panose="020E0502030303020204" pitchFamily="34" charset="0"/>
-                  </a:rPr>
-                  <a:t>Rakam</a:t>
-                </a:r>
-              </a:p>
-              <a:p>
-                <a:pPr marL="171450" indent="-171450">
-                  <a:buFontTx/>
-                  <a:buChar char="-"/>
-                </a:pPr>
-                <a:endParaRPr lang="es-CO" sz="1100" dirty="0">
-                  <a:latin typeface="Candara" panose="020E0502030303020204" pitchFamily="34" charset="0"/>
-                </a:endParaRPr>
-              </a:p>
-              <a:p>
-                <a:pPr marL="171450" indent="-171450">
-                  <a:buFontTx/>
-                  <a:buChar char="-"/>
-                </a:pPr>
-                <a:r>
-                  <a:rPr lang="es-CO" sz="1100" dirty="0">
-                    <a:latin typeface="Candara" panose="020E0502030303020204" pitchFamily="34" charset="0"/>
-                  </a:rPr>
-                  <a:t>Retool</a:t>
-                </a:r>
-              </a:p>
-              <a:p>
-                <a:pPr marL="171450" indent="-171450">
-                  <a:buFontTx/>
-                  <a:buChar char="-"/>
-                </a:pPr>
-                <a:endParaRPr lang="es-CO" sz="1100" dirty="0">
-                  <a:latin typeface="Candara" panose="020E0502030303020204" pitchFamily="34" charset="0"/>
-                </a:endParaRPr>
-              </a:p>
-              <a:p>
-                <a:pPr marL="171450" indent="-171450">
-                  <a:buFontTx/>
-                  <a:buChar char="-"/>
-                </a:pPr>
-                <a:r>
-                  <a:rPr lang="es-CO" sz="1100" dirty="0">
-                    <a:latin typeface="Candara" panose="020E0502030303020204" pitchFamily="34" charset="0"/>
-                  </a:rPr>
-                  <a:t>S3</a:t>
-                </a:r>
-              </a:p>
-              <a:p>
-                <a:pPr marL="171450" indent="-171450">
-                  <a:buFontTx/>
-                  <a:buChar char="-"/>
-                </a:pPr>
-                <a:endParaRPr lang="es-CO" sz="1100" dirty="0">
-                  <a:latin typeface="Candara" panose="020E0502030303020204" pitchFamily="34" charset="0"/>
-                </a:endParaRPr>
-              </a:p>
-              <a:p>
-                <a:pPr marL="171450" indent="-171450">
-                  <a:buFontTx/>
-                  <a:buChar char="-"/>
-                </a:pPr>
-                <a:r>
-                  <a:rPr lang="es-CO" sz="1100" dirty="0">
-                    <a:latin typeface="Candara" panose="020E0502030303020204" pitchFamily="34" charset="0"/>
-                  </a:rPr>
-                  <a:t>AirFlow</a:t>
-                </a:r>
-              </a:p>
-              <a:p>
-                <a:pPr marL="171450" indent="-171450">
-                  <a:buFontTx/>
-                  <a:buChar char="-"/>
-                </a:pPr>
-                <a:endParaRPr lang="es-CO" sz="1100" dirty="0">
-                  <a:latin typeface="Candara" panose="020E0502030303020204" pitchFamily="34" charset="0"/>
-                </a:endParaRPr>
-              </a:p>
-              <a:p>
-                <a:pPr marL="171450" indent="-171450">
-                  <a:buFontTx/>
-                  <a:buChar char="-"/>
-                </a:pPr>
-                <a:r>
-                  <a:rPr lang="es-CO" sz="1100" dirty="0">
-                    <a:latin typeface="Candara" panose="020E0502030303020204" pitchFamily="34" charset="0"/>
-                  </a:rPr>
-                  <a:t>Astronomer</a:t>
-                </a:r>
-              </a:p>
-              <a:p>
-                <a:pPr marL="171450" indent="-171450">
-                  <a:buFontTx/>
-                  <a:buChar char="-"/>
-                </a:pPr>
-                <a:endParaRPr lang="es-CO" sz="1100" dirty="0">
-                  <a:latin typeface="Candara" panose="020E0502030303020204" pitchFamily="34" charset="0"/>
-                </a:endParaRPr>
-              </a:p>
-              <a:p>
-                <a:pPr marL="171450" indent="-171450">
-                  <a:buFontTx/>
-                  <a:buChar char="-"/>
-                </a:pPr>
-                <a:r>
-                  <a:rPr lang="es-CO" sz="1100" dirty="0">
-                    <a:latin typeface="Candara" panose="020E0502030303020204" pitchFamily="34" charset="0"/>
-                  </a:rPr>
-                  <a:t>Sisense</a:t>
-                </a:r>
-              </a:p>
-              <a:p>
-                <a:pPr marL="171450" indent="-171450">
-                  <a:buFontTx/>
-                  <a:buChar char="-"/>
-                </a:pPr>
-                <a:endParaRPr lang="es-CO" sz="1100" dirty="0">
-                  <a:latin typeface="Candara" panose="020E0502030303020204" pitchFamily="34" charset="0"/>
-                </a:endParaRPr>
-              </a:p>
-              <a:p>
-                <a:pPr marL="171450" indent="-171450">
-                  <a:buFontTx/>
-                  <a:buChar char="-"/>
-                </a:pPr>
-                <a:r>
-                  <a:rPr lang="es-CO" sz="1100" dirty="0">
-                    <a:latin typeface="Candara" panose="020E0502030303020204" pitchFamily="34" charset="0"/>
-                  </a:rPr>
-                  <a:t>Redash</a:t>
-                </a:r>
-              </a:p>
-              <a:p>
-                <a:pPr marL="171450" indent="-171450">
-                  <a:buFontTx/>
-                  <a:buChar char="-"/>
-                </a:pPr>
-                <a:endParaRPr lang="es-CO" sz="1100" dirty="0">
-                  <a:latin typeface="Candara" panose="020E0502030303020204" pitchFamily="34" charset="0"/>
-                </a:endParaRPr>
-              </a:p>
-              <a:p>
-                <a:pPr marL="171450" indent="-171450">
-                  <a:buFontTx/>
-                  <a:buChar char="-"/>
-                </a:pPr>
-                <a:r>
-                  <a:rPr lang="es-CO" sz="1100" dirty="0">
-                    <a:latin typeface="Candara" panose="020E0502030303020204" pitchFamily="34" charset="0"/>
-                  </a:rPr>
-                  <a:t>Power BI</a:t>
-                </a:r>
-                <a:br>
-                  <a:rPr lang="es-CO" sz="1100" dirty="0">
-                    <a:latin typeface="Candara" panose="020E0502030303020204" pitchFamily="34" charset="0"/>
-                  </a:rPr>
-                </a:br>
-                <a:endParaRPr lang="es-CO" sz="1100" dirty="0">
-                  <a:latin typeface="Candara" panose="020E0502030303020204" pitchFamily="34" charset="0"/>
-                </a:endParaRPr>
-              </a:p>
-              <a:p>
-                <a:pPr marL="171450" indent="-171450">
-                  <a:buFontTx/>
-                  <a:buChar char="-"/>
-                </a:pPr>
-                <a:r>
-                  <a:rPr lang="es-CO" sz="1100" dirty="0">
-                    <a:latin typeface="Candara" panose="020E0502030303020204" pitchFamily="34" charset="0"/>
-                  </a:rPr>
-                  <a:t>Bitbucket</a:t>
-                </a:r>
-              </a:p>
-              <a:p>
-                <a:pPr marL="171450" indent="-171450">
-                  <a:buFontTx/>
-                  <a:buChar char="-"/>
-                </a:pPr>
-                <a:endParaRPr lang="es-CO" sz="1100" dirty="0">
-                  <a:latin typeface="Candara" panose="020E0502030303020204" pitchFamily="34" charset="0"/>
-                </a:endParaRPr>
-              </a:p>
-              <a:p>
-                <a:pPr marL="171450" indent="-171450">
-                  <a:buFontTx/>
-                  <a:buChar char="-"/>
-                </a:pPr>
-                <a:r>
-                  <a:rPr lang="es-CO" sz="1100" dirty="0">
-                    <a:latin typeface="Candara" panose="020E0502030303020204" pitchFamily="34" charset="0"/>
-                  </a:rPr>
-                  <a:t>Lupe</a:t>
-                </a:r>
-              </a:p>
-              <a:p>
-                <a:pPr marL="171450" indent="-171450">
-                  <a:buFontTx/>
-                  <a:buChar char="-"/>
-                </a:pPr>
-                <a:endParaRPr lang="es-CO" sz="1100" dirty="0">
-                  <a:latin typeface="Candara" panose="020E0502030303020204" pitchFamily="34" charset="0"/>
-                </a:endParaRPr>
-              </a:p>
-              <a:p>
-                <a:pPr marL="171450" indent="-171450">
-                  <a:buFontTx/>
-                  <a:buChar char="-"/>
-                </a:pPr>
-                <a:r>
-                  <a:rPr lang="es-CO" sz="1100" dirty="0">
-                    <a:latin typeface="Candara" panose="020E0502030303020204" pitchFamily="34" charset="0"/>
-                  </a:rPr>
-                  <a:t>Jira</a:t>
-                </a:r>
-              </a:p>
-              <a:p>
-                <a:pPr marL="171450" indent="-171450">
-                  <a:buFontTx/>
-                  <a:buChar char="-"/>
-                </a:pPr>
-                <a:endParaRPr lang="es-CO" sz="1100" dirty="0">
-                  <a:latin typeface="Candara" panose="020E0502030303020204" pitchFamily="34" charset="0"/>
-                </a:endParaRPr>
-              </a:p>
-              <a:p>
-                <a:pPr marL="171450" indent="-171450">
-                  <a:buFontTx/>
-                  <a:buChar char="-"/>
-                </a:pPr>
-                <a:r>
-                  <a:rPr lang="es-CO" sz="1100" dirty="0">
-                    <a:latin typeface="Candara" panose="020E0502030303020204" pitchFamily="34" charset="0"/>
-                  </a:rPr>
-                  <a:t>Trello</a:t>
-                </a:r>
-              </a:p>
-              <a:p>
-                <a:pPr marL="171450" indent="-171450">
-                  <a:buFontTx/>
-                  <a:buChar char="-"/>
-                </a:pPr>
-                <a:endParaRPr lang="es-CO" sz="1100" dirty="0">
-                  <a:latin typeface="Candara" panose="020E0502030303020204" pitchFamily="34" charset="0"/>
-                </a:endParaRPr>
-              </a:p>
-              <a:p>
-                <a:pPr marL="171450" indent="-171450">
-                  <a:buFontTx/>
-                  <a:buChar char="-"/>
-                </a:pPr>
-                <a:r>
-                  <a:rPr lang="es-CO" sz="1100" dirty="0">
-                    <a:latin typeface="Candara" panose="020E0502030303020204" pitchFamily="34" charset="0"/>
-                  </a:rPr>
-                  <a:t>Revit</a:t>
-                </a:r>
-              </a:p>
-              <a:p>
-                <a:pPr marL="171450" indent="-171450">
-                  <a:buFontTx/>
-                  <a:buChar char="-"/>
-                </a:pPr>
-                <a:endParaRPr lang="es-CO" sz="1100" dirty="0">
-                  <a:latin typeface="Candara" panose="020E0502030303020204" pitchFamily="34" charset="0"/>
-                </a:endParaRPr>
-              </a:p>
-              <a:p>
-                <a:pPr marL="171450" indent="-171450">
-                  <a:buFontTx/>
-                  <a:buChar char="-"/>
-                </a:pPr>
-                <a:r>
-                  <a:rPr lang="es-CO" sz="1100" dirty="0">
-                    <a:latin typeface="Candara" panose="020E0502030303020204" pitchFamily="34" charset="0"/>
-                  </a:rPr>
-                  <a:t>AutoCAD</a:t>
-                </a:r>
-              </a:p>
-              <a:p>
-                <a:pPr marL="171450" indent="-171450">
-                  <a:buFontTx/>
-                  <a:buChar char="-"/>
-                </a:pPr>
-                <a:endParaRPr lang="es-CO" sz="1100" dirty="0">
-                  <a:latin typeface="Candara" panose="020E0502030303020204" pitchFamily="34" charset="0"/>
-                </a:endParaRPr>
-              </a:p>
-              <a:p>
-                <a:pPr marL="171450" indent="-171450">
-                  <a:buFontTx/>
-                  <a:buChar char="-"/>
-                </a:pPr>
-                <a:r>
-                  <a:rPr lang="es-CO" sz="1100" dirty="0">
-                    <a:latin typeface="Candara" panose="020E0502030303020204" pitchFamily="34" charset="0"/>
-                  </a:rPr>
-                  <a:t>Microsoft Excel</a:t>
-                </a:r>
-              </a:p>
-              <a:p>
-                <a:pPr marL="171450" indent="-171450">
-                  <a:buFontTx/>
-                  <a:buChar char="-"/>
-                </a:pPr>
-                <a:endParaRPr lang="es-CO" sz="1100" dirty="0">
-                  <a:latin typeface="Candara" panose="020E0502030303020204" pitchFamily="34" charset="0"/>
-                </a:endParaRPr>
-              </a:p>
-              <a:p>
-                <a:pPr marL="171450" indent="-171450">
-                  <a:buFontTx/>
-                  <a:buChar char="-"/>
-                </a:pPr>
-                <a:r>
-                  <a:rPr lang="es-CO" sz="1100" dirty="0">
-                    <a:latin typeface="Candara" panose="020E0502030303020204" pitchFamily="34" charset="0"/>
-                  </a:rPr>
-                  <a:t>Microsoft Project</a:t>
-                </a:r>
-              </a:p>
-            </p:txBody>
-          </p:sp>
-          <p:sp>
-            <p:nvSpPr>
-              <p:cNvPr id="101" name="TextBox 68">
-                <a:extLst>
-                  <a:ext uri="{FF2B5EF4-FFF2-40B4-BE49-F238E27FC236}">
-                    <a16:creationId xmlns:a16="http://schemas.microsoft.com/office/drawing/2014/main" id="{2ECEF7EE-655E-7D4B-88AF-4990CE8CAB3E}"/>
-                  </a:ext>
-                </a:extLst>
-              </p:cNvPr>
-              <p:cNvSpPr txBox="1"/>
-              <p:nvPr/>
-            </p:nvSpPr>
-            <p:spPr>
-              <a:xfrm>
-                <a:off x="4509168" y="1091043"/>
-                <a:ext cx="977336" cy="7371249"/>
-              </a:xfrm>
-              <a:prstGeom prst="rect">
-                <a:avLst/>
-              </a:prstGeom>
-              <a:noFill/>
-            </p:spPr>
-            <p:txBody>
-              <a:bodyPr wrap="square" rtlCol="0">
-                <a:spAutoFit/>
-              </a:bodyPr>
-              <a:lstStyle/>
-              <a:p>
-                <a:pPr algn="r"/>
-                <a:r>
-                  <a:rPr lang="es-CO" sz="1100" dirty="0">
-                    <a:solidFill>
-                      <a:schemeClr val="bg1">
-                        <a:lumMod val="50000"/>
-                      </a:schemeClr>
-                    </a:solidFill>
-                    <a:latin typeface="Candara" panose="020E0502030303020204" pitchFamily="34" charset="0"/>
-                  </a:rPr>
-                  <a:t>A.K.</a:t>
-                </a:r>
-              </a:p>
-              <a:p>
-                <a:pPr algn="r"/>
-                <a:endParaRPr lang="es-CO" sz="1100" dirty="0">
-                  <a:solidFill>
-                    <a:schemeClr val="bg1">
-                      <a:lumMod val="50000"/>
-                    </a:schemeClr>
-                  </a:solidFill>
-                  <a:latin typeface="Candara" panose="020E0502030303020204" pitchFamily="34" charset="0"/>
-                </a:endParaRPr>
-              </a:p>
-              <a:p>
-                <a:pPr algn="r"/>
-                <a:r>
-                  <a:rPr lang="es-CO" sz="1100" dirty="0">
-                    <a:solidFill>
-                      <a:schemeClr val="bg1">
-                        <a:lumMod val="50000"/>
-                      </a:schemeClr>
-                    </a:solidFill>
-                    <a:latin typeface="Candara" panose="020E0502030303020204" pitchFamily="34" charset="0"/>
-                  </a:rPr>
-                  <a:t>A.K.</a:t>
-                </a:r>
-                <a:br>
-                  <a:rPr lang="es-CO" sz="1100" dirty="0">
-                    <a:solidFill>
-                      <a:schemeClr val="bg1">
-                        <a:lumMod val="50000"/>
-                      </a:schemeClr>
-                    </a:solidFill>
-                    <a:latin typeface="Candara" panose="020E0502030303020204" pitchFamily="34" charset="0"/>
-                  </a:rPr>
-                </a:br>
-                <a:endParaRPr lang="es-CO" sz="1100" dirty="0">
-                  <a:solidFill>
-                    <a:schemeClr val="bg1">
-                      <a:lumMod val="50000"/>
-                    </a:schemeClr>
-                  </a:solidFill>
-                  <a:latin typeface="Candara" panose="020E0502030303020204" pitchFamily="34" charset="0"/>
-                </a:endParaRPr>
-              </a:p>
-              <a:p>
-                <a:pPr algn="r"/>
-                <a:r>
-                  <a:rPr lang="es-CO" sz="1100" dirty="0">
-                    <a:solidFill>
-                      <a:schemeClr val="bg1">
-                        <a:lumMod val="50000"/>
-                      </a:schemeClr>
-                    </a:solidFill>
-                    <a:latin typeface="Candara" panose="020E0502030303020204" pitchFamily="34" charset="0"/>
-                  </a:rPr>
-                  <a:t>B.K.</a:t>
-                </a:r>
-                <a:br>
-                  <a:rPr lang="es-CO" sz="1100" dirty="0">
-                    <a:solidFill>
-                      <a:schemeClr val="bg1">
-                        <a:lumMod val="50000"/>
-                      </a:schemeClr>
-                    </a:solidFill>
-                    <a:latin typeface="Candara" panose="020E0502030303020204" pitchFamily="34" charset="0"/>
-                  </a:rPr>
-                </a:br>
-                <a:endParaRPr lang="es-CO" sz="1100" dirty="0">
-                  <a:solidFill>
-                    <a:schemeClr val="bg1">
-                      <a:lumMod val="50000"/>
-                    </a:schemeClr>
-                  </a:solidFill>
-                  <a:latin typeface="Candara" panose="020E0502030303020204" pitchFamily="34" charset="0"/>
-                </a:endParaRPr>
-              </a:p>
-              <a:p>
-                <a:pPr algn="r"/>
-                <a:r>
-                  <a:rPr lang="es-CO" sz="1100" dirty="0">
-                    <a:solidFill>
-                      <a:schemeClr val="bg1">
-                        <a:lumMod val="50000"/>
-                      </a:schemeClr>
-                    </a:solidFill>
-                    <a:latin typeface="Candara" panose="020E0502030303020204" pitchFamily="34" charset="0"/>
-                  </a:rPr>
-                  <a:t>B.K.</a:t>
-                </a:r>
-              </a:p>
-              <a:p>
-                <a:pPr algn="r"/>
-                <a:endParaRPr lang="es-CO" sz="1100" dirty="0">
-                  <a:solidFill>
-                    <a:schemeClr val="bg1">
-                      <a:lumMod val="50000"/>
-                    </a:schemeClr>
-                  </a:solidFill>
-                  <a:latin typeface="Candara" panose="020E0502030303020204" pitchFamily="34" charset="0"/>
-                </a:endParaRPr>
-              </a:p>
-              <a:p>
-                <a:pPr algn="r"/>
-                <a:r>
-                  <a:rPr lang="es-CO" sz="1100" dirty="0">
-                    <a:solidFill>
-                      <a:schemeClr val="bg1">
-                        <a:lumMod val="50000"/>
-                      </a:schemeClr>
-                    </a:solidFill>
-                    <a:latin typeface="Candara" panose="020E0502030303020204" pitchFamily="34" charset="0"/>
-                  </a:rPr>
-                  <a:t>A.K.</a:t>
-                </a:r>
-              </a:p>
-              <a:p>
-                <a:pPr algn="r"/>
-                <a:endParaRPr lang="es-CO" sz="1100" dirty="0">
-                  <a:solidFill>
-                    <a:schemeClr val="bg1">
-                      <a:lumMod val="50000"/>
-                    </a:schemeClr>
-                  </a:solidFill>
-                  <a:latin typeface="Candara" panose="020E0502030303020204" pitchFamily="34" charset="0"/>
-                </a:endParaRPr>
-              </a:p>
-              <a:p>
-                <a:pPr algn="r"/>
-                <a:r>
-                  <a:rPr lang="es-CO" sz="1100" dirty="0">
-                    <a:solidFill>
-                      <a:schemeClr val="bg1">
-                        <a:lumMod val="50000"/>
-                      </a:schemeClr>
-                    </a:solidFill>
-                    <a:latin typeface="Candara" panose="020E0502030303020204" pitchFamily="34" charset="0"/>
-                  </a:rPr>
-                  <a:t>B.K.</a:t>
-                </a:r>
-              </a:p>
-              <a:p>
-                <a:pPr algn="r"/>
-                <a:endParaRPr lang="es-CO" sz="1100" dirty="0">
-                  <a:solidFill>
-                    <a:schemeClr val="bg1">
-                      <a:lumMod val="50000"/>
-                    </a:schemeClr>
-                  </a:solidFill>
-                  <a:latin typeface="Candara" panose="020E0502030303020204" pitchFamily="34" charset="0"/>
-                </a:endParaRPr>
-              </a:p>
-              <a:p>
-                <a:pPr algn="r"/>
-                <a:r>
-                  <a:rPr lang="es-CO" sz="1100" dirty="0">
-                    <a:solidFill>
-                      <a:schemeClr val="bg1">
-                        <a:lumMod val="50000"/>
-                      </a:schemeClr>
-                    </a:solidFill>
-                    <a:latin typeface="Candara" panose="020E0502030303020204" pitchFamily="34" charset="0"/>
-                  </a:rPr>
-                  <a:t>B.K.</a:t>
-                </a:r>
-              </a:p>
-              <a:p>
-                <a:pPr algn="r"/>
-                <a:endParaRPr lang="es-CO" sz="1100" dirty="0">
-                  <a:solidFill>
-                    <a:schemeClr val="bg1">
-                      <a:lumMod val="50000"/>
-                    </a:schemeClr>
-                  </a:solidFill>
-                  <a:latin typeface="Candara" panose="020E0502030303020204" pitchFamily="34" charset="0"/>
-                </a:endParaRPr>
-              </a:p>
-              <a:p>
-                <a:pPr algn="r"/>
-                <a:r>
-                  <a:rPr lang="es-CO" sz="1100" dirty="0">
-                    <a:solidFill>
-                      <a:schemeClr val="bg1">
-                        <a:lumMod val="50000"/>
-                      </a:schemeClr>
-                    </a:solidFill>
-                    <a:latin typeface="Candara" panose="020E0502030303020204" pitchFamily="34" charset="0"/>
-                  </a:rPr>
-                  <a:t>B.K.</a:t>
-                </a:r>
-                <a:br>
-                  <a:rPr lang="es-CO" sz="1100" dirty="0">
-                    <a:solidFill>
-                      <a:schemeClr val="bg1">
-                        <a:lumMod val="50000"/>
-                      </a:schemeClr>
-                    </a:solidFill>
-                    <a:latin typeface="Candara" panose="020E0502030303020204" pitchFamily="34" charset="0"/>
-                  </a:rPr>
-                </a:br>
-                <a:endParaRPr lang="es-CO" sz="1100" dirty="0">
-                  <a:solidFill>
-                    <a:schemeClr val="bg1">
-                      <a:lumMod val="50000"/>
-                    </a:schemeClr>
-                  </a:solidFill>
-                  <a:latin typeface="Candara" panose="020E0502030303020204" pitchFamily="34" charset="0"/>
-                </a:endParaRPr>
-              </a:p>
-              <a:p>
-                <a:pPr algn="r"/>
-                <a:r>
-                  <a:rPr lang="es-CO" sz="1100" dirty="0">
-                    <a:solidFill>
-                      <a:schemeClr val="bg1">
-                        <a:lumMod val="50000"/>
-                      </a:schemeClr>
-                    </a:solidFill>
-                    <a:latin typeface="Candara" panose="020E0502030303020204" pitchFamily="34" charset="0"/>
-                  </a:rPr>
-                  <a:t>B.K.</a:t>
-                </a:r>
-              </a:p>
-              <a:p>
-                <a:pPr algn="r"/>
-                <a:endParaRPr lang="es-CO" sz="1100" dirty="0">
-                  <a:solidFill>
-                    <a:schemeClr val="bg1">
-                      <a:lumMod val="50000"/>
-                    </a:schemeClr>
-                  </a:solidFill>
-                  <a:latin typeface="Candara" panose="020E0502030303020204" pitchFamily="34" charset="0"/>
-                </a:endParaRPr>
-              </a:p>
-              <a:p>
-                <a:pPr algn="r"/>
-                <a:r>
-                  <a:rPr lang="es-CO" sz="1100" dirty="0">
-                    <a:solidFill>
-                      <a:schemeClr val="bg1">
-                        <a:lumMod val="50000"/>
-                      </a:schemeClr>
-                    </a:solidFill>
-                    <a:latin typeface="Candara" panose="020E0502030303020204" pitchFamily="34" charset="0"/>
-                  </a:rPr>
-                  <a:t>B.K.</a:t>
-                </a:r>
-              </a:p>
-              <a:p>
-                <a:pPr algn="r"/>
-                <a:endParaRPr lang="es-CO" sz="1100" dirty="0">
-                  <a:solidFill>
-                    <a:schemeClr val="bg1">
-                      <a:lumMod val="50000"/>
-                    </a:schemeClr>
-                  </a:solidFill>
-                  <a:latin typeface="Candara" panose="020E0502030303020204" pitchFamily="34" charset="0"/>
-                </a:endParaRPr>
-              </a:p>
-              <a:p>
-                <a:pPr algn="r"/>
-                <a:r>
-                  <a:rPr lang="es-CO" sz="1100" dirty="0">
-                    <a:solidFill>
-                      <a:schemeClr val="bg1">
-                        <a:lumMod val="50000"/>
-                      </a:schemeClr>
-                    </a:solidFill>
-                    <a:latin typeface="Candara" panose="020E0502030303020204" pitchFamily="34" charset="0"/>
-                  </a:rPr>
-                  <a:t>B.K.</a:t>
-                </a:r>
-              </a:p>
-              <a:p>
-                <a:pPr algn="r"/>
-                <a:endParaRPr lang="es-CO" sz="1100" dirty="0">
-                  <a:solidFill>
-                    <a:schemeClr val="bg1">
-                      <a:lumMod val="50000"/>
-                    </a:schemeClr>
-                  </a:solidFill>
-                  <a:latin typeface="Candara" panose="020E0502030303020204" pitchFamily="34" charset="0"/>
-                </a:endParaRPr>
-              </a:p>
-              <a:p>
-                <a:pPr algn="r"/>
-                <a:r>
-                  <a:rPr lang="es-CO" sz="1100" dirty="0">
-                    <a:solidFill>
-                      <a:schemeClr val="bg1">
-                        <a:lumMod val="50000"/>
-                      </a:schemeClr>
-                    </a:solidFill>
-                    <a:latin typeface="Candara" panose="020E0502030303020204" pitchFamily="34" charset="0"/>
-                  </a:rPr>
-                  <a:t>A.K.</a:t>
-                </a:r>
-              </a:p>
-              <a:p>
-                <a:pPr algn="r"/>
-                <a:endParaRPr lang="es-CO" sz="1100" dirty="0">
-                  <a:solidFill>
-                    <a:schemeClr val="bg1">
-                      <a:lumMod val="50000"/>
-                    </a:schemeClr>
-                  </a:solidFill>
-                  <a:latin typeface="Candara" panose="020E0502030303020204" pitchFamily="34" charset="0"/>
-                </a:endParaRPr>
-              </a:p>
-              <a:p>
-                <a:pPr algn="r"/>
-                <a:r>
-                  <a:rPr lang="es-CO" sz="1100" dirty="0">
-                    <a:solidFill>
-                      <a:schemeClr val="bg1">
-                        <a:lumMod val="50000"/>
-                      </a:schemeClr>
-                    </a:solidFill>
-                    <a:latin typeface="Candara" panose="020E0502030303020204" pitchFamily="34" charset="0"/>
-                  </a:rPr>
-                  <a:t>B.K.</a:t>
-                </a:r>
-              </a:p>
-              <a:p>
-                <a:pPr algn="r"/>
-                <a:endParaRPr lang="es-CO" sz="1100" dirty="0">
-                  <a:solidFill>
-                    <a:schemeClr val="bg1">
-                      <a:lumMod val="50000"/>
-                    </a:schemeClr>
-                  </a:solidFill>
-                  <a:latin typeface="Candara" panose="020E0502030303020204" pitchFamily="34" charset="0"/>
-                </a:endParaRPr>
-              </a:p>
-              <a:p>
-                <a:pPr algn="r"/>
-                <a:r>
-                  <a:rPr lang="es-CO" sz="1100" dirty="0">
-                    <a:solidFill>
-                      <a:schemeClr val="bg1">
-                        <a:lumMod val="50000"/>
-                      </a:schemeClr>
-                    </a:solidFill>
-                    <a:latin typeface="Candara" panose="020E0502030303020204" pitchFamily="34" charset="0"/>
-                  </a:rPr>
-                  <a:t>B.K.</a:t>
-                </a:r>
-              </a:p>
-              <a:p>
-                <a:pPr algn="r"/>
-                <a:endParaRPr lang="es-CO" sz="1100" dirty="0">
-                  <a:solidFill>
-                    <a:schemeClr val="bg1">
-                      <a:lumMod val="50000"/>
-                    </a:schemeClr>
-                  </a:solidFill>
-                  <a:latin typeface="Candara" panose="020E0502030303020204" pitchFamily="34" charset="0"/>
-                </a:endParaRPr>
-              </a:p>
-              <a:p>
-                <a:pPr algn="r"/>
-                <a:r>
-                  <a:rPr lang="es-CO" sz="1100" dirty="0">
-                    <a:solidFill>
-                      <a:schemeClr val="bg1">
-                        <a:lumMod val="50000"/>
-                      </a:schemeClr>
-                    </a:solidFill>
-                    <a:latin typeface="Candara" panose="020E0502030303020204" pitchFamily="34" charset="0"/>
-                  </a:rPr>
-                  <a:t>B.K.</a:t>
-                </a:r>
-              </a:p>
-              <a:p>
-                <a:pPr algn="r"/>
-                <a:endParaRPr lang="es-CO" sz="1100" dirty="0">
-                  <a:solidFill>
-                    <a:schemeClr val="bg1">
-                      <a:lumMod val="50000"/>
-                    </a:schemeClr>
-                  </a:solidFill>
-                  <a:latin typeface="Candara" panose="020E0502030303020204" pitchFamily="34" charset="0"/>
-                </a:endParaRPr>
-              </a:p>
-              <a:p>
-                <a:pPr algn="r"/>
-                <a:r>
-                  <a:rPr lang="es-CO" sz="1100" dirty="0">
-                    <a:solidFill>
-                      <a:schemeClr val="bg1">
-                        <a:lumMod val="50000"/>
-                      </a:schemeClr>
-                    </a:solidFill>
-                    <a:latin typeface="Candara" panose="020E0502030303020204" pitchFamily="34" charset="0"/>
-                  </a:rPr>
-                  <a:t>B.K.</a:t>
-                </a:r>
-              </a:p>
-              <a:p>
-                <a:pPr algn="r"/>
-                <a:endParaRPr lang="es-CO" sz="1100" dirty="0">
-                  <a:solidFill>
-                    <a:schemeClr val="bg1">
-                      <a:lumMod val="50000"/>
-                    </a:schemeClr>
-                  </a:solidFill>
-                  <a:latin typeface="Candara" panose="020E0502030303020204" pitchFamily="34" charset="0"/>
-                </a:endParaRPr>
-              </a:p>
-              <a:p>
-                <a:pPr algn="r"/>
-                <a:r>
-                  <a:rPr lang="es-CO" sz="1100" dirty="0">
-                    <a:solidFill>
-                      <a:schemeClr val="bg1">
-                        <a:lumMod val="50000"/>
-                      </a:schemeClr>
-                    </a:solidFill>
-                    <a:latin typeface="Candara" panose="020E0502030303020204" pitchFamily="34" charset="0"/>
-                  </a:rPr>
-                  <a:t>A.K.</a:t>
-                </a:r>
-              </a:p>
-              <a:p>
-                <a:pPr algn="r"/>
-                <a:endParaRPr lang="es-CO" sz="1100" dirty="0">
-                  <a:solidFill>
-                    <a:schemeClr val="bg1">
-                      <a:lumMod val="50000"/>
-                    </a:schemeClr>
-                  </a:solidFill>
-                  <a:latin typeface="Candara" panose="020E0502030303020204" pitchFamily="34" charset="0"/>
-                </a:endParaRPr>
-              </a:p>
-              <a:p>
-                <a:pPr algn="r"/>
-                <a:r>
-                  <a:rPr lang="es-CO" sz="1100" dirty="0">
-                    <a:solidFill>
-                      <a:schemeClr val="bg1">
-                        <a:lumMod val="50000"/>
-                      </a:schemeClr>
-                    </a:solidFill>
-                    <a:latin typeface="Candara" panose="020E0502030303020204" pitchFamily="34" charset="0"/>
-                  </a:rPr>
-                  <a:t>B.K.</a:t>
-                </a:r>
-              </a:p>
-              <a:p>
-                <a:pPr algn="r"/>
-                <a:endParaRPr lang="es-CO" sz="1100" dirty="0">
-                  <a:solidFill>
-                    <a:schemeClr val="bg1">
-                      <a:lumMod val="50000"/>
-                    </a:schemeClr>
-                  </a:solidFill>
-                  <a:latin typeface="Candara" panose="020E0502030303020204" pitchFamily="34" charset="0"/>
-                </a:endParaRPr>
-              </a:p>
-              <a:p>
-                <a:pPr algn="r"/>
-                <a:r>
-                  <a:rPr lang="es-CO" sz="1100" dirty="0">
-                    <a:solidFill>
-                      <a:schemeClr val="bg1">
-                        <a:lumMod val="50000"/>
-                      </a:schemeClr>
-                    </a:solidFill>
-                    <a:latin typeface="Candara" panose="020E0502030303020204" pitchFamily="34" charset="0"/>
-                  </a:rPr>
-                  <a:t>B.K.</a:t>
-                </a:r>
-              </a:p>
-              <a:p>
-                <a:pPr algn="r"/>
-                <a:endParaRPr lang="es-CO" sz="1100" dirty="0">
-                  <a:solidFill>
-                    <a:schemeClr val="bg1">
-                      <a:lumMod val="50000"/>
-                    </a:schemeClr>
-                  </a:solidFill>
-                  <a:latin typeface="Candara" panose="020E0502030303020204" pitchFamily="34" charset="0"/>
-                </a:endParaRPr>
-              </a:p>
-              <a:p>
-                <a:pPr algn="r"/>
-                <a:r>
-                  <a:rPr lang="es-CO" sz="1100" dirty="0">
-                    <a:solidFill>
-                      <a:schemeClr val="bg1">
-                        <a:lumMod val="50000"/>
-                      </a:schemeClr>
-                    </a:solidFill>
-                    <a:latin typeface="Candara" panose="020E0502030303020204" pitchFamily="34" charset="0"/>
-                  </a:rPr>
-                  <a:t>A.K.</a:t>
-                </a:r>
-              </a:p>
-              <a:p>
-                <a:pPr algn="r"/>
-                <a:endParaRPr lang="es-CO" sz="1100" dirty="0">
-                  <a:solidFill>
-                    <a:schemeClr val="bg1">
-                      <a:lumMod val="50000"/>
-                    </a:schemeClr>
-                  </a:solidFill>
-                  <a:latin typeface="Candara" panose="020E0502030303020204" pitchFamily="34" charset="0"/>
-                </a:endParaRPr>
-              </a:p>
-              <a:p>
-                <a:pPr algn="r"/>
-                <a:r>
-                  <a:rPr lang="es-CO" sz="1100" dirty="0">
-                    <a:solidFill>
-                      <a:schemeClr val="bg1">
-                        <a:lumMod val="50000"/>
-                      </a:schemeClr>
-                    </a:solidFill>
-                    <a:latin typeface="Candara" panose="020E0502030303020204" pitchFamily="34" charset="0"/>
-                  </a:rPr>
-                  <a:t>A.K.</a:t>
-                </a:r>
-              </a:p>
-              <a:p>
-                <a:pPr algn="r"/>
-                <a:endParaRPr lang="es-CO" sz="1100" dirty="0">
-                  <a:solidFill>
-                    <a:schemeClr val="bg1">
-                      <a:lumMod val="50000"/>
-                    </a:schemeClr>
-                  </a:solidFill>
-                  <a:latin typeface="Candara" panose="020E0502030303020204" pitchFamily="34" charset="0"/>
-                </a:endParaRPr>
-              </a:p>
-              <a:p>
-                <a:pPr algn="r"/>
-                <a:r>
-                  <a:rPr lang="es-CO" sz="1100" dirty="0">
-                    <a:solidFill>
-                      <a:schemeClr val="bg1">
-                        <a:lumMod val="50000"/>
-                      </a:schemeClr>
-                    </a:solidFill>
-                    <a:latin typeface="Candara" panose="020E0502030303020204" pitchFamily="34" charset="0"/>
-                  </a:rPr>
-                  <a:t>A.K.</a:t>
-                </a:r>
-                <a:endParaRPr lang="es-CO" sz="1100" dirty="0">
-                  <a:latin typeface="Candara" panose="020E0502030303020204" pitchFamily="34" charset="0"/>
-                </a:endParaRPr>
-              </a:p>
-            </p:txBody>
-          </p:sp>
-        </p:grpSp>
-        <p:cxnSp>
-          <p:nvCxnSpPr>
-            <p:cNvPr id="44" name="Straight Connector 79">
-              <a:extLst>
-                <a:ext uri="{FF2B5EF4-FFF2-40B4-BE49-F238E27FC236}">
-                  <a16:creationId xmlns:a16="http://schemas.microsoft.com/office/drawing/2014/main" id="{AA15A1E4-AAA4-6E43-8D6F-D8A4943FF564}"/>
-                </a:ext>
-              </a:extLst>
-            </p:cNvPr>
-            <p:cNvCxnSpPr/>
-            <p:nvPr/>
-          </p:nvCxnSpPr>
-          <p:spPr>
-            <a:xfrm flipV="1">
-              <a:off x="3627138" y="1322523"/>
-              <a:ext cx="1561576" cy="1"/>
-            </a:xfrm>
-            <a:prstGeom prst="line">
-              <a:avLst/>
-            </a:prstGeom>
-            <a:ln w="38100">
-              <a:solidFill>
-                <a:schemeClr val="bg1">
-                  <a:lumMod val="50000"/>
-                </a:schemeClr>
-              </a:solidFill>
-            </a:ln>
-          </p:spPr>
-          <p:style>
-            <a:lnRef idx="1">
-              <a:schemeClr val="accent1"/>
-            </a:lnRef>
-            <a:fillRef idx="0">
-              <a:schemeClr val="accent1"/>
-            </a:fillRef>
-            <a:effectRef idx="0">
-              <a:schemeClr val="accent1"/>
-            </a:effectRef>
-            <a:fontRef idx="minor">
-              <a:schemeClr val="tx1"/>
-            </a:fontRef>
-          </p:style>
-        </p:cxnSp>
-        <p:cxnSp>
-          <p:nvCxnSpPr>
-            <p:cNvPr id="45" name="Straight Connector 79">
-              <a:extLst>
-                <a:ext uri="{FF2B5EF4-FFF2-40B4-BE49-F238E27FC236}">
-                  <a16:creationId xmlns:a16="http://schemas.microsoft.com/office/drawing/2014/main" id="{F9D9ED45-8B36-DC42-B4D5-2F1985BB5D6E}"/>
-                </a:ext>
-              </a:extLst>
-            </p:cNvPr>
-            <p:cNvCxnSpPr/>
-            <p:nvPr/>
-          </p:nvCxnSpPr>
-          <p:spPr>
-            <a:xfrm flipV="1">
-              <a:off x="3627138" y="1671266"/>
-              <a:ext cx="1561576" cy="1"/>
-            </a:xfrm>
-            <a:prstGeom prst="line">
-              <a:avLst/>
-            </a:prstGeom>
-            <a:ln w="38100">
-              <a:solidFill>
-                <a:schemeClr val="bg1">
-                  <a:lumMod val="50000"/>
-                </a:schemeClr>
-              </a:solidFill>
-            </a:ln>
-          </p:spPr>
-          <p:style>
-            <a:lnRef idx="1">
-              <a:schemeClr val="accent1"/>
-            </a:lnRef>
-            <a:fillRef idx="0">
-              <a:schemeClr val="accent1"/>
-            </a:fillRef>
-            <a:effectRef idx="0">
-              <a:schemeClr val="accent1"/>
-            </a:effectRef>
-            <a:fontRef idx="minor">
-              <a:schemeClr val="tx1"/>
-            </a:fontRef>
-          </p:style>
-        </p:cxnSp>
-        <p:cxnSp>
-          <p:nvCxnSpPr>
-            <p:cNvPr id="46" name="Straight Connector 79">
-              <a:extLst>
-                <a:ext uri="{FF2B5EF4-FFF2-40B4-BE49-F238E27FC236}">
-                  <a16:creationId xmlns:a16="http://schemas.microsoft.com/office/drawing/2014/main" id="{8335F19E-C25C-A643-B7E0-0930B5836411}"/>
-                </a:ext>
-              </a:extLst>
-            </p:cNvPr>
-            <p:cNvCxnSpPr/>
-            <p:nvPr/>
-          </p:nvCxnSpPr>
-          <p:spPr>
-            <a:xfrm flipV="1">
-              <a:off x="3627138" y="2656384"/>
-              <a:ext cx="1561576" cy="1"/>
-            </a:xfrm>
-            <a:prstGeom prst="line">
-              <a:avLst/>
-            </a:prstGeom>
-            <a:ln w="38100">
-              <a:solidFill>
-                <a:schemeClr val="bg1">
-                  <a:lumMod val="50000"/>
-                </a:schemeClr>
-              </a:solidFill>
-            </a:ln>
-          </p:spPr>
-          <p:style>
-            <a:lnRef idx="1">
-              <a:schemeClr val="accent1"/>
-            </a:lnRef>
-            <a:fillRef idx="0">
-              <a:schemeClr val="accent1"/>
-            </a:fillRef>
-            <a:effectRef idx="0">
-              <a:schemeClr val="accent1"/>
-            </a:effectRef>
-            <a:fontRef idx="minor">
-              <a:schemeClr val="tx1"/>
-            </a:fontRef>
-          </p:style>
-        </p:cxnSp>
-        <p:cxnSp>
-          <p:nvCxnSpPr>
-            <p:cNvPr id="47" name="Straight Connector 79">
-              <a:extLst>
-                <a:ext uri="{FF2B5EF4-FFF2-40B4-BE49-F238E27FC236}">
-                  <a16:creationId xmlns:a16="http://schemas.microsoft.com/office/drawing/2014/main" id="{80A2AC40-CCDA-734A-A886-D378EA81F253}"/>
-                </a:ext>
-              </a:extLst>
-            </p:cNvPr>
-            <p:cNvCxnSpPr/>
-            <p:nvPr/>
-          </p:nvCxnSpPr>
-          <p:spPr>
-            <a:xfrm flipV="1">
-              <a:off x="3627138" y="5002295"/>
-              <a:ext cx="1561576" cy="1"/>
-            </a:xfrm>
-            <a:prstGeom prst="line">
-              <a:avLst/>
-            </a:prstGeom>
-            <a:ln w="38100">
-              <a:solidFill>
-                <a:schemeClr val="bg1">
-                  <a:lumMod val="50000"/>
-                </a:schemeClr>
-              </a:solidFill>
-            </a:ln>
-          </p:spPr>
-          <p:style>
-            <a:lnRef idx="1">
-              <a:schemeClr val="accent1"/>
-            </a:lnRef>
-            <a:fillRef idx="0">
-              <a:schemeClr val="accent1"/>
-            </a:fillRef>
-            <a:effectRef idx="0">
-              <a:schemeClr val="accent1"/>
-            </a:effectRef>
-            <a:fontRef idx="minor">
-              <a:schemeClr val="tx1"/>
-            </a:fontRef>
-          </p:style>
-        </p:cxnSp>
-        <p:cxnSp>
-          <p:nvCxnSpPr>
-            <p:cNvPr id="49" name="Straight Connector 79">
-              <a:extLst>
-                <a:ext uri="{FF2B5EF4-FFF2-40B4-BE49-F238E27FC236}">
-                  <a16:creationId xmlns:a16="http://schemas.microsoft.com/office/drawing/2014/main" id="{FA622657-CF55-9A4A-B82E-59A67B98E60E}"/>
-                </a:ext>
-              </a:extLst>
-            </p:cNvPr>
-            <p:cNvCxnSpPr/>
-            <p:nvPr/>
-          </p:nvCxnSpPr>
-          <p:spPr>
-            <a:xfrm flipV="1">
-              <a:off x="3627138" y="6685691"/>
-              <a:ext cx="1561576" cy="1"/>
-            </a:xfrm>
-            <a:prstGeom prst="line">
-              <a:avLst/>
-            </a:prstGeom>
-            <a:ln w="38100">
-              <a:solidFill>
-                <a:schemeClr val="bg1">
-                  <a:lumMod val="50000"/>
-                </a:schemeClr>
-              </a:solidFill>
-            </a:ln>
-          </p:spPr>
-          <p:style>
-            <a:lnRef idx="1">
-              <a:schemeClr val="accent1"/>
-            </a:lnRef>
-            <a:fillRef idx="0">
-              <a:schemeClr val="accent1"/>
-            </a:fillRef>
-            <a:effectRef idx="0">
-              <a:schemeClr val="accent1"/>
-            </a:effectRef>
-            <a:fontRef idx="minor">
-              <a:schemeClr val="tx1"/>
-            </a:fontRef>
-          </p:style>
-        </p:cxnSp>
-        <p:cxnSp>
-          <p:nvCxnSpPr>
-            <p:cNvPr id="82" name="Straight Connector 79">
-              <a:extLst>
-                <a:ext uri="{FF2B5EF4-FFF2-40B4-BE49-F238E27FC236}">
-                  <a16:creationId xmlns:a16="http://schemas.microsoft.com/office/drawing/2014/main" id="{DE23E094-5324-5348-8C94-83DE5A4ECF46}"/>
-                </a:ext>
-              </a:extLst>
-            </p:cNvPr>
-            <p:cNvCxnSpPr/>
-            <p:nvPr/>
-          </p:nvCxnSpPr>
-          <p:spPr>
-            <a:xfrm flipV="1">
-              <a:off x="3627138" y="7697972"/>
-              <a:ext cx="1561576" cy="1"/>
-            </a:xfrm>
-            <a:prstGeom prst="line">
-              <a:avLst/>
-            </a:prstGeom>
-            <a:ln w="38100">
-              <a:solidFill>
-                <a:schemeClr val="bg1">
-                  <a:lumMod val="50000"/>
-                </a:schemeClr>
-              </a:solidFill>
-            </a:ln>
-          </p:spPr>
-          <p:style>
-            <a:lnRef idx="1">
-              <a:schemeClr val="accent1"/>
-            </a:lnRef>
-            <a:fillRef idx="0">
-              <a:schemeClr val="accent1"/>
-            </a:fillRef>
-            <a:effectRef idx="0">
-              <a:schemeClr val="accent1"/>
-            </a:effectRef>
-            <a:fontRef idx="minor">
-              <a:schemeClr val="tx1"/>
-            </a:fontRef>
-          </p:style>
-        </p:cxnSp>
-        <p:cxnSp>
-          <p:nvCxnSpPr>
-            <p:cNvPr id="83" name="Straight Connector 79">
-              <a:extLst>
-                <a:ext uri="{FF2B5EF4-FFF2-40B4-BE49-F238E27FC236}">
-                  <a16:creationId xmlns:a16="http://schemas.microsoft.com/office/drawing/2014/main" id="{5C7E628A-F7A1-6A44-8950-7F960F55B952}"/>
-                </a:ext>
-              </a:extLst>
-            </p:cNvPr>
-            <p:cNvCxnSpPr/>
-            <p:nvPr/>
-          </p:nvCxnSpPr>
-          <p:spPr>
-            <a:xfrm flipV="1">
-              <a:off x="3627138" y="8369086"/>
-              <a:ext cx="1561576" cy="1"/>
-            </a:xfrm>
-            <a:prstGeom prst="line">
-              <a:avLst/>
-            </a:prstGeom>
-            <a:ln w="38100">
-              <a:solidFill>
-                <a:schemeClr val="bg1">
-                  <a:lumMod val="50000"/>
-                </a:schemeClr>
-              </a:solidFill>
-            </a:ln>
-          </p:spPr>
-          <p:style>
-            <a:lnRef idx="1">
-              <a:schemeClr val="accent1"/>
-            </a:lnRef>
-            <a:fillRef idx="0">
-              <a:schemeClr val="accent1"/>
-            </a:fillRef>
-            <a:effectRef idx="0">
-              <a:schemeClr val="accent1"/>
-            </a:effectRef>
-            <a:fontRef idx="minor">
-              <a:schemeClr val="tx1"/>
-            </a:fontRef>
-          </p:style>
-        </p:cxnSp>
-        <p:cxnSp>
-          <p:nvCxnSpPr>
-            <p:cNvPr id="84" name="Straight Connector 79">
-              <a:extLst>
-                <a:ext uri="{FF2B5EF4-FFF2-40B4-BE49-F238E27FC236}">
-                  <a16:creationId xmlns:a16="http://schemas.microsoft.com/office/drawing/2014/main" id="{9266C706-9DF7-864F-8872-66B2FC442BB9}"/>
-                </a:ext>
-              </a:extLst>
-            </p:cNvPr>
-            <p:cNvCxnSpPr>
-              <a:cxnSpLocks/>
-            </p:cNvCxnSpPr>
-            <p:nvPr/>
-          </p:nvCxnSpPr>
-          <p:spPr>
-            <a:xfrm flipV="1">
-              <a:off x="3627138" y="8032053"/>
-              <a:ext cx="1681122" cy="1"/>
-            </a:xfrm>
-            <a:prstGeom prst="line">
-              <a:avLst/>
-            </a:prstGeom>
-            <a:ln w="38100">
-              <a:solidFill>
-                <a:schemeClr val="bg1">
-                  <a:lumMod val="50000"/>
-                </a:schemeClr>
-              </a:solidFill>
-            </a:ln>
-          </p:spPr>
-          <p:style>
-            <a:lnRef idx="1">
-              <a:schemeClr val="accent1"/>
-            </a:lnRef>
-            <a:fillRef idx="0">
-              <a:schemeClr val="accent1"/>
-            </a:fillRef>
-            <a:effectRef idx="0">
-              <a:schemeClr val="accent1"/>
-            </a:effectRef>
-            <a:fontRef idx="minor">
-              <a:schemeClr val="tx1"/>
-            </a:fontRef>
-          </p:style>
-        </p:cxnSp>
-        <p:cxnSp>
-          <p:nvCxnSpPr>
-            <p:cNvPr id="85" name="Straight Connector 82">
-              <a:extLst>
-                <a:ext uri="{FF2B5EF4-FFF2-40B4-BE49-F238E27FC236}">
-                  <a16:creationId xmlns:a16="http://schemas.microsoft.com/office/drawing/2014/main" id="{61E63156-AA57-D54A-9218-BA6DD68201FA}"/>
-                </a:ext>
-              </a:extLst>
-            </p:cNvPr>
-            <p:cNvCxnSpPr/>
-            <p:nvPr/>
-          </p:nvCxnSpPr>
-          <p:spPr>
-            <a:xfrm>
-              <a:off x="3631549" y="1997760"/>
-              <a:ext cx="1025521" cy="3447"/>
-            </a:xfrm>
-            <a:prstGeom prst="line">
-              <a:avLst/>
-            </a:prstGeom>
-            <a:ln w="38100">
-              <a:solidFill>
-                <a:schemeClr val="bg1">
-                  <a:lumMod val="50000"/>
-                </a:schemeClr>
-              </a:solidFill>
-            </a:ln>
-          </p:spPr>
-          <p:style>
-            <a:lnRef idx="1">
-              <a:schemeClr val="accent1"/>
-            </a:lnRef>
-            <a:fillRef idx="0">
-              <a:schemeClr val="accent1"/>
-            </a:fillRef>
-            <a:effectRef idx="0">
-              <a:schemeClr val="accent1"/>
-            </a:effectRef>
-            <a:fontRef idx="minor">
-              <a:schemeClr val="tx1"/>
-            </a:fontRef>
-          </p:style>
-        </p:cxnSp>
-        <p:cxnSp>
-          <p:nvCxnSpPr>
-            <p:cNvPr id="86" name="Straight Connector 82">
-              <a:extLst>
-                <a:ext uri="{FF2B5EF4-FFF2-40B4-BE49-F238E27FC236}">
-                  <a16:creationId xmlns:a16="http://schemas.microsoft.com/office/drawing/2014/main" id="{26AFA01F-DCA1-AA45-B6BA-9CD93EC80F4C}"/>
-                </a:ext>
-              </a:extLst>
-            </p:cNvPr>
-            <p:cNvCxnSpPr/>
-            <p:nvPr/>
-          </p:nvCxnSpPr>
-          <p:spPr>
-            <a:xfrm>
-              <a:off x="3623030" y="2326108"/>
-              <a:ext cx="1025521" cy="3447"/>
-            </a:xfrm>
-            <a:prstGeom prst="line">
-              <a:avLst/>
-            </a:prstGeom>
-            <a:ln w="38100">
-              <a:solidFill>
-                <a:schemeClr val="bg1">
-                  <a:lumMod val="50000"/>
-                </a:schemeClr>
-              </a:solidFill>
-            </a:ln>
-          </p:spPr>
-          <p:style>
-            <a:lnRef idx="1">
-              <a:schemeClr val="accent1"/>
-            </a:lnRef>
-            <a:fillRef idx="0">
-              <a:schemeClr val="accent1"/>
-            </a:fillRef>
-            <a:effectRef idx="0">
-              <a:schemeClr val="accent1"/>
-            </a:effectRef>
-            <a:fontRef idx="minor">
-              <a:schemeClr val="tx1"/>
-            </a:fontRef>
-          </p:style>
-        </p:cxnSp>
-        <p:cxnSp>
-          <p:nvCxnSpPr>
-            <p:cNvPr id="87" name="Straight Connector 82">
-              <a:extLst>
-                <a:ext uri="{FF2B5EF4-FFF2-40B4-BE49-F238E27FC236}">
-                  <a16:creationId xmlns:a16="http://schemas.microsoft.com/office/drawing/2014/main" id="{43BF7DFB-2287-D547-8FDE-E50B34BC90E4}"/>
-                </a:ext>
-              </a:extLst>
-            </p:cNvPr>
-            <p:cNvCxnSpPr>
-              <a:cxnSpLocks/>
-            </p:cNvCxnSpPr>
-            <p:nvPr/>
-          </p:nvCxnSpPr>
-          <p:spPr>
-            <a:xfrm>
-              <a:off x="3623030" y="3001344"/>
-              <a:ext cx="1374806" cy="0"/>
-            </a:xfrm>
-            <a:prstGeom prst="line">
-              <a:avLst/>
-            </a:prstGeom>
-            <a:ln w="38100">
-              <a:solidFill>
-                <a:schemeClr val="bg1">
-                  <a:lumMod val="50000"/>
-                </a:schemeClr>
-              </a:solidFill>
-            </a:ln>
-          </p:spPr>
-          <p:style>
-            <a:lnRef idx="1">
-              <a:schemeClr val="accent1"/>
-            </a:lnRef>
-            <a:fillRef idx="0">
-              <a:schemeClr val="accent1"/>
-            </a:fillRef>
-            <a:effectRef idx="0">
-              <a:schemeClr val="accent1"/>
-            </a:effectRef>
-            <a:fontRef idx="minor">
-              <a:schemeClr val="tx1"/>
-            </a:fontRef>
-          </p:style>
-        </p:cxnSp>
-        <p:cxnSp>
-          <p:nvCxnSpPr>
-            <p:cNvPr id="88" name="Straight Connector 82">
-              <a:extLst>
-                <a:ext uri="{FF2B5EF4-FFF2-40B4-BE49-F238E27FC236}">
-                  <a16:creationId xmlns:a16="http://schemas.microsoft.com/office/drawing/2014/main" id="{CDC0CABB-8BF4-8046-A083-CC5478872B52}"/>
-                </a:ext>
-              </a:extLst>
-            </p:cNvPr>
-            <p:cNvCxnSpPr/>
-            <p:nvPr/>
-          </p:nvCxnSpPr>
-          <p:spPr>
-            <a:xfrm>
-              <a:off x="3631549" y="3328173"/>
-              <a:ext cx="1025521" cy="3447"/>
-            </a:xfrm>
-            <a:prstGeom prst="line">
-              <a:avLst/>
-            </a:prstGeom>
-            <a:ln w="38100">
-              <a:solidFill>
-                <a:schemeClr val="bg1">
-                  <a:lumMod val="50000"/>
-                </a:schemeClr>
-              </a:solidFill>
-            </a:ln>
-          </p:spPr>
-          <p:style>
-            <a:lnRef idx="1">
-              <a:schemeClr val="accent1"/>
-            </a:lnRef>
-            <a:fillRef idx="0">
-              <a:schemeClr val="accent1"/>
-            </a:fillRef>
-            <a:effectRef idx="0">
-              <a:schemeClr val="accent1"/>
-            </a:effectRef>
-            <a:fontRef idx="minor">
-              <a:schemeClr val="tx1"/>
-            </a:fontRef>
-          </p:style>
-        </p:cxnSp>
-        <p:cxnSp>
-          <p:nvCxnSpPr>
-            <p:cNvPr id="89" name="Straight Connector 82">
-              <a:extLst>
-                <a:ext uri="{FF2B5EF4-FFF2-40B4-BE49-F238E27FC236}">
-                  <a16:creationId xmlns:a16="http://schemas.microsoft.com/office/drawing/2014/main" id="{12AB4147-EC52-9F47-9AE2-37610EE9298A}"/>
-                </a:ext>
-              </a:extLst>
-            </p:cNvPr>
-            <p:cNvCxnSpPr/>
-            <p:nvPr/>
-          </p:nvCxnSpPr>
-          <p:spPr>
-            <a:xfrm>
-              <a:off x="3623030" y="3655003"/>
-              <a:ext cx="1025521" cy="3447"/>
-            </a:xfrm>
-            <a:prstGeom prst="line">
-              <a:avLst/>
-            </a:prstGeom>
-            <a:ln w="38100">
-              <a:solidFill>
-                <a:schemeClr val="bg1">
-                  <a:lumMod val="50000"/>
-                </a:schemeClr>
-              </a:solidFill>
-            </a:ln>
-          </p:spPr>
-          <p:style>
-            <a:lnRef idx="1">
-              <a:schemeClr val="accent1"/>
-            </a:lnRef>
-            <a:fillRef idx="0">
-              <a:schemeClr val="accent1"/>
-            </a:fillRef>
-            <a:effectRef idx="0">
-              <a:schemeClr val="accent1"/>
-            </a:effectRef>
-            <a:fontRef idx="minor">
-              <a:schemeClr val="tx1"/>
-            </a:fontRef>
-          </p:style>
-        </p:cxnSp>
-        <p:cxnSp>
-          <p:nvCxnSpPr>
-            <p:cNvPr id="90" name="Straight Connector 82">
-              <a:extLst>
-                <a:ext uri="{FF2B5EF4-FFF2-40B4-BE49-F238E27FC236}">
-                  <a16:creationId xmlns:a16="http://schemas.microsoft.com/office/drawing/2014/main" id="{45A71A93-CB3B-1D4C-BC7D-BCFC97834E7F}"/>
-                </a:ext>
-              </a:extLst>
-            </p:cNvPr>
-            <p:cNvCxnSpPr/>
-            <p:nvPr/>
-          </p:nvCxnSpPr>
-          <p:spPr>
-            <a:xfrm>
-              <a:off x="3631549" y="4000516"/>
-              <a:ext cx="1025521" cy="3447"/>
-            </a:xfrm>
-            <a:prstGeom prst="line">
-              <a:avLst/>
-            </a:prstGeom>
-            <a:ln w="38100">
-              <a:solidFill>
-                <a:schemeClr val="bg1">
-                  <a:lumMod val="50000"/>
-                </a:schemeClr>
-              </a:solidFill>
-            </a:ln>
-          </p:spPr>
-          <p:style>
-            <a:lnRef idx="1">
-              <a:schemeClr val="accent1"/>
-            </a:lnRef>
-            <a:fillRef idx="0">
-              <a:schemeClr val="accent1"/>
-            </a:fillRef>
-            <a:effectRef idx="0">
-              <a:schemeClr val="accent1"/>
-            </a:effectRef>
-            <a:fontRef idx="minor">
-              <a:schemeClr val="tx1"/>
-            </a:fontRef>
-          </p:style>
-        </p:cxnSp>
-        <p:cxnSp>
-          <p:nvCxnSpPr>
-            <p:cNvPr id="91" name="Straight Connector 82">
-              <a:extLst>
-                <a:ext uri="{FF2B5EF4-FFF2-40B4-BE49-F238E27FC236}">
-                  <a16:creationId xmlns:a16="http://schemas.microsoft.com/office/drawing/2014/main" id="{71071314-75CC-E846-8BCC-04094673BF1D}"/>
-                </a:ext>
-              </a:extLst>
-            </p:cNvPr>
-            <p:cNvCxnSpPr>
-              <a:cxnSpLocks/>
-            </p:cNvCxnSpPr>
-            <p:nvPr/>
-          </p:nvCxnSpPr>
-          <p:spPr>
-            <a:xfrm>
-              <a:off x="3631549" y="4339329"/>
-              <a:ext cx="1285109" cy="0"/>
-            </a:xfrm>
-            <a:prstGeom prst="line">
-              <a:avLst/>
-            </a:prstGeom>
-            <a:ln w="38100">
-              <a:solidFill>
-                <a:schemeClr val="bg1">
-                  <a:lumMod val="50000"/>
-                </a:schemeClr>
-              </a:solidFill>
-            </a:ln>
-          </p:spPr>
-          <p:style>
-            <a:lnRef idx="1">
-              <a:schemeClr val="accent1"/>
-            </a:lnRef>
-            <a:fillRef idx="0">
-              <a:schemeClr val="accent1"/>
-            </a:fillRef>
-            <a:effectRef idx="0">
-              <a:schemeClr val="accent1"/>
-            </a:effectRef>
-            <a:fontRef idx="minor">
-              <a:schemeClr val="tx1"/>
-            </a:fontRef>
-          </p:style>
-        </p:cxnSp>
-        <p:cxnSp>
-          <p:nvCxnSpPr>
-            <p:cNvPr id="92" name="Straight Connector 82">
-              <a:extLst>
-                <a:ext uri="{FF2B5EF4-FFF2-40B4-BE49-F238E27FC236}">
-                  <a16:creationId xmlns:a16="http://schemas.microsoft.com/office/drawing/2014/main" id="{31F3B8D1-9669-524F-AFB0-12226C139808}"/>
-                </a:ext>
-              </a:extLst>
-            </p:cNvPr>
-            <p:cNvCxnSpPr/>
-            <p:nvPr/>
-          </p:nvCxnSpPr>
-          <p:spPr>
-            <a:xfrm>
-              <a:off x="3637092" y="4679702"/>
-              <a:ext cx="1025521" cy="3447"/>
-            </a:xfrm>
-            <a:prstGeom prst="line">
-              <a:avLst/>
-            </a:prstGeom>
-            <a:ln w="38100">
-              <a:solidFill>
-                <a:schemeClr val="bg1">
-                  <a:lumMod val="50000"/>
-                </a:schemeClr>
-              </a:solidFill>
-            </a:ln>
-          </p:spPr>
-          <p:style>
-            <a:lnRef idx="1">
-              <a:schemeClr val="accent1"/>
-            </a:lnRef>
-            <a:fillRef idx="0">
-              <a:schemeClr val="accent1"/>
-            </a:fillRef>
-            <a:effectRef idx="0">
-              <a:schemeClr val="accent1"/>
-            </a:effectRef>
-            <a:fontRef idx="minor">
-              <a:schemeClr val="tx1"/>
-            </a:fontRef>
-          </p:style>
-        </p:cxnSp>
-        <p:cxnSp>
-          <p:nvCxnSpPr>
-            <p:cNvPr id="93" name="Straight Connector 82">
-              <a:extLst>
-                <a:ext uri="{FF2B5EF4-FFF2-40B4-BE49-F238E27FC236}">
-                  <a16:creationId xmlns:a16="http://schemas.microsoft.com/office/drawing/2014/main" id="{766DBEB9-FD54-9249-B970-C75077E31368}"/>
-                </a:ext>
-              </a:extLst>
-            </p:cNvPr>
-            <p:cNvCxnSpPr/>
-            <p:nvPr/>
-          </p:nvCxnSpPr>
-          <p:spPr>
-            <a:xfrm>
-              <a:off x="3631549" y="5346114"/>
-              <a:ext cx="1025521" cy="3447"/>
-            </a:xfrm>
-            <a:prstGeom prst="line">
-              <a:avLst/>
-            </a:prstGeom>
-            <a:ln w="38100">
-              <a:solidFill>
-                <a:schemeClr val="bg1">
-                  <a:lumMod val="50000"/>
-                </a:schemeClr>
-              </a:solidFill>
-            </a:ln>
-          </p:spPr>
-          <p:style>
-            <a:lnRef idx="1">
-              <a:schemeClr val="accent1"/>
-            </a:lnRef>
-            <a:fillRef idx="0">
-              <a:schemeClr val="accent1"/>
-            </a:fillRef>
-            <a:effectRef idx="0">
-              <a:schemeClr val="accent1"/>
-            </a:effectRef>
-            <a:fontRef idx="minor">
-              <a:schemeClr val="tx1"/>
-            </a:fontRef>
-          </p:style>
-        </p:cxnSp>
-        <p:cxnSp>
-          <p:nvCxnSpPr>
-            <p:cNvPr id="94" name="Straight Connector 82">
-              <a:extLst>
-                <a:ext uri="{FF2B5EF4-FFF2-40B4-BE49-F238E27FC236}">
-                  <a16:creationId xmlns:a16="http://schemas.microsoft.com/office/drawing/2014/main" id="{21A28A9D-64B0-0C4A-A3DC-26636015E5BF}"/>
-                </a:ext>
-              </a:extLst>
-            </p:cNvPr>
-            <p:cNvCxnSpPr/>
-            <p:nvPr/>
-          </p:nvCxnSpPr>
-          <p:spPr>
-            <a:xfrm>
-              <a:off x="3635858" y="5681481"/>
-              <a:ext cx="1025521" cy="3447"/>
-            </a:xfrm>
-            <a:prstGeom prst="line">
-              <a:avLst/>
-            </a:prstGeom>
-            <a:ln w="38100">
-              <a:solidFill>
-                <a:schemeClr val="bg1">
-                  <a:lumMod val="50000"/>
-                </a:schemeClr>
-              </a:solidFill>
-            </a:ln>
-          </p:spPr>
-          <p:style>
-            <a:lnRef idx="1">
-              <a:schemeClr val="accent1"/>
-            </a:lnRef>
-            <a:fillRef idx="0">
-              <a:schemeClr val="accent1"/>
-            </a:fillRef>
-            <a:effectRef idx="0">
-              <a:schemeClr val="accent1"/>
-            </a:effectRef>
-            <a:fontRef idx="minor">
-              <a:schemeClr val="tx1"/>
-            </a:fontRef>
-          </p:style>
-        </p:cxnSp>
-        <p:cxnSp>
-          <p:nvCxnSpPr>
-            <p:cNvPr id="95" name="Straight Connector 82">
-              <a:extLst>
-                <a:ext uri="{FF2B5EF4-FFF2-40B4-BE49-F238E27FC236}">
-                  <a16:creationId xmlns:a16="http://schemas.microsoft.com/office/drawing/2014/main" id="{0B2756D3-87E7-4544-9CB1-6485A5350D00}"/>
-                </a:ext>
-              </a:extLst>
-            </p:cNvPr>
-            <p:cNvCxnSpPr>
-              <a:cxnSpLocks/>
-            </p:cNvCxnSpPr>
-            <p:nvPr/>
-          </p:nvCxnSpPr>
-          <p:spPr>
-            <a:xfrm>
-              <a:off x="3623030" y="6011630"/>
-              <a:ext cx="1285109" cy="0"/>
-            </a:xfrm>
-            <a:prstGeom prst="line">
-              <a:avLst/>
-            </a:prstGeom>
-            <a:ln w="38100">
-              <a:solidFill>
-                <a:schemeClr val="bg1">
-                  <a:lumMod val="50000"/>
-                </a:schemeClr>
-              </a:solidFill>
-            </a:ln>
-          </p:spPr>
-          <p:style>
-            <a:lnRef idx="1">
-              <a:schemeClr val="accent1"/>
-            </a:lnRef>
-            <a:fillRef idx="0">
-              <a:schemeClr val="accent1"/>
-            </a:fillRef>
-            <a:effectRef idx="0">
-              <a:schemeClr val="accent1"/>
-            </a:effectRef>
-            <a:fontRef idx="minor">
-              <a:schemeClr val="tx1"/>
-            </a:fontRef>
-          </p:style>
-        </p:cxnSp>
-        <p:cxnSp>
-          <p:nvCxnSpPr>
-            <p:cNvPr id="96" name="Straight Connector 82">
-              <a:extLst>
-                <a:ext uri="{FF2B5EF4-FFF2-40B4-BE49-F238E27FC236}">
-                  <a16:creationId xmlns:a16="http://schemas.microsoft.com/office/drawing/2014/main" id="{DB0C7BFF-A89B-F44F-81AC-FA6361D2004D}"/>
-                </a:ext>
-              </a:extLst>
-            </p:cNvPr>
-            <p:cNvCxnSpPr/>
-            <p:nvPr/>
-          </p:nvCxnSpPr>
-          <p:spPr>
-            <a:xfrm>
-              <a:off x="3631549" y="6353725"/>
-              <a:ext cx="1025521" cy="3447"/>
-            </a:xfrm>
-            <a:prstGeom prst="line">
-              <a:avLst/>
-            </a:prstGeom>
-            <a:ln w="38100">
-              <a:solidFill>
-                <a:schemeClr val="bg1">
-                  <a:lumMod val="50000"/>
-                </a:schemeClr>
-              </a:solidFill>
-            </a:ln>
-          </p:spPr>
-          <p:style>
-            <a:lnRef idx="1">
-              <a:schemeClr val="accent1"/>
-            </a:lnRef>
-            <a:fillRef idx="0">
-              <a:schemeClr val="accent1"/>
-            </a:fillRef>
-            <a:effectRef idx="0">
-              <a:schemeClr val="accent1"/>
-            </a:effectRef>
-            <a:fontRef idx="minor">
-              <a:schemeClr val="tx1"/>
-            </a:fontRef>
-          </p:style>
-        </p:cxnSp>
-        <p:cxnSp>
-          <p:nvCxnSpPr>
-            <p:cNvPr id="97" name="Straight Connector 82">
-              <a:extLst>
-                <a:ext uri="{FF2B5EF4-FFF2-40B4-BE49-F238E27FC236}">
-                  <a16:creationId xmlns:a16="http://schemas.microsoft.com/office/drawing/2014/main" id="{B43672A5-C90D-0542-8F16-6330A988B676}"/>
-                </a:ext>
-              </a:extLst>
-            </p:cNvPr>
-            <p:cNvCxnSpPr/>
-            <p:nvPr/>
-          </p:nvCxnSpPr>
-          <p:spPr>
-            <a:xfrm>
-              <a:off x="3632673" y="7027335"/>
-              <a:ext cx="1025521" cy="3447"/>
-            </a:xfrm>
-            <a:prstGeom prst="line">
-              <a:avLst/>
-            </a:prstGeom>
-            <a:ln w="38100">
-              <a:solidFill>
-                <a:schemeClr val="bg1">
-                  <a:lumMod val="50000"/>
-                </a:schemeClr>
-              </a:solidFill>
-            </a:ln>
-          </p:spPr>
-          <p:style>
-            <a:lnRef idx="1">
-              <a:schemeClr val="accent1"/>
-            </a:lnRef>
-            <a:fillRef idx="0">
-              <a:schemeClr val="accent1"/>
-            </a:fillRef>
-            <a:effectRef idx="0">
-              <a:schemeClr val="accent1"/>
-            </a:effectRef>
-            <a:fontRef idx="minor">
-              <a:schemeClr val="tx1"/>
-            </a:fontRef>
-          </p:style>
-        </p:cxnSp>
-        <p:cxnSp>
-          <p:nvCxnSpPr>
-            <p:cNvPr id="98" name="Straight Connector 82">
-              <a:extLst>
-                <a:ext uri="{FF2B5EF4-FFF2-40B4-BE49-F238E27FC236}">
-                  <a16:creationId xmlns:a16="http://schemas.microsoft.com/office/drawing/2014/main" id="{02073580-366B-0448-A61E-1D66235C38F0}"/>
-                </a:ext>
-              </a:extLst>
-            </p:cNvPr>
-            <p:cNvCxnSpPr/>
-            <p:nvPr/>
-          </p:nvCxnSpPr>
-          <p:spPr>
-            <a:xfrm>
-              <a:off x="3631549" y="7350986"/>
-              <a:ext cx="1025521" cy="3447"/>
-            </a:xfrm>
-            <a:prstGeom prst="line">
-              <a:avLst/>
-            </a:prstGeom>
-            <a:ln w="38100">
-              <a:solidFill>
-                <a:schemeClr val="bg1">
-                  <a:lumMod val="50000"/>
-                </a:schemeClr>
-              </a:solidFill>
-            </a:ln>
-          </p:spPr>
-          <p:style>
-            <a:lnRef idx="1">
-              <a:schemeClr val="accent1"/>
-            </a:lnRef>
-            <a:fillRef idx="0">
-              <a:schemeClr val="accent1"/>
-            </a:fillRef>
-            <a:effectRef idx="0">
-              <a:schemeClr val="accent1"/>
-            </a:effectRef>
-            <a:fontRef idx="minor">
-              <a:schemeClr val="tx1"/>
-            </a:fontRef>
-          </p:style>
-        </p:cxnSp>
-      </p:grpSp>
     </p:spTree>
     <p:extLst>
       <p:ext uri="{BB962C8B-B14F-4D97-AF65-F5344CB8AC3E}">

--- a/docs/CV_SV_2020_V1.pptx
+++ b/docs/CV_SV_2020_V1.pptx
@@ -559,7 +559,6 @@
           </c:dPt>
           <c:dLbls>
             <c:delete val="1"/>
-            <c:extLst/>
           </c:dLbls>
           <c:cat>
             <c:strRef>
@@ -603,7 +602,7 @@
           <c:showSerName val="0"/>
           <c:showPercent val="1"/>
           <c:showBubbleSize val="0"/>
-          <c:showLeaderLines val="0"/>
+          <c:showLeaderLines val="1"/>
         </c:dLbls>
         <c:firstSliceAng val="0"/>
         <c:holeSize val="50"/>
@@ -2833,7 +2832,7 @@
           <a:p>
             <a:fld id="{863FE3A7-EC10-4CB9-8B62-C9C4255F3532}" type="datetimeFigureOut">
               <a:rPr lang="es-CO" smtClean="0"/>
-              <a:t>17/07/2020</a:t>
+              <a:t>13/08/2020</a:t>
             </a:fld>
             <a:endParaRPr lang="es-CO"/>
           </a:p>
@@ -3031,7 +3030,7 @@
           <a:p>
             <a:fld id="{863FE3A7-EC10-4CB9-8B62-C9C4255F3532}" type="datetimeFigureOut">
               <a:rPr lang="es-CO" smtClean="0"/>
-              <a:t>17/07/2020</a:t>
+              <a:t>13/08/2020</a:t>
             </a:fld>
             <a:endParaRPr lang="es-CO"/>
           </a:p>
@@ -3239,7 +3238,7 @@
           <a:p>
             <a:fld id="{863FE3A7-EC10-4CB9-8B62-C9C4255F3532}" type="datetimeFigureOut">
               <a:rPr lang="es-CO" smtClean="0"/>
-              <a:t>17/07/2020</a:t>
+              <a:t>13/08/2020</a:t>
             </a:fld>
             <a:endParaRPr lang="es-CO"/>
           </a:p>
@@ -3437,7 +3436,7 @@
           <a:p>
             <a:fld id="{863FE3A7-EC10-4CB9-8B62-C9C4255F3532}" type="datetimeFigureOut">
               <a:rPr lang="es-CO" smtClean="0"/>
-              <a:t>17/07/2020</a:t>
+              <a:t>13/08/2020</a:t>
             </a:fld>
             <a:endParaRPr lang="es-CO"/>
           </a:p>
@@ -3712,7 +3711,7 @@
           <a:p>
             <a:fld id="{863FE3A7-EC10-4CB9-8B62-C9C4255F3532}" type="datetimeFigureOut">
               <a:rPr lang="es-CO" smtClean="0"/>
-              <a:t>17/07/2020</a:t>
+              <a:t>13/08/2020</a:t>
             </a:fld>
             <a:endParaRPr lang="es-CO"/>
           </a:p>
@@ -3977,7 +3976,7 @@
           <a:p>
             <a:fld id="{863FE3A7-EC10-4CB9-8B62-C9C4255F3532}" type="datetimeFigureOut">
               <a:rPr lang="es-CO" smtClean="0"/>
-              <a:t>17/07/2020</a:t>
+              <a:t>13/08/2020</a:t>
             </a:fld>
             <a:endParaRPr lang="es-CO"/>
           </a:p>
@@ -4389,7 +4388,7 @@
           <a:p>
             <a:fld id="{863FE3A7-EC10-4CB9-8B62-C9C4255F3532}" type="datetimeFigureOut">
               <a:rPr lang="es-CO" smtClean="0"/>
-              <a:t>17/07/2020</a:t>
+              <a:t>13/08/2020</a:t>
             </a:fld>
             <a:endParaRPr lang="es-CO"/>
           </a:p>
@@ -4530,7 +4529,7 @@
           <a:p>
             <a:fld id="{863FE3A7-EC10-4CB9-8B62-C9C4255F3532}" type="datetimeFigureOut">
               <a:rPr lang="es-CO" smtClean="0"/>
-              <a:t>17/07/2020</a:t>
+              <a:t>13/08/2020</a:t>
             </a:fld>
             <a:endParaRPr lang="es-CO"/>
           </a:p>
@@ -4643,7 +4642,7 @@
           <a:p>
             <a:fld id="{863FE3A7-EC10-4CB9-8B62-C9C4255F3532}" type="datetimeFigureOut">
               <a:rPr lang="es-CO" smtClean="0"/>
-              <a:t>17/07/2020</a:t>
+              <a:t>13/08/2020</a:t>
             </a:fld>
             <a:endParaRPr lang="es-CO"/>
           </a:p>
@@ -4954,7 +4953,7 @@
           <a:p>
             <a:fld id="{863FE3A7-EC10-4CB9-8B62-C9C4255F3532}" type="datetimeFigureOut">
               <a:rPr lang="es-CO" smtClean="0"/>
-              <a:t>17/07/2020</a:t>
+              <a:t>13/08/2020</a:t>
             </a:fld>
             <a:endParaRPr lang="es-CO"/>
           </a:p>
@@ -5242,7 +5241,7 @@
           <a:p>
             <a:fld id="{863FE3A7-EC10-4CB9-8B62-C9C4255F3532}" type="datetimeFigureOut">
               <a:rPr lang="es-CO" smtClean="0"/>
-              <a:t>17/07/2020</a:t>
+              <a:t>13/08/2020</a:t>
             </a:fld>
             <a:endParaRPr lang="es-CO"/>
           </a:p>
@@ -5483,7 +5482,7 @@
           <a:p>
             <a:fld id="{863FE3A7-EC10-4CB9-8B62-C9C4255F3532}" type="datetimeFigureOut">
               <a:rPr lang="es-CO" smtClean="0"/>
-              <a:t>17/07/2020</a:t>
+              <a:t>13/08/2020</a:t>
             </a:fld>
             <a:endParaRPr lang="es-CO"/>
           </a:p>
@@ -6306,9 +6305,9 @@
         <p:grpSpPr>
           <a:xfrm>
             <a:off x="349651" y="1795506"/>
-            <a:ext cx="3631627" cy="2849355"/>
+            <a:ext cx="3631627" cy="3034021"/>
             <a:chOff x="2408697" y="1820117"/>
-            <a:chExt cx="3685986" cy="2849355"/>
+            <a:chExt cx="3685986" cy="3034021"/>
           </a:xfrm>
         </p:grpSpPr>
         <p:sp>
@@ -6320,7 +6319,7 @@
           <p:spPr>
             <a:xfrm>
               <a:off x="2408697" y="2176482"/>
-              <a:ext cx="3685986" cy="2492990"/>
+              <a:ext cx="3685986" cy="2677656"/>
             </a:xfrm>
             <a:prstGeom prst="rect">
               <a:avLst/>
@@ -6338,7 +6337,7 @@
                 <a:rPr lang="en-US" sz="1200" dirty="0">
                   <a:latin typeface="Candara" panose="020E0502030303020204" pitchFamily="34" charset="0"/>
                 </a:rPr>
-                <a:t>Ph.D. candidate at the University of California – Davis working in the Tahoe Environmental Research Center (TERC). Presently working on investigating nearshore physical processes and water quality by applying 3D numerical modeling to understand upwelling dynamics, river transport fate, and river inflow stability in medium-size to large lakes.  Previous experience in hydrologic and hydraulic modeling of small lakes and wetlands, and project control and alignment to high standards management protocols.  In search of constant academic and professional growth while working in team, entrepreneur, and fast learning and adaptability skills. </a:t>
+                <a:t>Ph.D. candidate at the University of California – Davis working in the Tahoe Environmental Research Center (TERC). Presently working on investigating nearshore physical processes and water quality by applying 3D numerical modeling and large datasets from in-situ observations to understand upwelling dynamics, river transport fate, and river inflow stability in medium-size to large lakes.  Previous experience in hydrologic and hydraulic modeling of small lakes and wetlands, and project control and alignment to high standards management protocols.  In search of constant academic and professional growth while working in team. Entrepreneur, and fast learning and adaptability skills. </a:t>
               </a:r>
             </a:p>
           </p:txBody>
@@ -9843,617 +9842,6 @@
           <a:chExt cx="0" cy="0"/>
         </a:xfrm>
       </p:grpSpPr>
-      <p:sp>
-        <p:nvSpPr>
-          <p:cNvPr id="4" name="CuadroTexto 51">
-            <a:extLst>
-              <a:ext uri="{FF2B5EF4-FFF2-40B4-BE49-F238E27FC236}">
-                <a16:creationId xmlns:a16="http://schemas.microsoft.com/office/drawing/2014/main" id="{3B38614C-7401-864A-9DBD-FF731DABF932}"/>
-              </a:ext>
-            </a:extLst>
-          </p:cNvPr>
-          <p:cNvSpPr txBox="1"/>
-          <p:nvPr/>
-        </p:nvSpPr>
-        <p:spPr>
-          <a:xfrm>
-            <a:off x="7658592" y="3608515"/>
-            <a:ext cx="2157397" cy="307777"/>
-          </a:xfrm>
-          <a:prstGeom prst="rect">
-            <a:avLst/>
-          </a:prstGeom>
-          <a:noFill/>
-        </p:spPr>
-        <p:txBody>
-          <a:bodyPr wrap="square" rtlCol="0">
-            <a:spAutoFit/>
-          </a:bodyPr>
-          <a:lstStyle/>
-          <a:p>
-            <a:r>
-              <a:rPr lang="es-CO" sz="1400" dirty="0">
-                <a:solidFill>
-                  <a:schemeClr val="tx1">
-                    <a:lumMod val="75000"/>
-                    <a:lumOff val="25000"/>
-                  </a:schemeClr>
-                </a:solidFill>
-                <a:effectLst>
-                  <a:outerShdw blurRad="38100" dist="38100" dir="2700000" algn="tl">
-                    <a:srgbClr val="000000">
-                      <a:alpha val="43137"/>
-                    </a:srgbClr>
-                  </a:outerShdw>
-                </a:effectLst>
-                <a:latin typeface="Candara" panose="020E0502030303020204" pitchFamily="34" charset="0"/>
-              </a:rPr>
-              <a:t>WORK EXPERIENCE</a:t>
-            </a:r>
-          </a:p>
-        </p:txBody>
-      </p:sp>
-      <p:grpSp>
-        <p:nvGrpSpPr>
-          <p:cNvPr id="5" name="Group 46">
-            <a:extLst>
-              <a:ext uri="{FF2B5EF4-FFF2-40B4-BE49-F238E27FC236}">
-                <a16:creationId xmlns:a16="http://schemas.microsoft.com/office/drawing/2014/main" id="{3DB31613-F44A-5645-97FC-475C0C7D0E7E}"/>
-              </a:ext>
-            </a:extLst>
-          </p:cNvPr>
-          <p:cNvGrpSpPr/>
-          <p:nvPr/>
-        </p:nvGrpSpPr>
-        <p:grpSpPr>
-          <a:xfrm>
-            <a:off x="7112492" y="3916292"/>
-            <a:ext cx="6069615" cy="5034758"/>
-            <a:chOff x="-4681881" y="929548"/>
-            <a:chExt cx="3534476" cy="8113790"/>
-          </a:xfrm>
-        </p:grpSpPr>
-        <p:sp>
-          <p:nvSpPr>
-            <p:cNvPr id="6" name="CuadroTexto 84">
-              <a:extLst>
-                <a:ext uri="{FF2B5EF4-FFF2-40B4-BE49-F238E27FC236}">
-                  <a16:creationId xmlns:a16="http://schemas.microsoft.com/office/drawing/2014/main" id="{C0C498A2-738D-1647-9D61-20A893902277}"/>
-                </a:ext>
-              </a:extLst>
-            </p:cNvPr>
-            <p:cNvSpPr txBox="1"/>
-            <p:nvPr/>
-          </p:nvSpPr>
-          <p:spPr>
-            <a:xfrm>
-              <a:off x="-4681877" y="929548"/>
-              <a:ext cx="3534472" cy="2492990"/>
-            </a:xfrm>
-            <a:prstGeom prst="rect">
-              <a:avLst/>
-            </a:prstGeom>
-            <a:noFill/>
-          </p:spPr>
-          <p:txBody>
-            <a:bodyPr wrap="square" rtlCol="0">
-              <a:spAutoFit/>
-            </a:bodyPr>
-            <a:lstStyle/>
-            <a:p>
-              <a:pPr algn="just"/>
-              <a:r>
-                <a:rPr lang="es-ES" sz="1200" dirty="0">
-                  <a:effectLst>
-                    <a:outerShdw blurRad="38100" dist="38100" dir="2700000" algn="tl">
-                      <a:srgbClr val="000000">
-                        <a:alpha val="43137"/>
-                      </a:srgbClr>
-                    </a:outerShdw>
-                  </a:effectLst>
-                  <a:latin typeface="Candara" panose="020E0502030303020204" pitchFamily="34" charset="0"/>
-                </a:rPr>
-                <a:t>Junior </a:t>
-              </a:r>
-              <a:r>
-                <a:rPr lang="es-ES" sz="1200" dirty="0" err="1">
-                  <a:effectLst>
-                    <a:outerShdw blurRad="38100" dist="38100" dir="2700000" algn="tl">
-                      <a:srgbClr val="000000">
-                        <a:alpha val="43137"/>
-                      </a:srgbClr>
-                    </a:outerShdw>
-                  </a:effectLst>
-                  <a:latin typeface="Candara" panose="020E0502030303020204" pitchFamily="34" charset="0"/>
-                </a:rPr>
-                <a:t>Consultant</a:t>
-              </a:r>
-              <a:endParaRPr lang="es-ES" sz="1200" dirty="0">
-                <a:effectLst>
-                  <a:outerShdw blurRad="38100" dist="38100" dir="2700000" algn="tl">
-                    <a:srgbClr val="000000">
-                      <a:alpha val="43137"/>
-                    </a:srgbClr>
-                  </a:outerShdw>
-                </a:effectLst>
-                <a:latin typeface="Candara" panose="020E0502030303020204" pitchFamily="34" charset="0"/>
-              </a:endParaRPr>
-            </a:p>
-            <a:p>
-              <a:pPr algn="just"/>
-              <a:r>
-                <a:rPr lang="en-US" sz="1200" dirty="0">
-                  <a:latin typeface="Candara" panose="020E0502030303020204" pitchFamily="34" charset="0"/>
-                </a:rPr>
-                <a:t>Deloitte </a:t>
-              </a:r>
-              <a:r>
-                <a:rPr lang="en-US" sz="1200" dirty="0" err="1">
-                  <a:latin typeface="Candara" panose="020E0502030303020204" pitchFamily="34" charset="0"/>
-                </a:rPr>
-                <a:t>Asesores</a:t>
-              </a:r>
-              <a:r>
-                <a:rPr lang="en-US" sz="1200" dirty="0">
-                  <a:latin typeface="Candara" panose="020E0502030303020204" pitchFamily="34" charset="0"/>
-                </a:rPr>
-                <a:t> y </a:t>
-              </a:r>
-              <a:r>
-                <a:rPr lang="en-US" sz="1200" dirty="0" err="1">
-                  <a:latin typeface="Candara" panose="020E0502030303020204" pitchFamily="34" charset="0"/>
-                </a:rPr>
-                <a:t>Consultores</a:t>
-              </a:r>
-              <a:r>
-                <a:rPr lang="en-US" sz="1200" dirty="0">
-                  <a:latin typeface="Candara" panose="020E0502030303020204" pitchFamily="34" charset="0"/>
-                </a:rPr>
-                <a:t> Ltda. / Bogotá D.C / 2018 - 2019</a:t>
-              </a:r>
-            </a:p>
-            <a:p>
-              <a:pPr algn="just"/>
-              <a:r>
-                <a:rPr lang="en-US" sz="1200" dirty="0">
-                  <a:latin typeface="Candara" panose="020E0502030303020204" pitchFamily="34" charset="0"/>
-                </a:rPr>
-                <a:t>Functions: Audit and consulting providing technical support in advising different companies in the implementation of actuarial techniques to measure different contingent liabilities. In addition, provide the support in the figure of Responsible Actuary for Insurance Companies.</a:t>
-              </a:r>
-            </a:p>
-            <a:p>
-              <a:pPr algn="r"/>
-              <a:r>
-                <a:rPr lang="es-CO" sz="1200" dirty="0">
-                  <a:effectLst>
-                    <a:outerShdw blurRad="38100" dist="38100" dir="2700000" algn="tl">
-                      <a:srgbClr val="000000">
-                        <a:alpha val="43137"/>
-                      </a:srgbClr>
-                    </a:outerShdw>
-                  </a:effectLst>
-                  <a:latin typeface="Candara" panose="020E0502030303020204" pitchFamily="34" charset="0"/>
-                </a:rPr>
-                <a:t>Ref:</a:t>
-              </a:r>
-              <a:r>
-                <a:rPr lang="es-CO" sz="1200" dirty="0">
-                  <a:latin typeface="Candara" panose="020E0502030303020204" pitchFamily="34" charset="0"/>
-                </a:rPr>
-                <a:t> Carlina Ramirez, Manager Actuarial &amp; Advanced Analytics</a:t>
-              </a:r>
-              <a:br>
-                <a:rPr lang="es-CO" sz="1200" dirty="0">
-                  <a:latin typeface="Candara" panose="020E0502030303020204" pitchFamily="34" charset="0"/>
-                </a:rPr>
-              </a:br>
-              <a:r>
-                <a:rPr lang="es-CO" sz="1200" dirty="0">
-                  <a:latin typeface="Candara" panose="020E0502030303020204" pitchFamily="34" charset="0"/>
-                </a:rPr>
-                <a:t>	                      TEL: 426 2020</a:t>
-              </a:r>
-            </a:p>
-            <a:p>
-              <a:pPr algn="just"/>
-              <a:endParaRPr lang="es-CO" sz="1200" dirty="0">
-                <a:latin typeface="Candara" panose="020E0502030303020204" pitchFamily="34" charset="0"/>
-              </a:endParaRPr>
-            </a:p>
-          </p:txBody>
-        </p:sp>
-        <p:sp>
-          <p:nvSpPr>
-            <p:cNvPr id="7" name="CuadroTexto 84">
-              <a:extLst>
-                <a:ext uri="{FF2B5EF4-FFF2-40B4-BE49-F238E27FC236}">
-                  <a16:creationId xmlns:a16="http://schemas.microsoft.com/office/drawing/2014/main" id="{1DC32A32-EFDC-1C42-88E7-E33CC0C52E08}"/>
-                </a:ext>
-              </a:extLst>
-            </p:cNvPr>
-            <p:cNvSpPr txBox="1"/>
-            <p:nvPr/>
-          </p:nvSpPr>
-          <p:spPr>
-            <a:xfrm>
-              <a:off x="-4681878" y="3552320"/>
-              <a:ext cx="3534472" cy="2862322"/>
-            </a:xfrm>
-            <a:prstGeom prst="rect">
-              <a:avLst/>
-            </a:prstGeom>
-            <a:noFill/>
-          </p:spPr>
-          <p:txBody>
-            <a:bodyPr wrap="square" rtlCol="0">
-              <a:spAutoFit/>
-            </a:bodyPr>
-            <a:lstStyle/>
-            <a:p>
-              <a:pPr algn="just"/>
-              <a:r>
-                <a:rPr lang="es-CO" sz="1200" dirty="0">
-                  <a:effectLst>
-                    <a:outerShdw blurRad="38100" dist="38100" dir="2700000" algn="tl">
-                      <a:srgbClr val="000000">
-                        <a:alpha val="43137"/>
-                      </a:srgbClr>
-                    </a:outerShdw>
-                  </a:effectLst>
-                  <a:latin typeface="Candara" panose="020E0502030303020204" pitchFamily="34" charset="0"/>
-                </a:rPr>
-                <a:t>QAQC Professional</a:t>
-              </a:r>
-            </a:p>
-            <a:p>
-              <a:pPr algn="just"/>
-              <a:r>
-                <a:rPr lang="en-US" sz="1200" dirty="0">
-                  <a:latin typeface="Candara" panose="020E0502030303020204" pitchFamily="34" charset="0"/>
-                </a:rPr>
-                <a:t>Construction Company </a:t>
-              </a:r>
-              <a:r>
-                <a:rPr lang="en-US" sz="1200" dirty="0" err="1">
-                  <a:latin typeface="Candara" panose="020E0502030303020204" pitchFamily="34" charset="0"/>
-                </a:rPr>
-                <a:t>ConConcreto</a:t>
-              </a:r>
-              <a:r>
-                <a:rPr lang="en-US" sz="1200" dirty="0">
-                  <a:latin typeface="Candara" panose="020E0502030303020204" pitchFamily="34" charset="0"/>
-                </a:rPr>
-                <a:t> / Bogotá D.C. / 2017-2018</a:t>
-              </a:r>
-            </a:p>
-            <a:p>
-              <a:pPr algn="just"/>
-              <a:r>
-                <a:rPr lang="en-US" sz="1200" dirty="0">
-                  <a:latin typeface="Candara" panose="020E0502030303020204" pitchFamily="34" charset="0"/>
-                </a:rPr>
-                <a:t>Functions: professional support in the direction and supervision of the quality management system, supporting the project in execution, verification of legal compliances and high-quality standards, documentary control of the IQS, creation and implementation of strategies for the transmission of good construction practices and update of applicable normative.</a:t>
-              </a:r>
-            </a:p>
-            <a:p>
-              <a:pPr algn="r"/>
-              <a:r>
-                <a:rPr lang="en-US" sz="1200" dirty="0">
-                  <a:effectLst>
-                    <a:outerShdw blurRad="38100" dist="38100" dir="2700000" algn="tl">
-                      <a:srgbClr val="000000">
-                        <a:alpha val="43137"/>
-                      </a:srgbClr>
-                    </a:outerShdw>
-                  </a:effectLst>
-                  <a:latin typeface="Candara" panose="020E0502030303020204" pitchFamily="34" charset="0"/>
-                </a:rPr>
-                <a:t>Ref:</a:t>
-              </a:r>
-              <a:r>
-                <a:rPr lang="en-US" sz="1200" dirty="0">
-                  <a:latin typeface="Candara" panose="020E0502030303020204" pitchFamily="34" charset="0"/>
-                </a:rPr>
-                <a:t> </a:t>
-              </a:r>
-              <a:r>
-                <a:rPr lang="en-US" sz="1200" dirty="0" err="1">
-                  <a:latin typeface="Candara" panose="020E0502030303020204" pitchFamily="34" charset="0"/>
-                </a:rPr>
-                <a:t>Loly</a:t>
-              </a:r>
-              <a:r>
-                <a:rPr lang="en-US" sz="1200" dirty="0">
-                  <a:latin typeface="Candara" panose="020E0502030303020204" pitchFamily="34" charset="0"/>
-                </a:rPr>
-                <a:t> Rodriguez, National Director of </a:t>
-              </a:r>
-              <a:r>
-                <a:rPr lang="en-US" sz="1200" dirty="0" err="1">
-                  <a:latin typeface="Candara" panose="020E0502030303020204" pitchFamily="34" charset="0"/>
-                </a:rPr>
-                <a:t>Quiality</a:t>
-              </a:r>
-              <a:r>
-                <a:rPr lang="en-US" sz="1200" dirty="0">
-                  <a:latin typeface="Candara" panose="020E0502030303020204" pitchFamily="34" charset="0"/>
-                </a:rPr>
-                <a:t> System</a:t>
-              </a:r>
-            </a:p>
-            <a:p>
-              <a:pPr algn="r"/>
-              <a:r>
-                <a:rPr lang="en-US" sz="1200" dirty="0">
-                  <a:latin typeface="Candara" panose="020E0502030303020204" pitchFamily="34" charset="0"/>
-                </a:rPr>
-                <a:t>TEL: 314 814 0610</a:t>
-              </a:r>
-            </a:p>
-            <a:p>
-              <a:pPr algn="just"/>
-              <a:endParaRPr lang="es-CO" sz="1200" dirty="0">
-                <a:latin typeface="Candara" panose="020E0502030303020204" pitchFamily="34" charset="0"/>
-              </a:endParaRPr>
-            </a:p>
-          </p:txBody>
-        </p:sp>
-        <p:sp>
-          <p:nvSpPr>
-            <p:cNvPr id="8" name="CuadroTexto 84">
-              <a:extLst>
-                <a:ext uri="{FF2B5EF4-FFF2-40B4-BE49-F238E27FC236}">
-                  <a16:creationId xmlns:a16="http://schemas.microsoft.com/office/drawing/2014/main" id="{D71DDEEB-74F1-3948-A53B-6AAA562F1A51}"/>
-                </a:ext>
-              </a:extLst>
-            </p:cNvPr>
-            <p:cNvSpPr txBox="1"/>
-            <p:nvPr/>
-          </p:nvSpPr>
-          <p:spPr>
-            <a:xfrm>
-              <a:off x="-4681881" y="6550348"/>
-              <a:ext cx="3534472" cy="2492990"/>
-            </a:xfrm>
-            <a:prstGeom prst="rect">
-              <a:avLst/>
-            </a:prstGeom>
-            <a:noFill/>
-          </p:spPr>
-          <p:txBody>
-            <a:bodyPr wrap="square" rtlCol="0">
-              <a:spAutoFit/>
-            </a:bodyPr>
-            <a:lstStyle/>
-            <a:p>
-              <a:pPr algn="just"/>
-              <a:r>
-                <a:rPr lang="en-US" sz="1200" dirty="0">
-                  <a:effectLst>
-                    <a:outerShdw blurRad="38100" dist="38100" dir="2700000" algn="tl">
-                      <a:srgbClr val="000000">
-                        <a:alpha val="43137"/>
-                      </a:srgbClr>
-                    </a:outerShdw>
-                  </a:effectLst>
-                  <a:latin typeface="Candara" panose="020E0502030303020204" pitchFamily="34" charset="0"/>
-                </a:rPr>
-                <a:t>Engineering Assistant</a:t>
-              </a:r>
-            </a:p>
-            <a:p>
-              <a:pPr algn="just"/>
-              <a:r>
-                <a:rPr lang="en-US" sz="1200" dirty="0">
-                  <a:latin typeface="Candara" panose="020E0502030303020204" pitchFamily="34" charset="0"/>
-                </a:rPr>
-                <a:t>Construction Company </a:t>
-              </a:r>
-              <a:r>
-                <a:rPr lang="en-US" sz="1200" dirty="0" err="1">
-                  <a:latin typeface="Candara" panose="020E0502030303020204" pitchFamily="34" charset="0"/>
-                </a:rPr>
-                <a:t>ConConcreto</a:t>
-              </a:r>
-              <a:r>
-                <a:rPr lang="en-US" sz="1200" dirty="0">
-                  <a:latin typeface="Candara" panose="020E0502030303020204" pitchFamily="34" charset="0"/>
-                </a:rPr>
-                <a:t> / Bogotá D.C. / 2016-2017</a:t>
-              </a:r>
-            </a:p>
-            <a:p>
-              <a:pPr algn="just"/>
-              <a:r>
-                <a:rPr lang="en-US" sz="1200" dirty="0">
-                  <a:latin typeface="Candara" panose="020E0502030303020204" pitchFamily="34" charset="0"/>
-                </a:rPr>
-                <a:t>Functions: professional support in the construction plan monitoring strategy, generation of unit analysis, budget structuring, preparation of reports, progress and traceability of work advance. In addition allocation of resources and quality control, documentation and monitoring of the process according to quality management system.</a:t>
-              </a:r>
-              <a:endParaRPr lang="en-US" sz="1200" dirty="0">
-                <a:effectLst>
-                  <a:outerShdw blurRad="38100" dist="38100" dir="2700000" algn="tl">
-                    <a:srgbClr val="000000">
-                      <a:alpha val="43137"/>
-                    </a:srgbClr>
-                  </a:outerShdw>
-                </a:effectLst>
-                <a:latin typeface="Candara" panose="020E0502030303020204" pitchFamily="34" charset="0"/>
-              </a:endParaRPr>
-            </a:p>
-            <a:p>
-              <a:pPr algn="r"/>
-              <a:r>
-                <a:rPr lang="en-US" sz="1200" dirty="0">
-                  <a:effectLst>
-                    <a:outerShdw blurRad="38100" dist="38100" dir="2700000" algn="tl">
-                      <a:srgbClr val="000000">
-                        <a:alpha val="43137"/>
-                      </a:srgbClr>
-                    </a:outerShdw>
-                  </a:effectLst>
-                  <a:latin typeface="Candara" panose="020E0502030303020204" pitchFamily="34" charset="0"/>
-                </a:rPr>
-                <a:t>Ref:</a:t>
-              </a:r>
-              <a:r>
-                <a:rPr lang="en-US" sz="1200" dirty="0">
-                  <a:latin typeface="Candara" panose="020E0502030303020204" pitchFamily="34" charset="0"/>
-                </a:rPr>
-                <a:t> </a:t>
-              </a:r>
-              <a:r>
-                <a:rPr lang="en-US" sz="1200" dirty="0" err="1">
-                  <a:latin typeface="Candara" panose="020E0502030303020204" pitchFamily="34" charset="0"/>
-                </a:rPr>
-                <a:t>Ing</a:t>
-              </a:r>
-              <a:r>
-                <a:rPr lang="en-US" sz="1200" dirty="0">
-                  <a:latin typeface="Candara" panose="020E0502030303020204" pitchFamily="34" charset="0"/>
-                </a:rPr>
-                <a:t>. Juan Villalobos, Technical Office Director TEL: 314 814 0610</a:t>
-              </a:r>
-            </a:p>
-            <a:p>
-              <a:pPr algn="just"/>
-              <a:endParaRPr lang="es-CO" sz="1200" dirty="0">
-                <a:latin typeface="Candara" panose="020E0502030303020204" pitchFamily="34" charset="0"/>
-              </a:endParaRPr>
-            </a:p>
-          </p:txBody>
-        </p:sp>
-      </p:grpSp>
-      <p:grpSp>
-        <p:nvGrpSpPr>
-          <p:cNvPr id="57" name="Group 56">
-            <a:extLst>
-              <a:ext uri="{FF2B5EF4-FFF2-40B4-BE49-F238E27FC236}">
-                <a16:creationId xmlns:a16="http://schemas.microsoft.com/office/drawing/2014/main" id="{1F4C3CE9-A0C9-4941-A433-54B73DC0FB3E}"/>
-              </a:ext>
-            </a:extLst>
-          </p:cNvPr>
-          <p:cNvGrpSpPr/>
-          <p:nvPr/>
-        </p:nvGrpSpPr>
-        <p:grpSpPr>
-          <a:xfrm>
-            <a:off x="394192" y="3514700"/>
-            <a:ext cx="6069608" cy="1002696"/>
-            <a:chOff x="2408697" y="1820117"/>
-            <a:chExt cx="3685986" cy="1002696"/>
-          </a:xfrm>
-        </p:grpSpPr>
-        <p:sp>
-          <p:nvSpPr>
-            <p:cNvPr id="58" name="CuadroTexto 6">
-              <a:extLst>
-                <a:ext uri="{FF2B5EF4-FFF2-40B4-BE49-F238E27FC236}">
-                  <a16:creationId xmlns:a16="http://schemas.microsoft.com/office/drawing/2014/main" id="{ED8F2E42-C57B-4A10-A54C-92BD65B5F187}"/>
-                </a:ext>
-              </a:extLst>
-            </p:cNvPr>
-            <p:cNvSpPr txBox="1"/>
-            <p:nvPr/>
-          </p:nvSpPr>
-          <p:spPr>
-            <a:xfrm>
-              <a:off x="2408697" y="2176482"/>
-              <a:ext cx="3685986" cy="646331"/>
-            </a:xfrm>
-            <a:prstGeom prst="rect">
-              <a:avLst/>
-            </a:prstGeom>
-            <a:noFill/>
-          </p:spPr>
-          <p:txBody>
-            <a:bodyPr wrap="square" rtlCol="0">
-              <a:spAutoFit/>
-            </a:bodyPr>
-            <a:lstStyle/>
-            <a:p>
-              <a:pPr algn="just"/>
-              <a:r>
-                <a:rPr lang="en-US" sz="1200" b="1" dirty="0">
-                  <a:latin typeface="Candara" panose="020E0502030303020204" pitchFamily="34" charset="0"/>
-                </a:rPr>
-                <a:t>Graduate Research Assistant</a:t>
-              </a:r>
-            </a:p>
-            <a:p>
-              <a:pPr algn="just"/>
-              <a:r>
-                <a:rPr lang="en-US" sz="1200" i="1" dirty="0">
-                  <a:latin typeface="Candara" panose="020E0502030303020204" pitchFamily="34" charset="0"/>
-                </a:rPr>
-                <a:t>University of California – Davis, USA / Jan 2018 – Present</a:t>
-              </a:r>
-            </a:p>
-            <a:p>
-              <a:pPr marL="171450" indent="-171450" algn="just">
-                <a:buFont typeface="Candara" panose="020E0502030303020204" pitchFamily="34" charset="0"/>
-                <a:buChar char="‐"/>
-              </a:pPr>
-              <a:r>
-                <a:rPr lang="en-US" sz="1200" i="1" dirty="0">
-                  <a:latin typeface="Candara" panose="020E0502030303020204" pitchFamily="34" charset="0"/>
-                </a:rPr>
-                <a:t> </a:t>
-              </a:r>
-            </a:p>
-          </p:txBody>
-        </p:sp>
-        <p:sp>
-          <p:nvSpPr>
-            <p:cNvPr id="59" name="CuadroTexto 51">
-              <a:extLst>
-                <a:ext uri="{FF2B5EF4-FFF2-40B4-BE49-F238E27FC236}">
-                  <a16:creationId xmlns:a16="http://schemas.microsoft.com/office/drawing/2014/main" id="{E6C4F570-6D8D-4569-975C-12D87144695C}"/>
-                </a:ext>
-              </a:extLst>
-            </p:cNvPr>
-            <p:cNvSpPr txBox="1"/>
-            <p:nvPr/>
-          </p:nvSpPr>
-          <p:spPr>
-            <a:xfrm>
-              <a:off x="2549165" y="1820117"/>
-              <a:ext cx="1926191" cy="307777"/>
-            </a:xfrm>
-            <a:prstGeom prst="rect">
-              <a:avLst/>
-            </a:prstGeom>
-            <a:noFill/>
-          </p:spPr>
-          <p:txBody>
-            <a:bodyPr wrap="square" rtlCol="0">
-              <a:spAutoFit/>
-            </a:bodyPr>
-            <a:lstStyle/>
-            <a:p>
-              <a:r>
-                <a:rPr lang="es-CO" sz="1400" dirty="0">
-                  <a:solidFill>
-                    <a:schemeClr val="tx1">
-                      <a:lumMod val="75000"/>
-                      <a:lumOff val="25000"/>
-                    </a:schemeClr>
-                  </a:solidFill>
-                  <a:effectLst>
-                    <a:outerShdw blurRad="38100" dist="38100" dir="2700000" algn="tl">
-                      <a:srgbClr val="000000">
-                        <a:alpha val="43137"/>
-                      </a:srgbClr>
-                    </a:outerShdw>
-                  </a:effectLst>
-                  <a:latin typeface="Candara" panose="020E0502030303020204" pitchFamily="34" charset="0"/>
-                </a:rPr>
-                <a:t>TEACHING EXPERIENCE</a:t>
-              </a:r>
-            </a:p>
-          </p:txBody>
-        </p:sp>
-      </p:grpSp>
       <p:grpSp>
         <p:nvGrpSpPr>
           <p:cNvPr id="2" name="Group 1">
@@ -10468,10 +9856,10 @@
         </p:nvGrpSpPr>
         <p:grpSpPr>
           <a:xfrm>
-            <a:off x="394192" y="4523917"/>
-            <a:ext cx="6069608" cy="1833693"/>
+            <a:off x="394192" y="6013175"/>
+            <a:ext cx="6069608" cy="2499436"/>
             <a:chOff x="394192" y="405183"/>
-            <a:chExt cx="6069608" cy="1833693"/>
+            <a:chExt cx="6069608" cy="2499436"/>
           </a:xfrm>
         </p:grpSpPr>
         <p:grpSp>
@@ -10489,9 +9877,9 @@
           <p:grpSpPr>
             <a:xfrm>
               <a:off x="394192" y="405183"/>
-              <a:ext cx="6069608" cy="1002696"/>
+              <a:ext cx="6069608" cy="1372028"/>
               <a:chOff x="2408697" y="1820117"/>
-              <a:chExt cx="3685986" cy="1002696"/>
+              <a:chExt cx="3685986" cy="1372028"/>
             </a:xfrm>
           </p:grpSpPr>
           <p:sp>
@@ -10509,7 +9897,7 @@
             <p:spPr>
               <a:xfrm>
                 <a:off x="2408697" y="2176482"/>
-                <a:ext cx="3685986" cy="646331"/>
+                <a:ext cx="3685986" cy="1015663"/>
               </a:xfrm>
               <a:prstGeom prst="rect">
                 <a:avLst/>
@@ -10545,7 +9933,7 @@
                   <a:rPr lang="en-US" sz="1200" dirty="0">
                     <a:latin typeface="Candara" panose="020E0502030303020204" pitchFamily="34" charset="0"/>
                   </a:rPr>
-                  <a:t>Functions: </a:t>
+                  <a:t>Functions: perform and report hydrologic and hydraulic studies to more than 100 small lakes and wetlands in Cundinamarca, Colombia. Highway hydraulic design of two road sectors in Cundinamarca, Colombia.</a:t>
                 </a:r>
               </a:p>
             </p:txBody>
@@ -10615,8 +10003,8 @@
           </p:nvSpPr>
           <p:spPr>
             <a:xfrm>
-              <a:off x="394192" y="1407879"/>
-              <a:ext cx="6069608" cy="830997"/>
+              <a:off x="394192" y="1888956"/>
+              <a:ext cx="6069608" cy="1015663"/>
             </a:xfrm>
             <a:prstGeom prst="rect">
               <a:avLst/>
@@ -10652,7 +10040,7 @@
                 <a:rPr lang="en-US" sz="1200" dirty="0">
                   <a:latin typeface="Candara" panose="020E0502030303020204" pitchFamily="34" charset="0"/>
                 </a:rPr>
-                <a:t>Functions: </a:t>
+                <a:t>Functions: professional support in the construction plan monitoring strategy, budget structuring, preparation of reports, progress and traceability of projects. </a:t>
               </a:r>
             </a:p>
           </p:txBody>
@@ -10672,10 +10060,10 @@
         </p:nvGrpSpPr>
         <p:grpSpPr>
           <a:xfrm>
-            <a:off x="394192" y="700807"/>
-            <a:ext cx="6069608" cy="2849355"/>
+            <a:off x="394192" y="490179"/>
+            <a:ext cx="6069608" cy="2295357"/>
             <a:chOff x="2408697" y="1820117"/>
-            <a:chExt cx="3685986" cy="2849355"/>
+            <a:chExt cx="3685986" cy="2295357"/>
           </a:xfrm>
         </p:grpSpPr>
         <p:sp>
@@ -10693,7 +10081,7 @@
           <p:spPr>
             <a:xfrm>
               <a:off x="2408697" y="2176482"/>
-              <a:ext cx="3685986" cy="2492990"/>
+              <a:ext cx="3685986" cy="1938992"/>
             </a:xfrm>
             <a:prstGeom prst="rect">
               <a:avLst/>
@@ -10774,33 +10162,6 @@
                 <a:t>Investigating 3D dynamics of upwelling events in a rotationally influenced lake and water quality by applying hydrodynamical model si3D at Lake Tahoe.</a:t>
               </a:r>
             </a:p>
-            <a:p>
-              <a:pPr marL="171450" indent="-171450" algn="just">
-                <a:buFont typeface="Candara" panose="020E0502030303020204" pitchFamily="34" charset="0"/>
-                <a:buChar char="‐"/>
-              </a:pPr>
-              <a:endParaRPr lang="en-US" sz="1200" dirty="0">
-                <a:latin typeface="Candara" panose="020E0502030303020204" pitchFamily="34" charset="0"/>
-              </a:endParaRPr>
-            </a:p>
-            <a:p>
-              <a:pPr marL="171450" indent="-171450" algn="just">
-                <a:buFont typeface="Candara" panose="020E0502030303020204" pitchFamily="34" charset="0"/>
-                <a:buChar char="‐"/>
-              </a:pPr>
-              <a:endParaRPr lang="en-US" sz="1200" dirty="0">
-                <a:latin typeface="Candara" panose="020E0502030303020204" pitchFamily="34" charset="0"/>
-              </a:endParaRPr>
-            </a:p>
-            <a:p>
-              <a:pPr marL="171450" indent="-171450" algn="just">
-                <a:buFont typeface="Candara" panose="020E0502030303020204" pitchFamily="34" charset="0"/>
-                <a:buChar char="‐"/>
-              </a:pPr>
-              <a:endParaRPr lang="en-US" sz="1200" dirty="0">
-                <a:latin typeface="Candara" panose="020E0502030303020204" pitchFamily="34" charset="0"/>
-              </a:endParaRPr>
-            </a:p>
           </p:txBody>
         </p:sp>
         <p:sp>
@@ -10854,6 +10215,351 @@
           </p:txBody>
         </p:sp>
       </p:grpSp>
+      <p:grpSp>
+        <p:nvGrpSpPr>
+          <p:cNvPr id="9" name="Group 8">
+            <a:extLst>
+              <a:ext uri="{FF2B5EF4-FFF2-40B4-BE49-F238E27FC236}">
+                <a16:creationId xmlns:a16="http://schemas.microsoft.com/office/drawing/2014/main" id="{79E46D73-3904-4A8E-A201-785DD23BFAF2}"/>
+              </a:ext>
+            </a:extLst>
+          </p:cNvPr>
+          <p:cNvGrpSpPr/>
+          <p:nvPr/>
+        </p:nvGrpSpPr>
+        <p:grpSpPr>
+          <a:xfrm>
+            <a:off x="394192" y="2897281"/>
+            <a:ext cx="6069608" cy="3053229"/>
+            <a:chOff x="394192" y="3107167"/>
+            <a:chExt cx="6069608" cy="3053229"/>
+          </a:xfrm>
+        </p:grpSpPr>
+        <p:grpSp>
+          <p:nvGrpSpPr>
+            <p:cNvPr id="57" name="Group 56">
+              <a:extLst>
+                <a:ext uri="{FF2B5EF4-FFF2-40B4-BE49-F238E27FC236}">
+                  <a16:creationId xmlns:a16="http://schemas.microsoft.com/office/drawing/2014/main" id="{1F4C3CE9-A0C9-4941-A433-54B73DC0FB3E}"/>
+                </a:ext>
+              </a:extLst>
+            </p:cNvPr>
+            <p:cNvGrpSpPr/>
+            <p:nvPr/>
+          </p:nvGrpSpPr>
+          <p:grpSpPr>
+            <a:xfrm>
+              <a:off x="394192" y="3107167"/>
+              <a:ext cx="6069608" cy="2849355"/>
+              <a:chOff x="2408697" y="1820117"/>
+              <a:chExt cx="3685986" cy="2849355"/>
+            </a:xfrm>
+          </p:grpSpPr>
+          <p:sp>
+            <p:nvSpPr>
+              <p:cNvPr id="58" name="CuadroTexto 6">
+                <a:extLst>
+                  <a:ext uri="{FF2B5EF4-FFF2-40B4-BE49-F238E27FC236}">
+                    <a16:creationId xmlns:a16="http://schemas.microsoft.com/office/drawing/2014/main" id="{ED8F2E42-C57B-4A10-A54C-92BD65B5F187}"/>
+                  </a:ext>
+                </a:extLst>
+              </p:cNvPr>
+              <p:cNvSpPr txBox="1"/>
+              <p:nvPr/>
+            </p:nvSpPr>
+            <p:spPr>
+              <a:xfrm>
+                <a:off x="2408697" y="2176482"/>
+                <a:ext cx="3685986" cy="2492990"/>
+              </a:xfrm>
+              <a:prstGeom prst="rect">
+                <a:avLst/>
+              </a:prstGeom>
+              <a:noFill/>
+            </p:spPr>
+            <p:txBody>
+              <a:bodyPr wrap="square" rtlCol="0">
+                <a:spAutoFit/>
+              </a:bodyPr>
+              <a:lstStyle/>
+              <a:p>
+                <a:pPr algn="just"/>
+                <a:r>
+                  <a:rPr lang="en-US" sz="1200" b="1" dirty="0">
+                    <a:latin typeface="Candara" panose="020E0502030303020204" pitchFamily="34" charset="0"/>
+                  </a:rPr>
+                  <a:t>Teaching Assistant</a:t>
+                </a:r>
+              </a:p>
+              <a:p>
+                <a:pPr algn="just"/>
+                <a:r>
+                  <a:rPr lang="en-US" sz="1200" b="1" dirty="0">
+                    <a:latin typeface="Candara" panose="020E0502030303020204" pitchFamily="34" charset="0"/>
+                  </a:rPr>
+                  <a:t>Fluid Dynamics</a:t>
+                </a:r>
+              </a:p>
+              <a:p>
+                <a:pPr algn="just"/>
+                <a:r>
+                  <a:rPr lang="en-US" sz="1200" i="1" dirty="0">
+                    <a:latin typeface="Candara" panose="020E0502030303020204" pitchFamily="34" charset="0"/>
+                  </a:rPr>
+                  <a:t>University of California – Davis, USA / F2019</a:t>
+                </a:r>
+              </a:p>
+              <a:p>
+                <a:pPr lvl="1" algn="just"/>
+                <a:r>
+                  <a:rPr lang="en-US" sz="1200" i="1" dirty="0">
+                    <a:latin typeface="Candara" panose="020E0502030303020204" pitchFamily="34" charset="0"/>
+                  </a:rPr>
+                  <a:t>Organized laboratory lectures, demonstrations, and data collections for junior level fluid mechanics course. </a:t>
+                </a:r>
+              </a:p>
+              <a:p>
+                <a:pPr algn="just"/>
+                <a:r>
+                  <a:rPr lang="en-US" sz="1200" b="1" dirty="0">
+                    <a:latin typeface="Candara" panose="020E0502030303020204" pitchFamily="34" charset="0"/>
+                  </a:rPr>
+                  <a:t>Hydraulics | Open Channel and Pipe Flow </a:t>
+                </a:r>
+              </a:p>
+              <a:p>
+                <a:pPr algn="just"/>
+                <a:r>
+                  <a:rPr lang="en-US" sz="1200" i="1" dirty="0">
+                    <a:latin typeface="Candara" panose="020E0502030303020204" pitchFamily="34" charset="0"/>
+                  </a:rPr>
+                  <a:t>University of California – Davis, USA / W2018, F2018, S2019, S2020</a:t>
+                </a:r>
+              </a:p>
+              <a:p>
+                <a:pPr lvl="1"/>
+                <a:r>
+                  <a:rPr lang="en-US" sz="1200" dirty="0">
+                    <a:latin typeface="Candara" panose="020E0502030303020204" pitchFamily="34" charset="0"/>
+                  </a:rPr>
+                  <a:t>Organized laboratory lectures, demonstrations, and collection of data for the senior level hydraulics course. Aided in grading laboratory reports and final exams. </a:t>
+                </a:r>
+                <a:endParaRPr lang="en-US" sz="1200" b="1" dirty="0">
+                  <a:latin typeface="Candara" panose="020E0502030303020204" pitchFamily="34" charset="0"/>
+                </a:endParaRPr>
+              </a:p>
+              <a:p>
+                <a:pPr algn="just"/>
+                <a:r>
+                  <a:rPr lang="en-US" sz="1200" b="1" dirty="0">
+                    <a:latin typeface="Candara" panose="020E0502030303020204" pitchFamily="34" charset="0"/>
+                  </a:rPr>
+                  <a:t>Water Resources Simulation</a:t>
+                </a:r>
+              </a:p>
+              <a:p>
+                <a:pPr algn="just"/>
+                <a:r>
+                  <a:rPr lang="en-US" sz="1200" i="1" dirty="0">
+                    <a:latin typeface="Candara" panose="020E0502030303020204" pitchFamily="34" charset="0"/>
+                  </a:rPr>
+                  <a:t>University of California – Davis, USA / W2019</a:t>
+                </a:r>
+              </a:p>
+              <a:p>
+                <a:pPr lvl="1" algn="just"/>
+                <a:r>
+                  <a:rPr lang="en-US" sz="1200" i="1" dirty="0">
+                    <a:latin typeface="Candara" panose="020E0502030303020204" pitchFamily="34" charset="0"/>
+                  </a:rPr>
+                  <a:t>Hold a weekly one-hour discussion session to provide insights about course topics and aided in grading exams. </a:t>
+                </a:r>
+              </a:p>
+            </p:txBody>
+          </p:sp>
+          <p:sp>
+            <p:nvSpPr>
+              <p:cNvPr id="59" name="CuadroTexto 51">
+                <a:extLst>
+                  <a:ext uri="{FF2B5EF4-FFF2-40B4-BE49-F238E27FC236}">
+                    <a16:creationId xmlns:a16="http://schemas.microsoft.com/office/drawing/2014/main" id="{E6C4F570-6D8D-4569-975C-12D87144695C}"/>
+                  </a:ext>
+                </a:extLst>
+              </p:cNvPr>
+              <p:cNvSpPr txBox="1"/>
+              <p:nvPr/>
+            </p:nvSpPr>
+            <p:spPr>
+              <a:xfrm>
+                <a:off x="2549165" y="1820117"/>
+                <a:ext cx="1926191" cy="307777"/>
+              </a:xfrm>
+              <a:prstGeom prst="rect">
+                <a:avLst/>
+              </a:prstGeom>
+              <a:noFill/>
+            </p:spPr>
+            <p:txBody>
+              <a:bodyPr wrap="square" rtlCol="0">
+                <a:spAutoFit/>
+              </a:bodyPr>
+              <a:lstStyle/>
+              <a:p>
+                <a:r>
+                  <a:rPr lang="es-CO" sz="1400" dirty="0">
+                    <a:solidFill>
+                      <a:schemeClr val="tx1">
+                        <a:lumMod val="75000"/>
+                        <a:lumOff val="25000"/>
+                      </a:schemeClr>
+                    </a:solidFill>
+                    <a:effectLst>
+                      <a:outerShdw blurRad="38100" dist="38100" dir="2700000" algn="tl">
+                        <a:srgbClr val="000000">
+                          <a:alpha val="43137"/>
+                        </a:srgbClr>
+                      </a:outerShdw>
+                    </a:effectLst>
+                    <a:latin typeface="Candara" panose="020E0502030303020204" pitchFamily="34" charset="0"/>
+                  </a:rPr>
+                  <a:t>TEACHING EXPERIENCE</a:t>
+                </a:r>
+              </a:p>
+            </p:txBody>
+          </p:sp>
+        </p:grpSp>
+        <p:sp>
+          <p:nvSpPr>
+            <p:cNvPr id="3" name="TextBox 83">
+              <a:extLst>
+                <a:ext uri="{FF2B5EF4-FFF2-40B4-BE49-F238E27FC236}">
+                  <a16:creationId xmlns:a16="http://schemas.microsoft.com/office/drawing/2014/main" id="{D0C0EB8D-28F6-4A34-BD54-D6CF55D519A0}"/>
+                </a:ext>
+              </a:extLst>
+            </p:cNvPr>
+            <p:cNvSpPr txBox="1"/>
+            <p:nvPr/>
+          </p:nvSpPr>
+          <p:spPr>
+            <a:xfrm>
+              <a:off x="3288926" y="5929564"/>
+              <a:ext cx="3174874" cy="230832"/>
+            </a:xfrm>
+            <a:prstGeom prst="rect">
+              <a:avLst/>
+            </a:prstGeom>
+            <a:noFill/>
+          </p:spPr>
+          <p:txBody>
+            <a:bodyPr wrap="square" rtlCol="0">
+              <a:spAutoFit/>
+            </a:bodyPr>
+            <a:lstStyle/>
+            <a:p>
+              <a:pPr algn="r"/>
+              <a:r>
+                <a:rPr lang="en-US" sz="900" dirty="0">
+                  <a:solidFill>
+                    <a:schemeClr val="bg1">
+                      <a:lumMod val="65000"/>
+                    </a:schemeClr>
+                  </a:solidFill>
+                  <a:latin typeface="Candara" panose="020E0502030303020204" pitchFamily="34" charset="0"/>
+                </a:rPr>
+                <a:t>W – Winter Quarter  | S. – Spring Quarter | F. – Fall Quarter</a:t>
+              </a:r>
+            </a:p>
+          </p:txBody>
+        </p:sp>
+      </p:grpSp>
+      <p:cxnSp>
+        <p:nvCxnSpPr>
+          <p:cNvPr id="21" name="Conector recto 69">
+            <a:extLst>
+              <a:ext uri="{FF2B5EF4-FFF2-40B4-BE49-F238E27FC236}">
+                <a16:creationId xmlns:a16="http://schemas.microsoft.com/office/drawing/2014/main" id="{A5204666-46E7-4613-8C2F-663839B489A2}"/>
+              </a:ext>
+            </a:extLst>
+          </p:cNvPr>
+          <p:cNvCxnSpPr>
+            <a:cxnSpLocks/>
+          </p:cNvCxnSpPr>
+          <p:nvPr/>
+        </p:nvCxnSpPr>
+        <p:spPr>
+          <a:xfrm>
+            <a:off x="243525" y="6013175"/>
+            <a:ext cx="6370950" cy="0"/>
+          </a:xfrm>
+          <a:prstGeom prst="line">
+            <a:avLst/>
+          </a:prstGeom>
+          <a:ln>
+            <a:solidFill>
+              <a:srgbClr val="3F656D"/>
+            </a:solidFill>
+          </a:ln>
+          <a:effectLst/>
+        </p:spPr>
+        <p:style>
+          <a:lnRef idx="1">
+            <a:schemeClr val="accent1"/>
+          </a:lnRef>
+          <a:fillRef idx="0">
+            <a:schemeClr val="accent1"/>
+          </a:fillRef>
+          <a:effectRef idx="0">
+            <a:schemeClr val="accent1"/>
+          </a:effectRef>
+          <a:fontRef idx="minor">
+            <a:schemeClr val="tx1"/>
+          </a:fontRef>
+        </p:style>
+      </p:cxnSp>
+      <p:cxnSp>
+        <p:nvCxnSpPr>
+          <p:cNvPr id="22" name="Conector recto 69">
+            <a:extLst>
+              <a:ext uri="{FF2B5EF4-FFF2-40B4-BE49-F238E27FC236}">
+                <a16:creationId xmlns:a16="http://schemas.microsoft.com/office/drawing/2014/main" id="{6E84A08C-C8BB-4D57-8C5C-4BC4776102A2}"/>
+              </a:ext>
+            </a:extLst>
+          </p:cNvPr>
+          <p:cNvCxnSpPr>
+            <a:cxnSpLocks/>
+          </p:cNvCxnSpPr>
+          <p:nvPr/>
+        </p:nvCxnSpPr>
+        <p:spPr>
+          <a:xfrm>
+            <a:off x="243525" y="2892036"/>
+            <a:ext cx="6370950" cy="0"/>
+          </a:xfrm>
+          <a:prstGeom prst="line">
+            <a:avLst/>
+          </a:prstGeom>
+          <a:ln>
+            <a:solidFill>
+              <a:srgbClr val="3F656D"/>
+            </a:solidFill>
+          </a:ln>
+          <a:effectLst/>
+        </p:spPr>
+        <p:style>
+          <a:lnRef idx="1">
+            <a:schemeClr val="accent1"/>
+          </a:lnRef>
+          <a:fillRef idx="0">
+            <a:schemeClr val="accent1"/>
+          </a:fillRef>
+          <a:effectRef idx="0">
+            <a:schemeClr val="accent1"/>
+          </a:effectRef>
+          <a:fontRef idx="minor">
+            <a:schemeClr val="tx1"/>
+          </a:fontRef>
+        </p:style>
+      </p:cxnSp>
     </p:spTree>
     <p:extLst>
       <p:ext uri="{BB962C8B-B14F-4D97-AF65-F5344CB8AC3E}">

--- a/docs/CV_SV_2020_V1.pptx
+++ b/docs/CV_SV_2020_V1.pptx
@@ -2832,7 +2832,7 @@
           <a:p>
             <a:fld id="{863FE3A7-EC10-4CB9-8B62-C9C4255F3532}" type="datetimeFigureOut">
               <a:rPr lang="es-CO" smtClean="0"/>
-              <a:t>13/08/2020</a:t>
+              <a:t>31/03/2021</a:t>
             </a:fld>
             <a:endParaRPr lang="es-CO"/>
           </a:p>
@@ -3030,7 +3030,7 @@
           <a:p>
             <a:fld id="{863FE3A7-EC10-4CB9-8B62-C9C4255F3532}" type="datetimeFigureOut">
               <a:rPr lang="es-CO" smtClean="0"/>
-              <a:t>13/08/2020</a:t>
+              <a:t>31/03/2021</a:t>
             </a:fld>
             <a:endParaRPr lang="es-CO"/>
           </a:p>
@@ -3238,7 +3238,7 @@
           <a:p>
             <a:fld id="{863FE3A7-EC10-4CB9-8B62-C9C4255F3532}" type="datetimeFigureOut">
               <a:rPr lang="es-CO" smtClean="0"/>
-              <a:t>13/08/2020</a:t>
+              <a:t>31/03/2021</a:t>
             </a:fld>
             <a:endParaRPr lang="es-CO"/>
           </a:p>
@@ -3436,7 +3436,7 @@
           <a:p>
             <a:fld id="{863FE3A7-EC10-4CB9-8B62-C9C4255F3532}" type="datetimeFigureOut">
               <a:rPr lang="es-CO" smtClean="0"/>
-              <a:t>13/08/2020</a:t>
+              <a:t>31/03/2021</a:t>
             </a:fld>
             <a:endParaRPr lang="es-CO"/>
           </a:p>
@@ -3711,7 +3711,7 @@
           <a:p>
             <a:fld id="{863FE3A7-EC10-4CB9-8B62-C9C4255F3532}" type="datetimeFigureOut">
               <a:rPr lang="es-CO" smtClean="0"/>
-              <a:t>13/08/2020</a:t>
+              <a:t>31/03/2021</a:t>
             </a:fld>
             <a:endParaRPr lang="es-CO"/>
           </a:p>
@@ -3976,7 +3976,7 @@
           <a:p>
             <a:fld id="{863FE3A7-EC10-4CB9-8B62-C9C4255F3532}" type="datetimeFigureOut">
               <a:rPr lang="es-CO" smtClean="0"/>
-              <a:t>13/08/2020</a:t>
+              <a:t>31/03/2021</a:t>
             </a:fld>
             <a:endParaRPr lang="es-CO"/>
           </a:p>
@@ -4388,7 +4388,7 @@
           <a:p>
             <a:fld id="{863FE3A7-EC10-4CB9-8B62-C9C4255F3532}" type="datetimeFigureOut">
               <a:rPr lang="es-CO" smtClean="0"/>
-              <a:t>13/08/2020</a:t>
+              <a:t>31/03/2021</a:t>
             </a:fld>
             <a:endParaRPr lang="es-CO"/>
           </a:p>
@@ -4529,7 +4529,7 @@
           <a:p>
             <a:fld id="{863FE3A7-EC10-4CB9-8B62-C9C4255F3532}" type="datetimeFigureOut">
               <a:rPr lang="es-CO" smtClean="0"/>
-              <a:t>13/08/2020</a:t>
+              <a:t>31/03/2021</a:t>
             </a:fld>
             <a:endParaRPr lang="es-CO"/>
           </a:p>
@@ -4642,7 +4642,7 @@
           <a:p>
             <a:fld id="{863FE3A7-EC10-4CB9-8B62-C9C4255F3532}" type="datetimeFigureOut">
               <a:rPr lang="es-CO" smtClean="0"/>
-              <a:t>13/08/2020</a:t>
+              <a:t>31/03/2021</a:t>
             </a:fld>
             <a:endParaRPr lang="es-CO"/>
           </a:p>
@@ -4953,7 +4953,7 @@
           <a:p>
             <a:fld id="{863FE3A7-EC10-4CB9-8B62-C9C4255F3532}" type="datetimeFigureOut">
               <a:rPr lang="es-CO" smtClean="0"/>
-              <a:t>13/08/2020</a:t>
+              <a:t>31/03/2021</a:t>
             </a:fld>
             <a:endParaRPr lang="es-CO"/>
           </a:p>
@@ -5241,7 +5241,7 @@
           <a:p>
             <a:fld id="{863FE3A7-EC10-4CB9-8B62-C9C4255F3532}" type="datetimeFigureOut">
               <a:rPr lang="es-CO" smtClean="0"/>
-              <a:t>13/08/2020</a:t>
+              <a:t>31/03/2021</a:t>
             </a:fld>
             <a:endParaRPr lang="es-CO"/>
           </a:p>
@@ -5482,7 +5482,7 @@
           <a:p>
             <a:fld id="{863FE3A7-EC10-4CB9-8B62-C9C4255F3532}" type="datetimeFigureOut">
               <a:rPr lang="es-CO" smtClean="0"/>
-              <a:t>13/08/2020</a:t>
+              <a:t>31/03/2021</a:t>
             </a:fld>
             <a:endParaRPr lang="es-CO"/>
           </a:p>
@@ -6086,9 +6086,9 @@
         <p:grpSpPr>
           <a:xfrm>
             <a:off x="349651" y="4865313"/>
-            <a:ext cx="3630168" cy="4084450"/>
+            <a:ext cx="3630168" cy="3747328"/>
             <a:chOff x="45929" y="1352240"/>
-            <a:chExt cx="2425122" cy="2696614"/>
+            <a:chExt cx="2425122" cy="2474041"/>
           </a:xfrm>
         </p:grpSpPr>
         <p:sp>
@@ -6144,7 +6144,7 @@
           <p:spPr>
             <a:xfrm>
               <a:off x="45929" y="1570776"/>
-              <a:ext cx="2425122" cy="2478078"/>
+              <a:ext cx="2425122" cy="2255505"/>
             </a:xfrm>
             <a:prstGeom prst="rect">
               <a:avLst/>
@@ -6169,7 +6169,7 @@
                 <a:rPr lang="en-US" sz="1200" b="1" dirty="0">
                   <a:latin typeface="Candara" panose="020E0502030303020204" pitchFamily="34" charset="0"/>
                 </a:rPr>
-                <a:t>2017 – Present</a:t>
+                <a:t>2018 – Present</a:t>
               </a:r>
             </a:p>
             <a:p>
@@ -6225,7 +6225,7 @@
                 <a:rPr lang="en-US" sz="1200" b="1" dirty="0">
                   <a:latin typeface="Candara" panose="020E0502030303020204" pitchFamily="34" charset="0"/>
                 </a:rPr>
-                <a:t>2018-2020</a:t>
+                <a:t>2017-2020</a:t>
               </a:r>
             </a:p>
             <a:p>
@@ -6337,7 +6337,19 @@
                 <a:rPr lang="en-US" sz="1200" dirty="0">
                   <a:latin typeface="Candara" panose="020E0502030303020204" pitchFamily="34" charset="0"/>
                 </a:rPr>
-                <a:t>Ph.D. candidate at the University of California – Davis working in the Tahoe Environmental Research Center (TERC). Presently working on investigating nearshore physical processes and water quality by applying 3D numerical modeling and large datasets from in-situ observations to understand upwelling dynamics, river transport fate, and river inflow stability in medium-size to large lakes.  Previous experience in hydrologic and hydraulic modeling of small lakes and wetlands, and project control and alignment to high standards management protocols.  In search of constant academic and professional growth while working in team. Entrepreneur, and fast learning and adaptability skills. </a:t>
+                <a:t>Ph.D. candidate at the University of California – Davis working in the Tahoe Environmental Research Center (TERC). Presently working on investigating nearshore physical processes and water quality by applying 3D numerical modeling and large datasets from in-situ observations to understand upwelling dynamics, and inflow transport fate in rotationally influenced lakes.  Previous experience in hydrologic and hydraulic modeling of small lakes and wetlands, and project control and alignment to high standards management protocols.  In search of constant academic and professional growth while working in team. </a:t>
+              </a:r>
+              <a:r>
+                <a:rPr lang="en-US" sz="1200">
+                  <a:latin typeface="Candara" panose="020E0502030303020204" pitchFamily="34" charset="0"/>
+                </a:rPr>
+                <a:t>Entrepreneur with fast </a:t>
+              </a:r>
+              <a:r>
+                <a:rPr lang="en-US" sz="1200" dirty="0">
+                  <a:latin typeface="Candara" panose="020E0502030303020204" pitchFamily="34" charset="0"/>
+                </a:rPr>
+                <a:t>learning and adaptability skills. </a:t>
               </a:r>
             </a:p>
           </p:txBody>
@@ -9482,7 +9494,7 @@
           <p:spPr>
             <a:xfrm>
               <a:off x="8715236" y="4425675"/>
-              <a:ext cx="914400" cy="3447"/>
+              <a:ext cx="1188720" cy="3447"/>
             </a:xfrm>
             <a:prstGeom prst="line">
               <a:avLst/>
@@ -9611,7 +9623,7 @@
           <p:spPr>
             <a:xfrm>
               <a:off x="8715236" y="3402437"/>
-              <a:ext cx="1005840" cy="3447"/>
+              <a:ext cx="1371600" cy="3447"/>
             </a:xfrm>
             <a:prstGeom prst="line">
               <a:avLst/>
@@ -10099,7 +10111,7 @@
                 <a:rPr lang="en-US" sz="1200" b="1" dirty="0">
                   <a:latin typeface="Candara" panose="020E0502030303020204" pitchFamily="34" charset="0"/>
                 </a:rPr>
-                <a:t>Graduate Research Assistant</a:t>
+                <a:t>Graduate Student Researcher</a:t>
               </a:r>
             </a:p>
             <a:p>
@@ -10120,7 +10132,7 @@
                 <a:rPr lang="en-US" sz="1200" dirty="0">
                   <a:latin typeface="Candara" panose="020E0502030303020204" pitchFamily="34" charset="0"/>
                 </a:rPr>
-                <a:t>Lead field campaign to investigate water clarity losses due to anthropogenic activities in the nearshore area of a lake. </a:t>
+                <a:t>Led field campaign to investigate water clarity losses due to anthropogenic activities in the nearshore area of a lake. </a:t>
               </a:r>
               <a:endParaRPr lang="en-US" sz="1200" i="1" dirty="0">
                 <a:latin typeface="Candara" panose="020E0502030303020204" pitchFamily="34" charset="0"/>
@@ -10159,7 +10171,7 @@
                 <a:rPr lang="en-US" sz="1200" dirty="0">
                   <a:latin typeface="Candara" panose="020E0502030303020204" pitchFamily="34" charset="0"/>
                 </a:rPr>
-                <a:t>Investigating 3D dynamics of upwelling events in a rotationally influenced lake and water quality by applying hydrodynamical model si3D at Lake Tahoe.</a:t>
+                <a:t>Investigating 3D dynamics of upwelling events in a rotationally influenced lakes and water quality by applying hydrodynamical model si3D at Lake Tahoe.</a:t>
               </a:r>
             </a:p>
           </p:txBody>
@@ -10306,8 +10318,17 @@
                   <a:rPr lang="en-US" sz="1200" i="1" dirty="0">
                     <a:latin typeface="Candara" panose="020E0502030303020204" pitchFamily="34" charset="0"/>
                   </a:rPr>
-                  <a:t>University of California – Davis, USA / F2019</a:t>
+                  <a:t>University of California – Davis, USA </a:t>
                 </a:r>
+                <a:r>
+                  <a:rPr lang="en-US" sz="1200" i="1">
+                    <a:latin typeface="Candara" panose="020E0502030303020204" pitchFamily="34" charset="0"/>
+                  </a:rPr>
+                  <a:t>/ F2019, F2020, W2021</a:t>
+                </a:r>
+                <a:endParaRPr lang="en-US" sz="1200" i="1" dirty="0">
+                  <a:latin typeface="Candara" panose="020E0502030303020204" pitchFamily="34" charset="0"/>
+                </a:endParaRPr>
               </a:p>
               <a:p>
                 <a:pPr lvl="1" algn="just"/>

--- a/docs/CV_SV_2020_V1.pptx
+++ b/docs/CV_SV_2020_V1.pptx
@@ -2832,7 +2832,7 @@
           <a:p>
             <a:fld id="{863FE3A7-EC10-4CB9-8B62-C9C4255F3532}" type="datetimeFigureOut">
               <a:rPr lang="es-CO" smtClean="0"/>
-              <a:t>31/03/2021</a:t>
+              <a:t>5/04/2021</a:t>
             </a:fld>
             <a:endParaRPr lang="es-CO"/>
           </a:p>
@@ -3030,7 +3030,7 @@
           <a:p>
             <a:fld id="{863FE3A7-EC10-4CB9-8B62-C9C4255F3532}" type="datetimeFigureOut">
               <a:rPr lang="es-CO" smtClean="0"/>
-              <a:t>31/03/2021</a:t>
+              <a:t>5/04/2021</a:t>
             </a:fld>
             <a:endParaRPr lang="es-CO"/>
           </a:p>
@@ -3238,7 +3238,7 @@
           <a:p>
             <a:fld id="{863FE3A7-EC10-4CB9-8B62-C9C4255F3532}" type="datetimeFigureOut">
               <a:rPr lang="es-CO" smtClean="0"/>
-              <a:t>31/03/2021</a:t>
+              <a:t>5/04/2021</a:t>
             </a:fld>
             <a:endParaRPr lang="es-CO"/>
           </a:p>
@@ -3436,7 +3436,7 @@
           <a:p>
             <a:fld id="{863FE3A7-EC10-4CB9-8B62-C9C4255F3532}" type="datetimeFigureOut">
               <a:rPr lang="es-CO" smtClean="0"/>
-              <a:t>31/03/2021</a:t>
+              <a:t>5/04/2021</a:t>
             </a:fld>
             <a:endParaRPr lang="es-CO"/>
           </a:p>
@@ -3711,7 +3711,7 @@
           <a:p>
             <a:fld id="{863FE3A7-EC10-4CB9-8B62-C9C4255F3532}" type="datetimeFigureOut">
               <a:rPr lang="es-CO" smtClean="0"/>
-              <a:t>31/03/2021</a:t>
+              <a:t>5/04/2021</a:t>
             </a:fld>
             <a:endParaRPr lang="es-CO"/>
           </a:p>
@@ -3976,7 +3976,7 @@
           <a:p>
             <a:fld id="{863FE3A7-EC10-4CB9-8B62-C9C4255F3532}" type="datetimeFigureOut">
               <a:rPr lang="es-CO" smtClean="0"/>
-              <a:t>31/03/2021</a:t>
+              <a:t>5/04/2021</a:t>
             </a:fld>
             <a:endParaRPr lang="es-CO"/>
           </a:p>
@@ -4388,7 +4388,7 @@
           <a:p>
             <a:fld id="{863FE3A7-EC10-4CB9-8B62-C9C4255F3532}" type="datetimeFigureOut">
               <a:rPr lang="es-CO" smtClean="0"/>
-              <a:t>31/03/2021</a:t>
+              <a:t>5/04/2021</a:t>
             </a:fld>
             <a:endParaRPr lang="es-CO"/>
           </a:p>
@@ -4529,7 +4529,7 @@
           <a:p>
             <a:fld id="{863FE3A7-EC10-4CB9-8B62-C9C4255F3532}" type="datetimeFigureOut">
               <a:rPr lang="es-CO" smtClean="0"/>
-              <a:t>31/03/2021</a:t>
+              <a:t>5/04/2021</a:t>
             </a:fld>
             <a:endParaRPr lang="es-CO"/>
           </a:p>
@@ -4642,7 +4642,7 @@
           <a:p>
             <a:fld id="{863FE3A7-EC10-4CB9-8B62-C9C4255F3532}" type="datetimeFigureOut">
               <a:rPr lang="es-CO" smtClean="0"/>
-              <a:t>31/03/2021</a:t>
+              <a:t>5/04/2021</a:t>
             </a:fld>
             <a:endParaRPr lang="es-CO"/>
           </a:p>
@@ -4953,7 +4953,7 @@
           <a:p>
             <a:fld id="{863FE3A7-EC10-4CB9-8B62-C9C4255F3532}" type="datetimeFigureOut">
               <a:rPr lang="es-CO" smtClean="0"/>
-              <a:t>31/03/2021</a:t>
+              <a:t>5/04/2021</a:t>
             </a:fld>
             <a:endParaRPr lang="es-CO"/>
           </a:p>
@@ -5241,7 +5241,7 @@
           <a:p>
             <a:fld id="{863FE3A7-EC10-4CB9-8B62-C9C4255F3532}" type="datetimeFigureOut">
               <a:rPr lang="es-CO" smtClean="0"/>
-              <a:t>31/03/2021</a:t>
+              <a:t>5/04/2021</a:t>
             </a:fld>
             <a:endParaRPr lang="es-CO"/>
           </a:p>
@@ -5482,7 +5482,7 @@
           <a:p>
             <a:fld id="{863FE3A7-EC10-4CB9-8B62-C9C4255F3532}" type="datetimeFigureOut">
               <a:rPr lang="es-CO" smtClean="0"/>
-              <a:t>31/03/2021</a:t>
+              <a:t>5/04/2021</a:t>
             </a:fld>
             <a:endParaRPr lang="es-CO"/>
           </a:p>
@@ -6086,9 +6086,9 @@
         <p:grpSpPr>
           <a:xfrm>
             <a:off x="349651" y="4865313"/>
-            <a:ext cx="3630168" cy="3747328"/>
+            <a:ext cx="3630168" cy="3747327"/>
             <a:chOff x="45929" y="1352240"/>
-            <a:chExt cx="2425122" cy="2474041"/>
+            <a:chExt cx="2425122" cy="2474040"/>
           </a:xfrm>
         </p:grpSpPr>
         <p:sp>
@@ -6144,7 +6144,7 @@
           <p:spPr>
             <a:xfrm>
               <a:off x="45929" y="1570776"/>
-              <a:ext cx="2425122" cy="2255505"/>
+              <a:ext cx="2425122" cy="2255504"/>
             </a:xfrm>
             <a:prstGeom prst="rect">
               <a:avLst/>
@@ -6249,7 +6249,7 @@
                 <a:rPr lang="en-US" sz="1200" dirty="0">
                   <a:latin typeface="Candara" panose="020E0502030303020204" pitchFamily="34" charset="0"/>
                 </a:rPr>
-                <a:t>Advisor: Fabian A. Bombardelli</a:t>
+                <a:t>Advisor: Fabian Bombardelli</a:t>
               </a:r>
             </a:p>
             <a:p>
@@ -9868,7 +9868,7 @@
         </p:nvGrpSpPr>
         <p:grpSpPr>
           <a:xfrm>
-            <a:off x="394192" y="6013175"/>
+            <a:off x="394192" y="6154385"/>
             <a:ext cx="6069608" cy="2499436"/>
             <a:chOff x="394192" y="405183"/>
             <a:chExt cx="6069608" cy="2499436"/>
@@ -10052,7 +10052,31 @@
                 <a:rPr lang="en-US" sz="1200" dirty="0">
                   <a:latin typeface="Candara" panose="020E0502030303020204" pitchFamily="34" charset="0"/>
                 </a:rPr>
-                <a:t>Functions: professional support in the construction plan monitoring strategy, budget structuring, preparation of reports, progress and traceability of projects. </a:t>
+                <a:t>Functions: professional support in </a:t>
+              </a:r>
+              <a:r>
+                <a:rPr lang="en-US" sz="1200">
+                  <a:latin typeface="Candara" panose="020E0502030303020204" pitchFamily="34" charset="0"/>
+                </a:rPr>
+                <a:t>the construction, </a:t>
+              </a:r>
+              <a:r>
+                <a:rPr lang="en-US" sz="1200" dirty="0">
+                  <a:latin typeface="Candara" panose="020E0502030303020204" pitchFamily="34" charset="0"/>
+                </a:rPr>
+                <a:t>plan monitoring strategy, budget structuring, preparation of reports</a:t>
+              </a:r>
+              <a:r>
+                <a:rPr lang="en-US" sz="1200">
+                  <a:latin typeface="Candara" panose="020E0502030303020204" pitchFamily="34" charset="0"/>
+                </a:rPr>
+                <a:t>, progress, </a:t>
+              </a:r>
+              <a:r>
+                <a:rPr lang="en-US" sz="1200" dirty="0">
+                  <a:latin typeface="Candara" panose="020E0502030303020204" pitchFamily="34" charset="0"/>
+                </a:rPr>
+                <a:t>and traceability of projects. </a:t>
               </a:r>
             </a:p>
           </p:txBody>
@@ -10073,9 +10097,9 @@
         <p:grpSpPr>
           <a:xfrm>
             <a:off x="394192" y="490179"/>
-            <a:ext cx="6069608" cy="2295357"/>
+            <a:ext cx="6069608" cy="2480023"/>
             <a:chOff x="2408697" y="1820117"/>
-            <a:chExt cx="3685986" cy="2295357"/>
+            <a:chExt cx="3685986" cy="2480023"/>
           </a:xfrm>
         </p:grpSpPr>
         <p:sp>
@@ -10093,7 +10117,7 @@
           <p:spPr>
             <a:xfrm>
               <a:off x="2408697" y="2176482"/>
-              <a:ext cx="3685986" cy="1938992"/>
+              <a:ext cx="3685986" cy="2123658"/>
             </a:xfrm>
             <a:prstGeom prst="rect">
               <a:avLst/>
@@ -10159,8 +10183,29 @@
                 <a:rPr lang="en-US" sz="1200" dirty="0">
                   <a:latin typeface="Candara" panose="020E0502030303020204" pitchFamily="34" charset="0"/>
                 </a:rPr>
-                <a:t>Investigated boat induced sediment resuspension in shallow flows by applying 3D numerical modelling of a recreational boat.</a:t>
+                <a:t>Investigated boat induced sediment resuspension in shallow flows by applying 3D numerical modelling of a recreational boat. </a:t>
               </a:r>
+              <a:r>
+                <a:rPr lang="en-US" sz="1200" i="1" dirty="0">
+                  <a:latin typeface="Candara" panose="020E0502030303020204" pitchFamily="34" charset="0"/>
+                </a:rPr>
+                <a:t>Published in River flow 2020 10</a:t>
+              </a:r>
+              <a:r>
+                <a:rPr lang="en-US" sz="1200" i="1" baseline="30000" dirty="0">
+                  <a:latin typeface="Candara" panose="020E0502030303020204" pitchFamily="34" charset="0"/>
+                </a:rPr>
+                <a:t>th</a:t>
+              </a:r>
+              <a:r>
+                <a:rPr lang="en-US" sz="1200" i="1" dirty="0">
+                  <a:latin typeface="Candara" panose="020E0502030303020204" pitchFamily="34" charset="0"/>
+                </a:rPr>
+                <a:t> conference on fluvial hydraulics.</a:t>
+              </a:r>
+              <a:endParaRPr lang="en-US" sz="1200" dirty="0">
+                <a:latin typeface="Candara" panose="020E0502030303020204" pitchFamily="34" charset="0"/>
+              </a:endParaRPr>
             </a:p>
             <a:p>
               <a:pPr marL="171450" indent="-171450" algn="just">
@@ -10171,7 +10216,7 @@
                 <a:rPr lang="en-US" sz="1200" dirty="0">
                   <a:latin typeface="Candara" panose="020E0502030303020204" pitchFamily="34" charset="0"/>
                 </a:rPr>
-                <a:t>Investigating 3D dynamics of upwelling events in a rotationally influenced lakes and water quality by applying hydrodynamical model si3D at Lake Tahoe.</a:t>
+                <a:t>Investigating 3D dynamics of upwelling events in rotationally influenced lakes and water quality by applying hydrodynamical model si3D.</a:t>
               </a:r>
             </a:p>
           </p:txBody>
@@ -10241,7 +10286,7 @@
         </p:nvGrpSpPr>
         <p:grpSpPr>
           <a:xfrm>
-            <a:off x="394192" y="2897281"/>
+            <a:off x="394192" y="3026368"/>
             <a:ext cx="6069608" cy="3053229"/>
             <a:chOff x="394192" y="3107167"/>
             <a:chExt cx="6069608" cy="3053229"/>
@@ -10318,17 +10363,8 @@
                   <a:rPr lang="en-US" sz="1200" i="1" dirty="0">
                     <a:latin typeface="Candara" panose="020E0502030303020204" pitchFamily="34" charset="0"/>
                   </a:rPr>
-                  <a:t>University of California – Davis, USA </a:t>
+                  <a:t>University of California – Davis, USA / F2019, F2020, W2021</a:t>
                 </a:r>
-                <a:r>
-                  <a:rPr lang="en-US" sz="1200" i="1">
-                    <a:latin typeface="Candara" panose="020E0502030303020204" pitchFamily="34" charset="0"/>
-                  </a:rPr>
-                  <a:t>/ F2019, F2020, W2021</a:t>
-                </a:r>
-                <a:endParaRPr lang="en-US" sz="1200" i="1" dirty="0">
-                  <a:latin typeface="Candara" panose="020E0502030303020204" pitchFamily="34" charset="0"/>
-                </a:endParaRPr>
               </a:p>
               <a:p>
                 <a:pPr lvl="1" algn="just"/>
@@ -10509,7 +10545,7 @@
         </p:nvCxnSpPr>
         <p:spPr>
           <a:xfrm>
-            <a:off x="243525" y="6013175"/>
+            <a:off x="243525" y="6135470"/>
             <a:ext cx="6370950" cy="0"/>
           </a:xfrm>
           <a:prstGeom prst="line">
@@ -10553,7 +10589,7 @@
         </p:nvCxnSpPr>
         <p:spPr>
           <a:xfrm>
-            <a:off x="243525" y="2892036"/>
+            <a:off x="243525" y="2964180"/>
             <a:ext cx="6370950" cy="0"/>
           </a:xfrm>
           <a:prstGeom prst="line">

--- a/docs/CV_SV_2020_V1.pptx
+++ b/docs/CV_SV_2020_V1.pptx
@@ -7,6 +7,7 @@
   <p:sldIdLst>
     <p:sldId id="260" r:id="rId2"/>
     <p:sldId id="261" r:id="rId3"/>
+    <p:sldId id="263" r:id="rId4"/>
   </p:sldIdLst>
   <p:sldSz cx="6858000" cy="9144000" type="letter"/>
   <p:notesSz cx="6858000" cy="9144000"/>
@@ -2832,7 +2833,7 @@
           <a:p>
             <a:fld id="{863FE3A7-EC10-4CB9-8B62-C9C4255F3532}" type="datetimeFigureOut">
               <a:rPr lang="es-CO" smtClean="0"/>
-              <a:t>5/04/2021</a:t>
+              <a:t>12/08/2021</a:t>
             </a:fld>
             <a:endParaRPr lang="es-CO"/>
           </a:p>
@@ -3030,7 +3031,7 @@
           <a:p>
             <a:fld id="{863FE3A7-EC10-4CB9-8B62-C9C4255F3532}" type="datetimeFigureOut">
               <a:rPr lang="es-CO" smtClean="0"/>
-              <a:t>5/04/2021</a:t>
+              <a:t>12/08/2021</a:t>
             </a:fld>
             <a:endParaRPr lang="es-CO"/>
           </a:p>
@@ -3238,7 +3239,7 @@
           <a:p>
             <a:fld id="{863FE3A7-EC10-4CB9-8B62-C9C4255F3532}" type="datetimeFigureOut">
               <a:rPr lang="es-CO" smtClean="0"/>
-              <a:t>5/04/2021</a:t>
+              <a:t>12/08/2021</a:t>
             </a:fld>
             <a:endParaRPr lang="es-CO"/>
           </a:p>
@@ -3436,7 +3437,7 @@
           <a:p>
             <a:fld id="{863FE3A7-EC10-4CB9-8B62-C9C4255F3532}" type="datetimeFigureOut">
               <a:rPr lang="es-CO" smtClean="0"/>
-              <a:t>5/04/2021</a:t>
+              <a:t>12/08/2021</a:t>
             </a:fld>
             <a:endParaRPr lang="es-CO"/>
           </a:p>
@@ -3711,7 +3712,7 @@
           <a:p>
             <a:fld id="{863FE3A7-EC10-4CB9-8B62-C9C4255F3532}" type="datetimeFigureOut">
               <a:rPr lang="es-CO" smtClean="0"/>
-              <a:t>5/04/2021</a:t>
+              <a:t>12/08/2021</a:t>
             </a:fld>
             <a:endParaRPr lang="es-CO"/>
           </a:p>
@@ -3976,7 +3977,7 @@
           <a:p>
             <a:fld id="{863FE3A7-EC10-4CB9-8B62-C9C4255F3532}" type="datetimeFigureOut">
               <a:rPr lang="es-CO" smtClean="0"/>
-              <a:t>5/04/2021</a:t>
+              <a:t>12/08/2021</a:t>
             </a:fld>
             <a:endParaRPr lang="es-CO"/>
           </a:p>
@@ -4388,7 +4389,7 @@
           <a:p>
             <a:fld id="{863FE3A7-EC10-4CB9-8B62-C9C4255F3532}" type="datetimeFigureOut">
               <a:rPr lang="es-CO" smtClean="0"/>
-              <a:t>5/04/2021</a:t>
+              <a:t>12/08/2021</a:t>
             </a:fld>
             <a:endParaRPr lang="es-CO"/>
           </a:p>
@@ -4529,7 +4530,7 @@
           <a:p>
             <a:fld id="{863FE3A7-EC10-4CB9-8B62-C9C4255F3532}" type="datetimeFigureOut">
               <a:rPr lang="es-CO" smtClean="0"/>
-              <a:t>5/04/2021</a:t>
+              <a:t>12/08/2021</a:t>
             </a:fld>
             <a:endParaRPr lang="es-CO"/>
           </a:p>
@@ -4642,7 +4643,7 @@
           <a:p>
             <a:fld id="{863FE3A7-EC10-4CB9-8B62-C9C4255F3532}" type="datetimeFigureOut">
               <a:rPr lang="es-CO" smtClean="0"/>
-              <a:t>5/04/2021</a:t>
+              <a:t>12/08/2021</a:t>
             </a:fld>
             <a:endParaRPr lang="es-CO"/>
           </a:p>
@@ -4953,7 +4954,7 @@
           <a:p>
             <a:fld id="{863FE3A7-EC10-4CB9-8B62-C9C4255F3532}" type="datetimeFigureOut">
               <a:rPr lang="es-CO" smtClean="0"/>
-              <a:t>5/04/2021</a:t>
+              <a:t>12/08/2021</a:t>
             </a:fld>
             <a:endParaRPr lang="es-CO"/>
           </a:p>
@@ -5241,7 +5242,7 @@
           <a:p>
             <a:fld id="{863FE3A7-EC10-4CB9-8B62-C9C4255F3532}" type="datetimeFigureOut">
               <a:rPr lang="es-CO" smtClean="0"/>
-              <a:t>5/04/2021</a:t>
+              <a:t>12/08/2021</a:t>
             </a:fld>
             <a:endParaRPr lang="es-CO"/>
           </a:p>
@@ -5482,7 +5483,7 @@
           <a:p>
             <a:fld id="{863FE3A7-EC10-4CB9-8B62-C9C4255F3532}" type="datetimeFigureOut">
               <a:rPr lang="es-CO" smtClean="0"/>
-              <a:t>5/04/2021</a:t>
+              <a:t>12/08/2021</a:t>
             </a:fld>
             <a:endParaRPr lang="es-CO"/>
           </a:p>
@@ -10052,31 +10053,7 @@
                 <a:rPr lang="en-US" sz="1200" dirty="0">
                   <a:latin typeface="Candara" panose="020E0502030303020204" pitchFamily="34" charset="0"/>
                 </a:rPr>
-                <a:t>Functions: professional support in </a:t>
-              </a:r>
-              <a:r>
-                <a:rPr lang="en-US" sz="1200">
-                  <a:latin typeface="Candara" panose="020E0502030303020204" pitchFamily="34" charset="0"/>
-                </a:rPr>
-                <a:t>the construction, </a:t>
-              </a:r>
-              <a:r>
-                <a:rPr lang="en-US" sz="1200" dirty="0">
-                  <a:latin typeface="Candara" panose="020E0502030303020204" pitchFamily="34" charset="0"/>
-                </a:rPr>
-                <a:t>plan monitoring strategy, budget structuring, preparation of reports</a:t>
-              </a:r>
-              <a:r>
-                <a:rPr lang="en-US" sz="1200">
-                  <a:latin typeface="Candara" panose="020E0502030303020204" pitchFamily="34" charset="0"/>
-                </a:rPr>
-                <a:t>, progress, </a:t>
-              </a:r>
-              <a:r>
-                <a:rPr lang="en-US" sz="1200" dirty="0">
-                  <a:latin typeface="Candara" panose="020E0502030303020204" pitchFamily="34" charset="0"/>
-                </a:rPr>
-                <a:t>and traceability of projects. </a:t>
+                <a:t>Functions: professional support in the construction, plan monitoring strategy, budget structuring, preparation of reports, progress, and traceability of projects. </a:t>
               </a:r>
             </a:p>
           </p:txBody>
@@ -10617,10 +10594,326 @@
           </a:fontRef>
         </p:style>
       </p:cxnSp>
+      <p:cxnSp>
+        <p:nvCxnSpPr>
+          <p:cNvPr id="17" name="Conector recto 69">
+            <a:extLst>
+              <a:ext uri="{FF2B5EF4-FFF2-40B4-BE49-F238E27FC236}">
+                <a16:creationId xmlns:a16="http://schemas.microsoft.com/office/drawing/2014/main" id="{D53503B2-BF63-4ED6-BA40-9D63FE9ACAAF}"/>
+              </a:ext>
+            </a:extLst>
+          </p:cNvPr>
+          <p:cNvCxnSpPr>
+            <a:cxnSpLocks/>
+          </p:cNvCxnSpPr>
+          <p:nvPr/>
+        </p:nvCxnSpPr>
+        <p:spPr>
+          <a:xfrm>
+            <a:off x="243525" y="419680"/>
+            <a:ext cx="6370950" cy="0"/>
+          </a:xfrm>
+          <a:prstGeom prst="line">
+            <a:avLst/>
+          </a:prstGeom>
+          <a:ln>
+            <a:solidFill>
+              <a:srgbClr val="3F656D"/>
+            </a:solidFill>
+          </a:ln>
+          <a:effectLst/>
+        </p:spPr>
+        <p:style>
+          <a:lnRef idx="1">
+            <a:schemeClr val="accent1"/>
+          </a:lnRef>
+          <a:fillRef idx="0">
+            <a:schemeClr val="accent1"/>
+          </a:fillRef>
+          <a:effectRef idx="0">
+            <a:schemeClr val="accent1"/>
+          </a:effectRef>
+          <a:fontRef idx="minor">
+            <a:schemeClr val="tx1"/>
+          </a:fontRef>
+        </p:style>
+      </p:cxnSp>
     </p:spTree>
     <p:extLst>
       <p:ext uri="{BB962C8B-B14F-4D97-AF65-F5344CB8AC3E}">
         <p14:creationId xmlns:p14="http://schemas.microsoft.com/office/powerpoint/2010/main" val="346349960"/>
+      </p:ext>
+    </p:extLst>
+  </p:cSld>
+  <p:clrMapOvr>
+    <a:masterClrMapping/>
+  </p:clrMapOvr>
+</p:sld>
+</file>
+
+<file path=ppt/slides/slide3.xml><?xml version="1.0" encoding="utf-8"?>
+<p:sld xmlns:a="http://schemas.openxmlformats.org/drawingml/2006/main" xmlns:r="http://schemas.openxmlformats.org/officeDocument/2006/relationships" xmlns:p="http://schemas.openxmlformats.org/presentationml/2006/main">
+  <p:cSld>
+    <p:spTree>
+      <p:nvGrpSpPr>
+        <p:cNvPr id="1" name=""/>
+        <p:cNvGrpSpPr/>
+        <p:nvPr/>
+      </p:nvGrpSpPr>
+      <p:grpSpPr>
+        <a:xfrm>
+          <a:off x="0" y="0"/>
+          <a:ext cx="0" cy="0"/>
+          <a:chOff x="0" y="0"/>
+          <a:chExt cx="0" cy="0"/>
+        </a:xfrm>
+      </p:grpSpPr>
+      <p:grpSp>
+        <p:nvGrpSpPr>
+          <p:cNvPr id="62" name="Group 61">
+            <a:extLst>
+              <a:ext uri="{FF2B5EF4-FFF2-40B4-BE49-F238E27FC236}">
+                <a16:creationId xmlns:a16="http://schemas.microsoft.com/office/drawing/2014/main" id="{4FF2C092-9671-4B1D-A990-A9A2179769D6}"/>
+              </a:ext>
+            </a:extLst>
+          </p:cNvPr>
+          <p:cNvGrpSpPr/>
+          <p:nvPr/>
+        </p:nvGrpSpPr>
+        <p:grpSpPr>
+          <a:xfrm>
+            <a:off x="394192" y="490179"/>
+            <a:ext cx="6069608" cy="1372028"/>
+            <a:chOff x="2408697" y="1820117"/>
+            <a:chExt cx="3685986" cy="1372028"/>
+          </a:xfrm>
+        </p:grpSpPr>
+        <p:sp>
+          <p:nvSpPr>
+            <p:cNvPr id="63" name="CuadroTexto 6">
+              <a:extLst>
+                <a:ext uri="{FF2B5EF4-FFF2-40B4-BE49-F238E27FC236}">
+                  <a16:creationId xmlns:a16="http://schemas.microsoft.com/office/drawing/2014/main" id="{8AFEE5A7-8460-45CA-8B28-35D35C044927}"/>
+                </a:ext>
+              </a:extLst>
+            </p:cNvPr>
+            <p:cNvSpPr txBox="1"/>
+            <p:nvPr/>
+          </p:nvSpPr>
+          <p:spPr>
+            <a:xfrm>
+              <a:off x="2408697" y="2176482"/>
+              <a:ext cx="3685986" cy="1015663"/>
+            </a:xfrm>
+            <a:prstGeom prst="rect">
+              <a:avLst/>
+            </a:prstGeom>
+            <a:noFill/>
+          </p:spPr>
+          <p:txBody>
+            <a:bodyPr wrap="square" rtlCol="0">
+              <a:spAutoFit/>
+            </a:bodyPr>
+            <a:lstStyle/>
+            <a:p>
+              <a:pPr algn="just"/>
+              <a:r>
+                <a:rPr lang="en-US" sz="1200" b="1" dirty="0">
+                  <a:latin typeface="Candara" panose="020E0502030303020204" pitchFamily="34" charset="0"/>
+                </a:rPr>
+                <a:t>University Colombian School of Engineering Julio </a:t>
+              </a:r>
+              <a:r>
+                <a:rPr lang="en-US" sz="1200" b="1" dirty="0" err="1">
+                  <a:latin typeface="Candara" panose="020E0502030303020204" pitchFamily="34" charset="0"/>
+                </a:rPr>
+                <a:t>Garavito</a:t>
+              </a:r>
+              <a:r>
+                <a:rPr lang="en-US" sz="1200" b="1" dirty="0">
+                  <a:latin typeface="Candara" panose="020E0502030303020204" pitchFamily="34" charset="0"/>
+                </a:rPr>
+                <a:t> – 2016 </a:t>
+              </a:r>
+            </a:p>
+            <a:p>
+              <a:pPr marL="171450" indent="-171450" algn="just">
+                <a:buFont typeface="Candara" panose="020E0502030303020204" pitchFamily="34" charset="0"/>
+                <a:buChar char="‐"/>
+              </a:pPr>
+              <a:r>
+                <a:rPr lang="en-US" sz="1200" dirty="0">
+                  <a:latin typeface="Candara" panose="020E0502030303020204" pitchFamily="34" charset="0"/>
+                </a:rPr>
+                <a:t>Summa Cum Laude within Civil Engineering department for best overall undergraduate GPA.  </a:t>
+              </a:r>
+            </a:p>
+            <a:p>
+              <a:pPr algn="just"/>
+              <a:r>
+                <a:rPr lang="en-US" sz="1200" b="1" dirty="0">
+                  <a:latin typeface="Candara" panose="020E0502030303020204" pitchFamily="34" charset="0"/>
+                </a:rPr>
+                <a:t>California Lake Management Society (CALMS) Scholarship – 2021 </a:t>
+              </a:r>
+            </a:p>
+            <a:p>
+              <a:pPr marL="171450" indent="-171450" algn="just">
+                <a:buFontTx/>
+                <a:buChar char="-"/>
+              </a:pPr>
+              <a:r>
+                <a:rPr lang="en-US" sz="1200" dirty="0">
+                  <a:latin typeface="Candara" panose="020E0502030303020204" pitchFamily="34" charset="0"/>
+                </a:rPr>
+                <a:t>One of the 4 graduate students to receive the scholarship during summer 2021</a:t>
+              </a:r>
+            </a:p>
+          </p:txBody>
+        </p:sp>
+        <p:sp>
+          <p:nvSpPr>
+            <p:cNvPr id="64" name="CuadroTexto 51">
+              <a:extLst>
+                <a:ext uri="{FF2B5EF4-FFF2-40B4-BE49-F238E27FC236}">
+                  <a16:creationId xmlns:a16="http://schemas.microsoft.com/office/drawing/2014/main" id="{FC848EBD-DCEB-409F-97BB-ED1E050FC9AE}"/>
+                </a:ext>
+              </a:extLst>
+            </p:cNvPr>
+            <p:cNvSpPr txBox="1"/>
+            <p:nvPr/>
+          </p:nvSpPr>
+          <p:spPr>
+            <a:xfrm>
+              <a:off x="2549165" y="1820117"/>
+              <a:ext cx="1926191" cy="307777"/>
+            </a:xfrm>
+            <a:prstGeom prst="rect">
+              <a:avLst/>
+            </a:prstGeom>
+            <a:noFill/>
+          </p:spPr>
+          <p:txBody>
+            <a:bodyPr wrap="square" rtlCol="0">
+              <a:spAutoFit/>
+            </a:bodyPr>
+            <a:lstStyle/>
+            <a:p>
+              <a:r>
+                <a:rPr lang="es-CO" sz="1400" dirty="0">
+                  <a:solidFill>
+                    <a:schemeClr val="tx1">
+                      <a:lumMod val="75000"/>
+                      <a:lumOff val="25000"/>
+                    </a:schemeClr>
+                  </a:solidFill>
+                  <a:effectLst>
+                    <a:outerShdw blurRad="38100" dist="38100" dir="2700000" algn="tl">
+                      <a:srgbClr val="000000">
+                        <a:alpha val="43137"/>
+                      </a:srgbClr>
+                    </a:outerShdw>
+                  </a:effectLst>
+                  <a:latin typeface="Candara" panose="020E0502030303020204" pitchFamily="34" charset="0"/>
+                </a:rPr>
+                <a:t>HONORS &amp; AWARDS</a:t>
+              </a:r>
+            </a:p>
+          </p:txBody>
+        </p:sp>
+      </p:grpSp>
+      <p:cxnSp>
+        <p:nvCxnSpPr>
+          <p:cNvPr id="22" name="Conector recto 69">
+            <a:extLst>
+              <a:ext uri="{FF2B5EF4-FFF2-40B4-BE49-F238E27FC236}">
+                <a16:creationId xmlns:a16="http://schemas.microsoft.com/office/drawing/2014/main" id="{6E84A08C-C8BB-4D57-8C5C-4BC4776102A2}"/>
+              </a:ext>
+            </a:extLst>
+          </p:cNvPr>
+          <p:cNvCxnSpPr>
+            <a:cxnSpLocks/>
+          </p:cNvCxnSpPr>
+          <p:nvPr/>
+        </p:nvCxnSpPr>
+        <p:spPr>
+          <a:xfrm>
+            <a:off x="243525" y="1980332"/>
+            <a:ext cx="6370950" cy="0"/>
+          </a:xfrm>
+          <a:prstGeom prst="line">
+            <a:avLst/>
+          </a:prstGeom>
+          <a:ln>
+            <a:solidFill>
+              <a:srgbClr val="3F656D"/>
+            </a:solidFill>
+          </a:ln>
+          <a:effectLst/>
+        </p:spPr>
+        <p:style>
+          <a:lnRef idx="1">
+            <a:schemeClr val="accent1"/>
+          </a:lnRef>
+          <a:fillRef idx="0">
+            <a:schemeClr val="accent1"/>
+          </a:fillRef>
+          <a:effectRef idx="0">
+            <a:schemeClr val="accent1"/>
+          </a:effectRef>
+          <a:fontRef idx="minor">
+            <a:schemeClr val="tx1"/>
+          </a:fontRef>
+        </p:style>
+      </p:cxnSp>
+      <p:cxnSp>
+        <p:nvCxnSpPr>
+          <p:cNvPr id="17" name="Conector recto 69">
+            <a:extLst>
+              <a:ext uri="{FF2B5EF4-FFF2-40B4-BE49-F238E27FC236}">
+                <a16:creationId xmlns:a16="http://schemas.microsoft.com/office/drawing/2014/main" id="{A1A40E7D-337B-4259-8D09-865C8F60A9BC}"/>
+              </a:ext>
+            </a:extLst>
+          </p:cNvPr>
+          <p:cNvCxnSpPr>
+            <a:cxnSpLocks/>
+          </p:cNvCxnSpPr>
+          <p:nvPr/>
+        </p:nvCxnSpPr>
+        <p:spPr>
+          <a:xfrm>
+            <a:off x="243525" y="365848"/>
+            <a:ext cx="6370950" cy="0"/>
+          </a:xfrm>
+          <a:prstGeom prst="line">
+            <a:avLst/>
+          </a:prstGeom>
+          <a:ln>
+            <a:solidFill>
+              <a:srgbClr val="3F656D"/>
+            </a:solidFill>
+          </a:ln>
+          <a:effectLst/>
+        </p:spPr>
+        <p:style>
+          <a:lnRef idx="1">
+            <a:schemeClr val="accent1"/>
+          </a:lnRef>
+          <a:fillRef idx="0">
+            <a:schemeClr val="accent1"/>
+          </a:fillRef>
+          <a:effectRef idx="0">
+            <a:schemeClr val="accent1"/>
+          </a:effectRef>
+          <a:fontRef idx="minor">
+            <a:schemeClr val="tx1"/>
+          </a:fontRef>
+        </p:style>
+      </p:cxnSp>
+    </p:spTree>
+    <p:extLst>
+      <p:ext uri="{BB962C8B-B14F-4D97-AF65-F5344CB8AC3E}">
+        <p14:creationId xmlns:p14="http://schemas.microsoft.com/office/powerpoint/2010/main" val="3893030839"/>
       </p:ext>
     </p:extLst>
   </p:cSld>

--- a/docs/CV_SV_2020_V1.pptx
+++ b/docs/CV_SV_2020_V1.pptx
@@ -2833,7 +2833,7 @@
           <a:p>
             <a:fld id="{863FE3A7-EC10-4CB9-8B62-C9C4255F3532}" type="datetimeFigureOut">
               <a:rPr lang="es-CO" smtClean="0"/>
-              <a:t>12/08/2021</a:t>
+              <a:t>27/01/2022</a:t>
             </a:fld>
             <a:endParaRPr lang="es-CO"/>
           </a:p>
@@ -3031,7 +3031,7 @@
           <a:p>
             <a:fld id="{863FE3A7-EC10-4CB9-8B62-C9C4255F3532}" type="datetimeFigureOut">
               <a:rPr lang="es-CO" smtClean="0"/>
-              <a:t>12/08/2021</a:t>
+              <a:t>27/01/2022</a:t>
             </a:fld>
             <a:endParaRPr lang="es-CO"/>
           </a:p>
@@ -3239,7 +3239,7 @@
           <a:p>
             <a:fld id="{863FE3A7-EC10-4CB9-8B62-C9C4255F3532}" type="datetimeFigureOut">
               <a:rPr lang="es-CO" smtClean="0"/>
-              <a:t>12/08/2021</a:t>
+              <a:t>27/01/2022</a:t>
             </a:fld>
             <a:endParaRPr lang="es-CO"/>
           </a:p>
@@ -3437,7 +3437,7 @@
           <a:p>
             <a:fld id="{863FE3A7-EC10-4CB9-8B62-C9C4255F3532}" type="datetimeFigureOut">
               <a:rPr lang="es-CO" smtClean="0"/>
-              <a:t>12/08/2021</a:t>
+              <a:t>27/01/2022</a:t>
             </a:fld>
             <a:endParaRPr lang="es-CO"/>
           </a:p>
@@ -3712,7 +3712,7 @@
           <a:p>
             <a:fld id="{863FE3A7-EC10-4CB9-8B62-C9C4255F3532}" type="datetimeFigureOut">
               <a:rPr lang="es-CO" smtClean="0"/>
-              <a:t>12/08/2021</a:t>
+              <a:t>27/01/2022</a:t>
             </a:fld>
             <a:endParaRPr lang="es-CO"/>
           </a:p>
@@ -3977,7 +3977,7 @@
           <a:p>
             <a:fld id="{863FE3A7-EC10-4CB9-8B62-C9C4255F3532}" type="datetimeFigureOut">
               <a:rPr lang="es-CO" smtClean="0"/>
-              <a:t>12/08/2021</a:t>
+              <a:t>27/01/2022</a:t>
             </a:fld>
             <a:endParaRPr lang="es-CO"/>
           </a:p>
@@ -4389,7 +4389,7 @@
           <a:p>
             <a:fld id="{863FE3A7-EC10-4CB9-8B62-C9C4255F3532}" type="datetimeFigureOut">
               <a:rPr lang="es-CO" smtClean="0"/>
-              <a:t>12/08/2021</a:t>
+              <a:t>27/01/2022</a:t>
             </a:fld>
             <a:endParaRPr lang="es-CO"/>
           </a:p>
@@ -4530,7 +4530,7 @@
           <a:p>
             <a:fld id="{863FE3A7-EC10-4CB9-8B62-C9C4255F3532}" type="datetimeFigureOut">
               <a:rPr lang="es-CO" smtClean="0"/>
-              <a:t>12/08/2021</a:t>
+              <a:t>27/01/2022</a:t>
             </a:fld>
             <a:endParaRPr lang="es-CO"/>
           </a:p>
@@ -4643,7 +4643,7 @@
           <a:p>
             <a:fld id="{863FE3A7-EC10-4CB9-8B62-C9C4255F3532}" type="datetimeFigureOut">
               <a:rPr lang="es-CO" smtClean="0"/>
-              <a:t>12/08/2021</a:t>
+              <a:t>27/01/2022</a:t>
             </a:fld>
             <a:endParaRPr lang="es-CO"/>
           </a:p>
@@ -4954,7 +4954,7 @@
           <a:p>
             <a:fld id="{863FE3A7-EC10-4CB9-8B62-C9C4255F3532}" type="datetimeFigureOut">
               <a:rPr lang="es-CO" smtClean="0"/>
-              <a:t>12/08/2021</a:t>
+              <a:t>27/01/2022</a:t>
             </a:fld>
             <a:endParaRPr lang="es-CO"/>
           </a:p>
@@ -5242,7 +5242,7 @@
           <a:p>
             <a:fld id="{863FE3A7-EC10-4CB9-8B62-C9C4255F3532}" type="datetimeFigureOut">
               <a:rPr lang="es-CO" smtClean="0"/>
-              <a:t>12/08/2021</a:t>
+              <a:t>27/01/2022</a:t>
             </a:fld>
             <a:endParaRPr lang="es-CO"/>
           </a:p>
@@ -5483,7 +5483,7 @@
           <a:p>
             <a:fld id="{863FE3A7-EC10-4CB9-8B62-C9C4255F3532}" type="datetimeFigureOut">
               <a:rPr lang="es-CO" smtClean="0"/>
-              <a:t>12/08/2021</a:t>
+              <a:t>27/01/2022</a:t>
             </a:fld>
             <a:endParaRPr lang="es-CO"/>
           </a:p>
@@ -10683,9 +10683,9 @@
         <p:grpSpPr>
           <a:xfrm>
             <a:off x="394192" y="490179"/>
-            <a:ext cx="6069608" cy="1372028"/>
+            <a:ext cx="6069608" cy="2480023"/>
             <a:chOff x="2408697" y="1820117"/>
-            <a:chExt cx="3685986" cy="1372028"/>
+            <a:chExt cx="3685986" cy="2480023"/>
           </a:xfrm>
         </p:grpSpPr>
         <p:sp>
@@ -10703,7 +10703,7 @@
           <p:spPr>
             <a:xfrm>
               <a:off x="2408697" y="2176482"/>
-              <a:ext cx="3685986" cy="1015663"/>
+              <a:ext cx="3685986" cy="2123658"/>
             </a:xfrm>
             <a:prstGeom prst="rect">
               <a:avLst/>
@@ -10767,6 +10767,48 @@
                   <a:latin typeface="Candara" panose="020E0502030303020204" pitchFamily="34" charset="0"/>
                 </a:rPr>
                 <a:t>One of the 4 graduate students to receive the scholarship during summer 2021</a:t>
+              </a:r>
+            </a:p>
+            <a:p>
+              <a:pPr algn="just"/>
+              <a:r>
+                <a:rPr lang="en-US" sz="1200" b="1" dirty="0">
+                  <a:latin typeface="Candara" panose="020E0502030303020204" pitchFamily="34" charset="0"/>
+                </a:rPr>
+                <a:t>Goldman – Schladow Limnology Fellowship – 2022  </a:t>
+              </a:r>
+            </a:p>
+            <a:p>
+              <a:pPr marL="171450" indent="-171450" algn="just">
+                <a:buFontTx/>
+                <a:buChar char="-"/>
+              </a:pPr>
+              <a:r>
+                <a:rPr lang="en-US" sz="1200" dirty="0">
+                  <a:latin typeface="Candara" panose="020E0502030303020204" pitchFamily="34" charset="0"/>
+                </a:rPr>
+                <a:t>Fellowship awarded to UC Davis graduate students conducting limnological research on California lakes in general and particularly those doing research on Lake Tahoe at TERC</a:t>
+              </a:r>
+            </a:p>
+            <a:p>
+              <a:pPr algn="just"/>
+              <a:r>
+                <a:rPr lang="en-US" sz="1200" b="1" dirty="0">
+                  <a:latin typeface="Candara" panose="020E0502030303020204" pitchFamily="34" charset="0"/>
+                </a:rPr>
+                <a:t>David and Dana Loury Foundation Fellowship – 2022   </a:t>
+              </a:r>
+            </a:p>
+            <a:p>
+              <a:pPr marL="171450" indent="-171450" algn="just">
+                <a:buFontTx/>
+                <a:buChar char="-"/>
+              </a:pPr>
+              <a:r>
+                <a:rPr lang="en-US" sz="1200" dirty="0">
+                  <a:latin typeface="Candara" panose="020E0502030303020204" pitchFamily="34" charset="0"/>
+                </a:rPr>
+                <a:t>Fellowship awarded in recognition of outstanding academic record and promise of productive scholarship.</a:t>
               </a:r>
             </a:p>
           </p:txBody>
@@ -10838,7 +10880,7 @@
         </p:nvCxnSpPr>
         <p:spPr>
           <a:xfrm>
-            <a:off x="243525" y="1980332"/>
+            <a:off x="243525" y="3974232"/>
             <a:ext cx="6370950" cy="0"/>
           </a:xfrm>
           <a:prstGeom prst="line">
